--- a/slides/chapter2.pptx
+++ b/slides/chapter2.pptx
@@ -252,7 +252,7 @@
           <a:bodyPr lIns="0" rIns="0" tIns="0" bIns="0" anchor="b"/>
           <a:p>
             <a:pPr algn="r"/>
-            <a:fld id="{7AE86BD4-74DE-4AEB-A8B6-8B327A10D265}" type="slidenum">
+            <a:fld id="{54C4AE6F-A826-4EBA-B210-0D2062FC7535}" type="slidenum">
               <a:rPr b="0" lang="en-US" sz="1400" spc="-1" strike="noStrike">
                 <a:latin typeface="Times New Roman"/>
               </a:rPr>
@@ -289,7 +289,7 @@
       </p:grpSpPr>
       <p:sp>
         <p:nvSpPr>
-          <p:cNvPr id="422" name="PlaceHolder 1"/>
+          <p:cNvPr id="421" name="PlaceHolder 1"/>
           <p:cNvSpPr>
             <a:spLocks noGrp="1"/>
           </p:cNvSpPr>
@@ -300,7 +300,7 @@
         <p:spPr>
           <a:xfrm>
             <a:off x="3332160" y="971640"/>
-            <a:ext cx="3392280" cy="2620800"/>
+            <a:ext cx="3391920" cy="2620440"/>
           </a:xfrm>
           <a:prstGeom prst="rect">
             <a:avLst/>
@@ -309,7 +309,7 @@
       </p:sp>
       <p:sp>
         <p:nvSpPr>
-          <p:cNvPr id="423" name="PlaceHolder 2"/>
+          <p:cNvPr id="422" name="PlaceHolder 2"/>
           <p:cNvSpPr>
             <a:spLocks noGrp="1"/>
           </p:cNvSpPr>
@@ -320,7 +320,7 @@
         <p:spPr>
           <a:xfrm>
             <a:off x="1006560" y="3740040"/>
-            <a:ext cx="8043480" cy="3058920"/>
+            <a:ext cx="8043120" cy="3058560"/>
           </a:xfrm>
           <a:prstGeom prst="rect">
             <a:avLst/>
@@ -337,14 +337,14 @@
       </p:sp>
       <p:sp>
         <p:nvSpPr>
-          <p:cNvPr id="424" name="CustomShape 3"/>
+          <p:cNvPr id="423" name="CustomShape 3"/>
           <p:cNvSpPr/>
           <p:nvPr/>
         </p:nvSpPr>
         <p:spPr>
           <a:xfrm>
             <a:off x="5697360" y="7383600"/>
-            <a:ext cx="4357440" cy="387000"/>
+            <a:ext cx="4357080" cy="386640"/>
           </a:xfrm>
           <a:prstGeom prst="rect">
             <a:avLst/>
@@ -368,7 +368,7 @@
                 <a:spcPct val="100000"/>
               </a:lnSpc>
             </a:pPr>
-            <a:fld id="{BC4D015D-2EC5-45B9-9CD4-C2F7B0BB38CD}" type="slidenum">
+            <a:fld id="{40BCF4CA-5F96-4D74-965F-2B4994F3B3E5}" type="slidenum">
               <a:rPr b="0" lang="en-US" sz="1200" spc="-1" strike="noStrike">
                 <a:solidFill>
                   <a:srgbClr val="000000"/>
@@ -408,7 +408,7 @@
       </p:grpSpPr>
       <p:sp>
         <p:nvSpPr>
-          <p:cNvPr id="425" name="PlaceHolder 1"/>
+          <p:cNvPr id="424" name="PlaceHolder 1"/>
           <p:cNvSpPr>
             <a:spLocks noGrp="1"/>
           </p:cNvSpPr>
@@ -419,7 +419,7 @@
         <p:spPr>
           <a:xfrm>
             <a:off x="3332160" y="971640"/>
-            <a:ext cx="3392280" cy="2620800"/>
+            <a:ext cx="3391920" cy="2620440"/>
           </a:xfrm>
           <a:prstGeom prst="rect">
             <a:avLst/>
@@ -428,7 +428,7 @@
       </p:sp>
       <p:sp>
         <p:nvSpPr>
-          <p:cNvPr id="426" name="PlaceHolder 2"/>
+          <p:cNvPr id="425" name="PlaceHolder 2"/>
           <p:cNvSpPr>
             <a:spLocks noGrp="1"/>
           </p:cNvSpPr>
@@ -439,7 +439,7 @@
         <p:spPr>
           <a:xfrm>
             <a:off x="1006560" y="3740040"/>
-            <a:ext cx="8043480" cy="3058920"/>
+            <a:ext cx="8043120" cy="3058560"/>
           </a:xfrm>
           <a:prstGeom prst="rect">
             <a:avLst/>
@@ -456,14 +456,14 @@
       </p:sp>
       <p:sp>
         <p:nvSpPr>
-          <p:cNvPr id="427" name="CustomShape 3"/>
+          <p:cNvPr id="426" name="CustomShape 3"/>
           <p:cNvSpPr/>
           <p:nvPr/>
         </p:nvSpPr>
         <p:spPr>
           <a:xfrm>
             <a:off x="5697360" y="7383600"/>
-            <a:ext cx="4357440" cy="387000"/>
+            <a:ext cx="4357080" cy="386640"/>
           </a:xfrm>
           <a:prstGeom prst="rect">
             <a:avLst/>
@@ -487,7 +487,7 @@
                 <a:spcPct val="100000"/>
               </a:lnSpc>
             </a:pPr>
-            <a:fld id="{639C7090-111B-4E63-8259-2FA2D2269537}" type="slidenum">
+            <a:fld id="{C3F973E9-C5D7-47B8-8530-4CA2E392D13A}" type="slidenum">
               <a:rPr b="0" lang="en-US" sz="1200" spc="-1" strike="noStrike">
                 <a:solidFill>
                   <a:srgbClr val="000000"/>
@@ -527,7 +527,7 @@
       </p:grpSpPr>
       <p:sp>
         <p:nvSpPr>
-          <p:cNvPr id="428" name="PlaceHolder 1"/>
+          <p:cNvPr id="427" name="PlaceHolder 1"/>
           <p:cNvSpPr>
             <a:spLocks noGrp="1"/>
           </p:cNvSpPr>
@@ -538,7 +538,7 @@
         <p:spPr>
           <a:xfrm>
             <a:off x="3332160" y="971640"/>
-            <a:ext cx="3392280" cy="2620800"/>
+            <a:ext cx="3391920" cy="2620440"/>
           </a:xfrm>
           <a:prstGeom prst="rect">
             <a:avLst/>
@@ -547,7 +547,7 @@
       </p:sp>
       <p:sp>
         <p:nvSpPr>
-          <p:cNvPr id="429" name="PlaceHolder 2"/>
+          <p:cNvPr id="428" name="PlaceHolder 2"/>
           <p:cNvSpPr>
             <a:spLocks noGrp="1"/>
           </p:cNvSpPr>
@@ -558,7 +558,7 @@
         <p:spPr>
           <a:xfrm>
             <a:off x="1006560" y="3740040"/>
-            <a:ext cx="8043480" cy="3058920"/>
+            <a:ext cx="8043120" cy="3058560"/>
           </a:xfrm>
           <a:prstGeom prst="rect">
             <a:avLst/>
@@ -575,14 +575,14 @@
       </p:sp>
       <p:sp>
         <p:nvSpPr>
-          <p:cNvPr id="430" name="CustomShape 3"/>
+          <p:cNvPr id="429" name="CustomShape 3"/>
           <p:cNvSpPr/>
           <p:nvPr/>
         </p:nvSpPr>
         <p:spPr>
           <a:xfrm>
             <a:off x="5697360" y="7383600"/>
-            <a:ext cx="4357440" cy="387000"/>
+            <a:ext cx="4357080" cy="386640"/>
           </a:xfrm>
           <a:prstGeom prst="rect">
             <a:avLst/>
@@ -606,7 +606,7 @@
                 <a:spcPct val="100000"/>
               </a:lnSpc>
             </a:pPr>
-            <a:fld id="{13844319-83CA-46D9-BCB1-115B5CA43449}" type="slidenum">
+            <a:fld id="{AF57F5E4-6393-4089-AAD4-FC4082B6D768}" type="slidenum">
               <a:rPr b="0" lang="en-US" sz="1200" spc="-1" strike="noStrike">
                 <a:solidFill>
                   <a:srgbClr val="000000"/>
@@ -646,7 +646,7 @@
       </p:grpSpPr>
       <p:sp>
         <p:nvSpPr>
-          <p:cNvPr id="431" name="PlaceHolder 1"/>
+          <p:cNvPr id="430" name="PlaceHolder 1"/>
           <p:cNvSpPr>
             <a:spLocks noGrp="1"/>
           </p:cNvSpPr>
@@ -657,7 +657,7 @@
         <p:spPr>
           <a:xfrm>
             <a:off x="3332160" y="971640"/>
-            <a:ext cx="3392280" cy="2620800"/>
+            <a:ext cx="3391920" cy="2620440"/>
           </a:xfrm>
           <a:prstGeom prst="rect">
             <a:avLst/>
@@ -666,7 +666,7 @@
       </p:sp>
       <p:sp>
         <p:nvSpPr>
-          <p:cNvPr id="432" name="PlaceHolder 2"/>
+          <p:cNvPr id="431" name="PlaceHolder 2"/>
           <p:cNvSpPr>
             <a:spLocks noGrp="1"/>
           </p:cNvSpPr>
@@ -677,7 +677,7 @@
         <p:spPr>
           <a:xfrm>
             <a:off x="1006560" y="3740040"/>
-            <a:ext cx="8043480" cy="3058920"/>
+            <a:ext cx="8043120" cy="3058560"/>
           </a:xfrm>
           <a:prstGeom prst="rect">
             <a:avLst/>
@@ -694,14 +694,14 @@
       </p:sp>
       <p:sp>
         <p:nvSpPr>
-          <p:cNvPr id="433" name="CustomShape 3"/>
+          <p:cNvPr id="432" name="CustomShape 3"/>
           <p:cNvSpPr/>
           <p:nvPr/>
         </p:nvSpPr>
         <p:spPr>
           <a:xfrm>
             <a:off x="5697360" y="7383600"/>
-            <a:ext cx="4357440" cy="387000"/>
+            <a:ext cx="4357080" cy="386640"/>
           </a:xfrm>
           <a:prstGeom prst="rect">
             <a:avLst/>
@@ -725,7 +725,7 @@
                 <a:spcPct val="100000"/>
               </a:lnSpc>
             </a:pPr>
-            <a:fld id="{464F65A6-572D-4F3E-9553-7AE1B2E7E4B4}" type="slidenum">
+            <a:fld id="{7774E503-0A08-4DBF-8554-0F32B1EFE2F4}" type="slidenum">
               <a:rPr b="0" lang="en-US" sz="1200" spc="-1" strike="noStrike">
                 <a:solidFill>
                   <a:srgbClr val="000000"/>
@@ -765,7 +765,7 @@
       </p:grpSpPr>
       <p:sp>
         <p:nvSpPr>
-          <p:cNvPr id="416" name="PlaceHolder 1"/>
+          <p:cNvPr id="415" name="PlaceHolder 1"/>
           <p:cNvSpPr>
             <a:spLocks noGrp="1"/>
           </p:cNvSpPr>
@@ -776,7 +776,7 @@
         <p:spPr>
           <a:xfrm>
             <a:off x="3332160" y="971640"/>
-            <a:ext cx="3392280" cy="2620800"/>
+            <a:ext cx="3391920" cy="2620440"/>
           </a:xfrm>
           <a:prstGeom prst="rect">
             <a:avLst/>
@@ -785,7 +785,7 @@
       </p:sp>
       <p:sp>
         <p:nvSpPr>
-          <p:cNvPr id="417" name="PlaceHolder 2"/>
+          <p:cNvPr id="416" name="PlaceHolder 2"/>
           <p:cNvSpPr>
             <a:spLocks noGrp="1"/>
           </p:cNvSpPr>
@@ -796,7 +796,7 @@
         <p:spPr>
           <a:xfrm>
             <a:off x="1006560" y="3740040"/>
-            <a:ext cx="8043480" cy="3058920"/>
+            <a:ext cx="8043120" cy="3058560"/>
           </a:xfrm>
           <a:prstGeom prst="rect">
             <a:avLst/>
@@ -813,14 +813,14 @@
       </p:sp>
       <p:sp>
         <p:nvSpPr>
-          <p:cNvPr id="418" name="CustomShape 3"/>
+          <p:cNvPr id="417" name="CustomShape 3"/>
           <p:cNvSpPr/>
           <p:nvPr/>
         </p:nvSpPr>
         <p:spPr>
           <a:xfrm>
             <a:off x="5697360" y="7383600"/>
-            <a:ext cx="4357440" cy="387000"/>
+            <a:ext cx="4357080" cy="386640"/>
           </a:xfrm>
           <a:prstGeom prst="rect">
             <a:avLst/>
@@ -844,7 +844,7 @@
                 <a:spcPct val="100000"/>
               </a:lnSpc>
             </a:pPr>
-            <a:fld id="{891E0800-1535-4ACD-A92A-E27D98C8E852}" type="slidenum">
+            <a:fld id="{82047EEE-4113-4CCB-98BB-EEC09C52718C}" type="slidenum">
               <a:rPr b="0" lang="en-US" sz="1200" spc="-1" strike="noStrike">
                 <a:solidFill>
                   <a:srgbClr val="000000"/>
@@ -884,7 +884,7 @@
       </p:grpSpPr>
       <p:sp>
         <p:nvSpPr>
-          <p:cNvPr id="419" name="PlaceHolder 1"/>
+          <p:cNvPr id="418" name="PlaceHolder 1"/>
           <p:cNvSpPr>
             <a:spLocks noGrp="1"/>
           </p:cNvSpPr>
@@ -895,7 +895,7 @@
         <p:spPr>
           <a:xfrm>
             <a:off x="3332160" y="971640"/>
-            <a:ext cx="3392280" cy="2620800"/>
+            <a:ext cx="3391920" cy="2620440"/>
           </a:xfrm>
           <a:prstGeom prst="rect">
             <a:avLst/>
@@ -904,7 +904,7 @@
       </p:sp>
       <p:sp>
         <p:nvSpPr>
-          <p:cNvPr id="420" name="PlaceHolder 2"/>
+          <p:cNvPr id="419" name="PlaceHolder 2"/>
           <p:cNvSpPr>
             <a:spLocks noGrp="1"/>
           </p:cNvSpPr>
@@ -915,7 +915,7 @@
         <p:spPr>
           <a:xfrm>
             <a:off x="1006560" y="3740040"/>
-            <a:ext cx="8043480" cy="3058920"/>
+            <a:ext cx="8043120" cy="3058560"/>
           </a:xfrm>
           <a:prstGeom prst="rect">
             <a:avLst/>
@@ -932,14 +932,14 @@
       </p:sp>
       <p:sp>
         <p:nvSpPr>
-          <p:cNvPr id="421" name="CustomShape 3"/>
+          <p:cNvPr id="420" name="CustomShape 3"/>
           <p:cNvSpPr/>
           <p:nvPr/>
         </p:nvSpPr>
         <p:spPr>
           <a:xfrm>
             <a:off x="5697360" y="7383600"/>
-            <a:ext cx="4357440" cy="387000"/>
+            <a:ext cx="4357080" cy="386640"/>
           </a:xfrm>
           <a:prstGeom prst="rect">
             <a:avLst/>
@@ -963,7 +963,7 @@
                 <a:spcPct val="100000"/>
               </a:lnSpc>
             </a:pPr>
-            <a:fld id="{E83CA955-3B5A-4C80-A7E4-C6C6039F60E9}" type="slidenum">
+            <a:fld id="{3625973E-26E5-457B-940E-BFB3FE6AAEBD}" type="slidenum">
               <a:rPr b="0" lang="en-US" sz="1200" spc="-1" strike="noStrike">
                 <a:solidFill>
                   <a:srgbClr val="000000"/>
@@ -5481,97 +5481,7 @@
               <a:rPr b="0" lang="en-US" sz="4400" spc="-1" strike="noStrike">
                 <a:latin typeface="Arial"/>
               </a:rPr>
-              <a:t>Cl</a:t>
-            </a:r>
-            <a:r>
-              <a:rPr b="0" lang="en-US" sz="4400" spc="-1" strike="noStrike">
-                <a:latin typeface="Arial"/>
-              </a:rPr>
-              <a:t>ic</a:t>
-            </a:r>
-            <a:r>
-              <a:rPr b="0" lang="en-US" sz="4400" spc="-1" strike="noStrike">
-                <a:latin typeface="Arial"/>
-              </a:rPr>
-              <a:t>k </a:t>
-            </a:r>
-            <a:r>
-              <a:rPr b="0" lang="en-US" sz="4400" spc="-1" strike="noStrike">
-                <a:latin typeface="Arial"/>
-              </a:rPr>
-              <a:t>to </a:t>
-            </a:r>
-            <a:r>
-              <a:rPr b="0" lang="en-US" sz="4400" spc="-1" strike="noStrike">
-                <a:latin typeface="Arial"/>
-              </a:rPr>
-              <a:t>ed</a:t>
-            </a:r>
-            <a:r>
-              <a:rPr b="0" lang="en-US" sz="4400" spc="-1" strike="noStrike">
-                <a:latin typeface="Arial"/>
-              </a:rPr>
-              <a:t>it </a:t>
-            </a:r>
-            <a:r>
-              <a:rPr b="0" lang="en-US" sz="4400" spc="-1" strike="noStrike">
-                <a:latin typeface="Arial"/>
-              </a:rPr>
-              <a:t>th</a:t>
-            </a:r>
-            <a:r>
-              <a:rPr b="0" lang="en-US" sz="4400" spc="-1" strike="noStrike">
-                <a:latin typeface="Arial"/>
-              </a:rPr>
-              <a:t>e </a:t>
-            </a:r>
-            <a:r>
-              <a:rPr b="0" lang="en-US" sz="4400" spc="-1" strike="noStrike">
-                <a:latin typeface="Arial"/>
-              </a:rPr>
-              <a:t>titl</a:t>
-            </a:r>
-            <a:r>
-              <a:rPr b="0" lang="en-US" sz="4400" spc="-1" strike="noStrike">
-                <a:latin typeface="Arial"/>
-              </a:rPr>
-              <a:t>e </a:t>
-            </a:r>
-            <a:r>
-              <a:rPr b="0" lang="en-US" sz="4400" spc="-1" strike="noStrike">
-                <a:latin typeface="Arial"/>
-              </a:rPr>
-              <a:t>te</a:t>
-            </a:r>
-            <a:r>
-              <a:rPr b="0" lang="en-US" sz="4400" spc="-1" strike="noStrike">
-                <a:latin typeface="Arial"/>
-              </a:rPr>
-              <a:t>xt </a:t>
-            </a:r>
-            <a:r>
-              <a:rPr b="0" lang="en-US" sz="4400" spc="-1" strike="noStrike">
-                <a:latin typeface="Arial"/>
-              </a:rPr>
-              <a:t>fo</a:t>
-            </a:r>
-            <a:r>
-              <a:rPr b="0" lang="en-US" sz="4400" spc="-1" strike="noStrike">
-                <a:latin typeface="Arial"/>
-              </a:rPr>
-              <a:t>r</a:t>
-            </a:r>
-            <a:r>
-              <a:rPr b="0" lang="en-US" sz="4400" spc="-1" strike="noStrike">
-                <a:latin typeface="Arial"/>
-              </a:rPr>
-              <a:t>m</a:t>
-            </a:r>
-            <a:r>
-              <a:rPr b="0" lang="en-US" sz="4400" spc="-1" strike="noStrike">
-                <a:latin typeface="Arial"/>
-              </a:rPr>
-              <a:t>at</a:t>
+              <a:t>Click to edit the title text format</a:t>
             </a:r>
             <a:endParaRPr b="0" lang="en-US" sz="4400" spc="-1" strike="noStrike">
               <a:latin typeface="Arial"/>
@@ -5829,7 +5739,49 @@
               <a:rPr b="0" lang="en-US" sz="4400" spc="-1" strike="noStrike">
                 <a:latin typeface="Arial"/>
               </a:rPr>
-              <a:t>Click to edit the title text format</a:t>
+              <a:t>Clic</a:t>
+            </a:r>
+            <a:r>
+              <a:rPr b="0" lang="en-US" sz="4400" spc="-1" strike="noStrike">
+                <a:latin typeface="Arial"/>
+              </a:rPr>
+              <a:t>k to </a:t>
+            </a:r>
+            <a:r>
+              <a:rPr b="0" lang="en-US" sz="4400" spc="-1" strike="noStrike">
+                <a:latin typeface="Arial"/>
+              </a:rPr>
+              <a:t>edit </a:t>
+            </a:r>
+            <a:r>
+              <a:rPr b="0" lang="en-US" sz="4400" spc="-1" strike="noStrike">
+                <a:latin typeface="Arial"/>
+              </a:rPr>
+              <a:t>the </a:t>
+            </a:r>
+            <a:r>
+              <a:rPr b="0" lang="en-US" sz="4400" spc="-1" strike="noStrike">
+                <a:latin typeface="Arial"/>
+              </a:rPr>
+              <a:t>title </a:t>
+            </a:r>
+            <a:r>
+              <a:rPr b="0" lang="en-US" sz="4400" spc="-1" strike="noStrike">
+                <a:latin typeface="Arial"/>
+              </a:rPr>
+              <a:t>text </a:t>
+            </a:r>
+            <a:r>
+              <a:rPr b="0" lang="en-US" sz="4400" spc="-1" strike="noStrike">
+                <a:latin typeface="Arial"/>
+              </a:rPr>
+              <a:t>form</a:t>
+            </a:r>
+            <a:r>
+              <a:rPr b="0" lang="en-US" sz="4400" spc="-1" strike="noStrike">
+                <a:latin typeface="Arial"/>
+              </a:rPr>
+              <a:t>at</a:t>
             </a:r>
             <a:endParaRPr b="0" lang="en-US" sz="4400" spc="-1" strike="noStrike">
               <a:latin typeface="Arial"/>
@@ -6062,7 +6014,7 @@
         <p:spPr>
           <a:xfrm>
             <a:off x="3454560" y="2275200"/>
-            <a:ext cx="3147840" cy="1296360"/>
+            <a:ext cx="3147480" cy="1296000"/>
           </a:xfrm>
           <a:prstGeom prst="rect">
             <a:avLst/>
@@ -6094,7 +6046,27 @@
                 <a:latin typeface="Calibri"/>
                 <a:ea typeface="DejaVu Sans"/>
               </a:rPr>
-              <a:t>Intelligent Agents</a:t>
+              <a:t>Intellige</a:t>
+            </a:r>
+            <a:r>
+              <a:rPr b="1" lang="en-US" sz="3200" spc="-1" strike="noStrike">
+                <a:solidFill>
+                  <a:srgbClr val="000000"/>
+                </a:solidFill>
+                <a:latin typeface="Calibri"/>
+                <a:ea typeface="DejaVu Sans"/>
+              </a:rPr>
+              <a:t>nt </a:t>
+            </a:r>
+            <a:r>
+              <a:rPr b="1" lang="en-US" sz="3200" spc="-1" strike="noStrike">
+                <a:solidFill>
+                  <a:srgbClr val="000000"/>
+                </a:solidFill>
+                <a:latin typeface="Calibri"/>
+                <a:ea typeface="DejaVu Sans"/>
+              </a:rPr>
+              <a:t>Agents</a:t>
             </a:r>
             <a:endParaRPr b="0" lang="en-US" sz="3200" spc="-1" strike="noStrike">
               <a:latin typeface="Arial"/>
@@ -6111,7 +6083,7 @@
         <p:spPr>
           <a:xfrm>
             <a:off x="4183200" y="3657600"/>
-            <a:ext cx="1690200" cy="311040"/>
+            <a:ext cx="1689840" cy="310680"/>
           </a:xfrm>
           <a:prstGeom prst="rect">
             <a:avLst/>
@@ -6143,7 +6115,17 @@
                 <a:latin typeface="Calibri"/>
                 <a:ea typeface="DejaVu Sans"/>
               </a:rPr>
-              <a:t>Chapter 2</a:t>
+              <a:t>Chapter </a:t>
+            </a:r>
+            <a:r>
+              <a:rPr b="0" lang="en-US" sz="2050" spc="-1" strike="noStrike">
+                <a:solidFill>
+                  <a:srgbClr val="000000"/>
+                </a:solidFill>
+                <a:latin typeface="Calibri"/>
+                <a:ea typeface="DejaVu Sans"/>
+              </a:rPr>
+              <a:t>2</a:t>
             </a:r>
             <a:endParaRPr b="0" lang="en-US" sz="2050" spc="-1" strike="noStrike">
               <a:latin typeface="Arial"/>
@@ -6160,7 +6142,7 @@
         <p:spPr>
           <a:xfrm>
             <a:off x="8781120" y="7008480"/>
-            <a:ext cx="157680" cy="4506480"/>
+            <a:ext cx="157320" cy="4506120"/>
           </a:xfrm>
           <a:prstGeom prst="rect">
             <a:avLst/>
@@ -6184,7 +6166,7 @@
                 <a:spcPts val="859"/>
               </a:lnSpc>
             </a:pPr>
-            <a:fld id="{8A9EC9D6-C5A9-4AF3-8494-DF2B2E388E03}" type="slidenum">
+            <a:fld id="{EE670817-C47C-4F10-A5B0-BC1319B0CFDB}" type="slidenum">
               <a:rPr b="0" lang="en-US" sz="800" spc="-1" strike="noStrike">
                 <a:solidFill>
                   <a:srgbClr val="000000"/>
@@ -6209,7 +6191,7 @@
         <p:spPr>
           <a:xfrm>
             <a:off x="3391560" y="6553080"/>
-            <a:ext cx="3359160" cy="226080"/>
+            <a:ext cx="3358800" cy="225720"/>
           </a:xfrm>
           <a:prstGeom prst="rect">
             <a:avLst/>
@@ -6241,7 +6223,47 @@
                 <a:latin typeface="Calibri"/>
                 <a:ea typeface="DejaVu Sans"/>
               </a:rPr>
-              <a:t>(Adapted from Eck Doerry, Stuart Russel, Dan Klein, and others. Thanks guys!)  </a:t>
+              <a:t>(Adapted from Eck </a:t>
+            </a:r>
+            <a:r>
+              <a:rPr b="0" lang="en-US" sz="900" spc="-1" strike="noStrike">
+                <a:solidFill>
+                  <a:srgbClr val="000000"/>
+                </a:solidFill>
+                <a:latin typeface="Calibri"/>
+                <a:ea typeface="DejaVu Sans"/>
+              </a:rPr>
+              <a:t>Doerry, Stuart </a:t>
+            </a:r>
+            <a:r>
+              <a:rPr b="0" lang="en-US" sz="900" spc="-1" strike="noStrike">
+                <a:solidFill>
+                  <a:srgbClr val="000000"/>
+                </a:solidFill>
+                <a:latin typeface="Calibri"/>
+                <a:ea typeface="DejaVu Sans"/>
+              </a:rPr>
+              <a:t>Russel, Dan Klein, </a:t>
+            </a:r>
+            <a:r>
+              <a:rPr b="0" lang="en-US" sz="900" spc="-1" strike="noStrike">
+                <a:solidFill>
+                  <a:srgbClr val="000000"/>
+                </a:solidFill>
+                <a:latin typeface="Calibri"/>
+                <a:ea typeface="DejaVu Sans"/>
+              </a:rPr>
+              <a:t>and others. Thanks </a:t>
+            </a:r>
+            <a:r>
+              <a:rPr b="0" lang="en-US" sz="900" spc="-1" strike="noStrike">
+                <a:solidFill>
+                  <a:srgbClr val="000000"/>
+                </a:solidFill>
+                <a:latin typeface="Calibri"/>
+                <a:ea typeface="DejaVu Sans"/>
+              </a:rPr>
+              <a:t>guys!)  </a:t>
             </a:r>
             <a:endParaRPr b="0" lang="en-US" sz="900" spc="-1" strike="noStrike">
               <a:latin typeface="Arial"/>
@@ -6251,33 +6273,6 @@
       </p:sp>
     </p:spTree>
   </p:cSld>
-  <p:timing>
-    <p:tnLst>
-      <p:par>
-        <p:cTn id="1" dur="indefinite" restart="never" nodeType="tmRoot">
-          <p:childTnLst>
-            <p:seq>
-              <p:cTn id="2" dur="indefinite" nodeType="mainSeq"/>
-              <p:prevCondLst>
-                <p:cond delay="0" evt="onPrev">
-                  <p:tgtEl>
-                    <p:sldTgt/>
-                  </p:tgtEl>
-                </p:cond>
-              </p:prevCondLst>
-              <p:nextCondLst>
-                <p:cond delay="0" evt="onNext">
-                  <p:tgtEl>
-                    <p:sldTgt/>
-                  </p:tgtEl>
-                </p:cond>
-              </p:nextCondLst>
-            </p:seq>
-          </p:childTnLst>
-        </p:cTn>
-      </p:par>
-    </p:tnLst>
-  </p:timing>
 </p:sld>
 </file>
 
@@ -6307,7 +6302,7 @@
         <p:spPr>
           <a:xfrm>
             <a:off x="1143000" y="457200"/>
-            <a:ext cx="7721640" cy="383040"/>
+            <a:ext cx="7721280" cy="382680"/>
           </a:xfrm>
           <a:prstGeom prst="rect">
             <a:avLst/>
@@ -6356,7 +6351,7 @@
         <p:spPr>
           <a:xfrm>
             <a:off x="457200" y="1066680"/>
-            <a:ext cx="8562960" cy="6163920"/>
+            <a:ext cx="8562600" cy="6163560"/>
           </a:xfrm>
           <a:prstGeom prst="rect">
             <a:avLst/>
@@ -6375,7 +6370,7 @@
         <p:txBody>
           <a:bodyPr lIns="0" rIns="0" tIns="0" bIns="0"/>
           <a:p>
-            <a:pPr marL="343080" indent="-341280">
+            <a:pPr marL="343080" indent="-340920">
               <a:lnSpc>
                 <a:spcPct val="100000"/>
               </a:lnSpc>
@@ -6403,7 +6398,7 @@
             </a:endParaRPr>
           </a:p>
           <a:p>
-            <a:pPr lvl="1" marL="800280" indent="-341280">
+            <a:pPr lvl="1" marL="800280" indent="-340920">
               <a:lnSpc>
                 <a:spcPct val="100000"/>
               </a:lnSpc>
@@ -6431,7 +6426,7 @@
             </a:endParaRPr>
           </a:p>
           <a:p>
-            <a:pPr lvl="1" marL="800280" indent="-341280">
+            <a:pPr lvl="1" marL="800280" indent="-340920">
               <a:lnSpc>
                 <a:spcPct val="100000"/>
               </a:lnSpc>
@@ -6459,7 +6454,7 @@
             </a:endParaRPr>
           </a:p>
           <a:p>
-            <a:pPr lvl="1" marL="800280" indent="-341280">
+            <a:pPr lvl="1" marL="800280" indent="-340920">
               <a:lnSpc>
                 <a:spcPct val="100000"/>
               </a:lnSpc>
@@ -6487,7 +6482,7 @@
             </a:endParaRPr>
           </a:p>
           <a:p>
-            <a:pPr lvl="1" marL="800280" indent="-341280">
+            <a:pPr lvl="1" marL="800280" indent="-340920">
               <a:lnSpc>
                 <a:spcPct val="100000"/>
               </a:lnSpc>
@@ -6525,7 +6520,7 @@
             </a:endParaRPr>
           </a:p>
           <a:p>
-            <a:pPr marL="343080" indent="-341280">
+            <a:pPr marL="343080" indent="-340920">
               <a:lnSpc>
                 <a:spcPct val="100000"/>
               </a:lnSpc>
@@ -6553,7 +6548,7 @@
             </a:endParaRPr>
           </a:p>
           <a:p>
-            <a:pPr lvl="1" marL="800280" indent="-341280">
+            <a:pPr lvl="1" marL="800280" indent="-340920">
               <a:lnSpc>
                 <a:spcPct val="100000"/>
               </a:lnSpc>
@@ -6581,7 +6576,7 @@
             </a:endParaRPr>
           </a:p>
           <a:p>
-            <a:pPr lvl="1" marL="800280" indent="-341280">
+            <a:pPr lvl="1" marL="800280" indent="-340920">
               <a:lnSpc>
                 <a:spcPct val="100000"/>
               </a:lnSpc>
@@ -6609,7 +6604,7 @@
             </a:endParaRPr>
           </a:p>
           <a:p>
-            <a:pPr lvl="1" marL="800280" indent="-341280">
+            <a:pPr lvl="1" marL="800280" indent="-340920">
               <a:lnSpc>
                 <a:spcPct val="100000"/>
               </a:lnSpc>
@@ -6637,7 +6632,7 @@
             </a:endParaRPr>
           </a:p>
           <a:p>
-            <a:pPr lvl="1" marL="800280" indent="-341280">
+            <a:pPr lvl="1" marL="800280" indent="-340920">
               <a:lnSpc>
                 <a:spcPct val="100000"/>
               </a:lnSpc>
@@ -6675,7 +6670,7 @@
             </a:endParaRPr>
           </a:p>
           <a:p>
-            <a:pPr marL="343080" indent="-341280">
+            <a:pPr marL="343080" indent="-340920">
               <a:lnSpc>
                 <a:spcPct val="100000"/>
               </a:lnSpc>
@@ -6703,7 +6698,7 @@
             </a:endParaRPr>
           </a:p>
           <a:p>
-            <a:pPr lvl="1" marL="800280" indent="-341280">
+            <a:pPr lvl="1" marL="800280" indent="-340920">
               <a:lnSpc>
                 <a:spcPct val="100000"/>
               </a:lnSpc>
@@ -6724,14 +6719,14 @@
                 <a:latin typeface="Calibri"/>
                 <a:ea typeface="DejaVu Sans"/>
               </a:rPr>
-              <a:t>empirical risk minimization (statistical classification)</a:t>
+              <a:t>empirical risk minimization (statistical machine learning, image classification)</a:t>
             </a:r>
             <a:endParaRPr b="0" lang="en-US" sz="1800" spc="-1" strike="noStrike">
               <a:latin typeface="Arial"/>
             </a:endParaRPr>
           </a:p>
           <a:p>
-            <a:pPr lvl="1" marL="800280" indent="-341280">
+            <a:pPr lvl="1" marL="800280" indent="-340920">
               <a:lnSpc>
                 <a:spcPct val="100000"/>
               </a:lnSpc>
@@ -6769,7 +6764,7 @@
             </a:endParaRPr>
           </a:p>
           <a:p>
-            <a:pPr marL="343080" indent="-341280">
+            <a:pPr marL="343080" indent="-340920">
               <a:lnSpc>
                 <a:spcPct val="100000"/>
               </a:lnSpc>
@@ -6821,7 +6816,7 @@
         <p:spPr>
           <a:xfrm>
             <a:off x="6670080" y="1562400"/>
-            <a:ext cx="2747520" cy="2826000"/>
+            <a:ext cx="2747160" cy="2825640"/>
           </a:xfrm>
           <a:prstGeom prst="rect">
             <a:avLst/>
@@ -6836,10 +6831,10 @@
   <p:timing>
     <p:tnLst>
       <p:par>
-        <p:cTn id="19" dur="indefinite" restart="never" nodeType="tmRoot">
+        <p:cTn id="1" dur="indefinite" restart="never" nodeType="tmRoot">
           <p:childTnLst>
             <p:seq>
-              <p:cTn id="20" dur="indefinite" nodeType="mainSeq"/>
+              <p:cTn id="2" dur="indefinite" nodeType="mainSeq"/>
               <p:prevCondLst>
                 <p:cond delay="0" evt="onPrev">
                   <p:tgtEl>
@@ -6889,7 +6884,7 @@
         <p:spPr>
           <a:xfrm>
             <a:off x="1143000" y="457200"/>
-            <a:ext cx="7721640" cy="383040"/>
+            <a:ext cx="7721280" cy="382680"/>
           </a:xfrm>
           <a:prstGeom prst="rect">
             <a:avLst/>
@@ -6938,7 +6933,7 @@
         <p:spPr>
           <a:xfrm>
             <a:off x="457200" y="1066680"/>
-            <a:ext cx="8562960" cy="5671440"/>
+            <a:ext cx="8562600" cy="5671080"/>
           </a:xfrm>
           <a:prstGeom prst="rect">
             <a:avLst/>
@@ -6957,7 +6952,7 @@
         <p:txBody>
           <a:bodyPr lIns="0" rIns="0" tIns="0" bIns="0"/>
           <a:p>
-            <a:pPr marL="343080" indent="-341280">
+            <a:pPr marL="343080" indent="-340920">
               <a:lnSpc>
                 <a:spcPct val="100000"/>
               </a:lnSpc>
@@ -6982,7 +6977,7 @@
             </a:endParaRPr>
           </a:p>
           <a:p>
-            <a:pPr lvl="1" marL="800280" indent="-341280">
+            <a:pPr lvl="1" marL="800280" indent="-340920">
               <a:lnSpc>
                 <a:spcPct val="100000"/>
               </a:lnSpc>
@@ -7007,7 +7002,7 @@
             </a:endParaRPr>
           </a:p>
           <a:p>
-            <a:pPr lvl="1" marL="800280" indent="-341280">
+            <a:pPr lvl="1" marL="800280" indent="-340920">
               <a:lnSpc>
                 <a:spcPct val="100000"/>
               </a:lnSpc>
@@ -7032,7 +7027,7 @@
             </a:endParaRPr>
           </a:p>
           <a:p>
-            <a:pPr lvl="1" marL="800280" indent="-341280">
+            <a:pPr lvl="1" marL="800280" indent="-340920">
               <a:lnSpc>
                 <a:spcPct val="100000"/>
               </a:lnSpc>
@@ -7067,7 +7062,7 @@
             </a:endParaRPr>
           </a:p>
           <a:p>
-            <a:pPr marL="343080" indent="-341280">
+            <a:pPr marL="343080" indent="-340920">
               <a:lnSpc>
                 <a:spcPct val="100000"/>
               </a:lnSpc>
@@ -7092,7 +7087,7 @@
             </a:endParaRPr>
           </a:p>
           <a:p>
-            <a:pPr lvl="1" marL="800280" indent="-341280">
+            <a:pPr lvl="1" marL="800280" indent="-340920">
               <a:lnSpc>
                 <a:spcPct val="100000"/>
               </a:lnSpc>
@@ -7117,7 +7112,7 @@
             </a:endParaRPr>
           </a:p>
           <a:p>
-            <a:pPr lvl="1" marL="800280" indent="-341280">
+            <a:pPr lvl="1" marL="800280" indent="-340920">
               <a:lnSpc>
                 <a:spcPct val="100000"/>
               </a:lnSpc>
@@ -7142,7 +7137,7 @@
             </a:endParaRPr>
           </a:p>
           <a:p>
-            <a:pPr lvl="1" marL="800280" indent="-341280">
+            <a:pPr lvl="1" marL="800280" indent="-340920">
               <a:lnSpc>
                 <a:spcPct val="100000"/>
               </a:lnSpc>
@@ -7167,7 +7162,7 @@
             </a:endParaRPr>
           </a:p>
           <a:p>
-            <a:pPr lvl="1" marL="800280" indent="-341280">
+            <a:pPr lvl="1" marL="800280" indent="-340920">
               <a:lnSpc>
                 <a:spcPct val="100000"/>
               </a:lnSpc>
@@ -7202,7 +7197,7 @@
             </a:endParaRPr>
           </a:p>
           <a:p>
-            <a:pPr marL="343080" indent="-341280">
+            <a:pPr marL="343080" indent="-340920">
               <a:lnSpc>
                 <a:spcPct val="100000"/>
               </a:lnSpc>
@@ -7227,7 +7222,7 @@
             </a:endParaRPr>
           </a:p>
           <a:p>
-            <a:pPr lvl="1" marL="800280" indent="-341280">
+            <a:pPr lvl="1" marL="800280" indent="-340920">
               <a:lnSpc>
                 <a:spcPct val="100000"/>
               </a:lnSpc>
@@ -7255,7 +7250,7 @@
             </a:endParaRPr>
           </a:p>
           <a:p>
-            <a:pPr lvl="1" marL="800280" indent="-341280">
+            <a:pPr lvl="1" marL="800280" indent="-340920">
               <a:lnSpc>
                 <a:spcPct val="100000"/>
               </a:lnSpc>
@@ -7283,7 +7278,7 @@
             </a:endParaRPr>
           </a:p>
           <a:p>
-            <a:pPr lvl="1" marL="800280" indent="-341280">
+            <a:pPr lvl="1" marL="800280" indent="-340920">
               <a:lnSpc>
                 <a:spcPct val="100000"/>
               </a:lnSpc>
@@ -7311,7 +7306,7 @@
             </a:endParaRPr>
           </a:p>
           <a:p>
-            <a:pPr lvl="1" marL="800280" indent="-341280">
+            <a:pPr lvl="1" marL="800280" indent="-340920">
               <a:lnSpc>
                 <a:spcPct val="100000"/>
               </a:lnSpc>
@@ -7355,10 +7350,10 @@
   <p:timing>
     <p:tnLst>
       <p:par>
-        <p:cTn id="21" dur="indefinite" restart="never" nodeType="tmRoot">
+        <p:cTn id="3" dur="indefinite" restart="never" nodeType="tmRoot">
           <p:childTnLst>
             <p:seq>
-              <p:cTn id="22" dur="indefinite" nodeType="mainSeq"/>
+              <p:cTn id="4" dur="indefinite" nodeType="mainSeq"/>
               <p:prevCondLst>
                 <p:cond delay="0" evt="onPrev">
                   <p:tgtEl>
@@ -7408,7 +7403,7 @@
         <p:spPr>
           <a:xfrm>
             <a:off x="1143000" y="457200"/>
-            <a:ext cx="7721640" cy="383040"/>
+            <a:ext cx="7721280" cy="382680"/>
           </a:xfrm>
           <a:prstGeom prst="rect">
             <a:avLst/>
@@ -7457,7 +7452,7 @@
         <p:spPr>
           <a:xfrm>
             <a:off x="457200" y="1066680"/>
-            <a:ext cx="8562960" cy="5671440"/>
+            <a:ext cx="8562600" cy="5671080"/>
           </a:xfrm>
           <a:prstGeom prst="rect">
             <a:avLst/>
@@ -7476,7 +7471,7 @@
         <p:txBody>
           <a:bodyPr lIns="0" rIns="0" tIns="0" bIns="0"/>
           <a:p>
-            <a:pPr marL="343080" indent="-341280">
+            <a:pPr marL="343080" indent="-340920">
               <a:lnSpc>
                 <a:spcPct val="100000"/>
               </a:lnSpc>
@@ -7501,7 +7496,7 @@
             </a:endParaRPr>
           </a:p>
           <a:p>
-            <a:pPr lvl="1" marL="800280" indent="-341280">
+            <a:pPr lvl="1" marL="800280" indent="-340920">
               <a:lnSpc>
                 <a:spcPct val="100000"/>
               </a:lnSpc>
@@ -7526,7 +7521,7 @@
             </a:endParaRPr>
           </a:p>
           <a:p>
-            <a:pPr lvl="1" marL="800280" indent="-341280">
+            <a:pPr lvl="1" marL="800280" indent="-340920">
               <a:lnSpc>
                 <a:spcPct val="100000"/>
               </a:lnSpc>
@@ -7551,7 +7546,7 @@
             </a:endParaRPr>
           </a:p>
           <a:p>
-            <a:pPr lvl="1" marL="800280" indent="-341280">
+            <a:pPr lvl="1" marL="800280" indent="-340920">
               <a:lnSpc>
                 <a:spcPct val="100000"/>
               </a:lnSpc>
@@ -7586,7 +7581,7 @@
             </a:endParaRPr>
           </a:p>
           <a:p>
-            <a:pPr marL="343080" indent="-341280">
+            <a:pPr marL="343080" indent="-340920">
               <a:lnSpc>
                 <a:spcPct val="100000"/>
               </a:lnSpc>
@@ -7611,7 +7606,7 @@
             </a:endParaRPr>
           </a:p>
           <a:p>
-            <a:pPr lvl="1" marL="800280" indent="-341280">
+            <a:pPr lvl="1" marL="800280" indent="-340920">
               <a:lnSpc>
                 <a:spcPct val="100000"/>
               </a:lnSpc>
@@ -7636,7 +7631,7 @@
             </a:endParaRPr>
           </a:p>
           <a:p>
-            <a:pPr lvl="1" marL="800280" indent="-341280">
+            <a:pPr lvl="1" marL="800280" indent="-340920">
               <a:lnSpc>
                 <a:spcPct val="100000"/>
               </a:lnSpc>
@@ -7661,7 +7656,7 @@
             </a:endParaRPr>
           </a:p>
           <a:p>
-            <a:pPr lvl="1" marL="800280" indent="-341280">
+            <a:pPr lvl="1" marL="800280" indent="-340920">
               <a:lnSpc>
                 <a:spcPct val="100000"/>
               </a:lnSpc>
@@ -7686,7 +7681,7 @@
             </a:endParaRPr>
           </a:p>
           <a:p>
-            <a:pPr lvl="1" marL="800280" indent="-341280">
+            <a:pPr lvl="1" marL="800280" indent="-340920">
               <a:lnSpc>
                 <a:spcPct val="100000"/>
               </a:lnSpc>
@@ -7721,7 +7716,7 @@
             </a:endParaRPr>
           </a:p>
           <a:p>
-            <a:pPr marL="343080" indent="-341280">
+            <a:pPr marL="343080" indent="-340920">
               <a:lnSpc>
                 <a:spcPct val="100000"/>
               </a:lnSpc>
@@ -7746,7 +7741,7 @@
             </a:endParaRPr>
           </a:p>
           <a:p>
-            <a:pPr lvl="1" marL="800280" indent="-341280">
+            <a:pPr lvl="1" marL="800280" indent="-340920">
               <a:lnSpc>
                 <a:spcPct val="100000"/>
               </a:lnSpc>
@@ -7784,7 +7779,7 @@
             </a:endParaRPr>
           </a:p>
           <a:p>
-            <a:pPr lvl="1" marL="800280" indent="-341280">
+            <a:pPr lvl="1" marL="800280" indent="-340920">
               <a:lnSpc>
                 <a:spcPct val="100000"/>
               </a:lnSpc>
@@ -7822,7 +7817,7 @@
             </a:endParaRPr>
           </a:p>
           <a:p>
-            <a:pPr lvl="1" marL="800280" indent="-341280">
+            <a:pPr lvl="1" marL="800280" indent="-340920">
               <a:lnSpc>
                 <a:spcPct val="100000"/>
               </a:lnSpc>
@@ -7860,7 +7855,7 @@
             </a:endParaRPr>
           </a:p>
           <a:p>
-            <a:pPr lvl="1" marL="800280" indent="-341280">
+            <a:pPr lvl="1" marL="800280" indent="-340920">
               <a:lnSpc>
                 <a:spcPct val="100000"/>
               </a:lnSpc>
@@ -7914,10 +7909,10 @@
   <p:timing>
     <p:tnLst>
       <p:par>
-        <p:cTn id="23" dur="indefinite" restart="never" nodeType="tmRoot">
+        <p:cTn id="5" dur="indefinite" restart="never" nodeType="tmRoot">
           <p:childTnLst>
             <p:seq>
-              <p:cTn id="24" dur="indefinite" nodeType="mainSeq"/>
+              <p:cTn id="6" dur="indefinite" nodeType="mainSeq"/>
               <p:prevCondLst>
                 <p:cond delay="0" evt="onPrev">
                   <p:tgtEl>
@@ -7967,7 +7962,7 @@
         <p:spPr>
           <a:xfrm>
             <a:off x="1143000" y="457200"/>
-            <a:ext cx="7721640" cy="383040"/>
+            <a:ext cx="7721280" cy="382680"/>
           </a:xfrm>
           <a:prstGeom prst="rect">
             <a:avLst/>
@@ -8016,7 +8011,7 @@
         <p:spPr>
           <a:xfrm>
             <a:off x="457200" y="1523880"/>
-            <a:ext cx="8562960" cy="3468240"/>
+            <a:ext cx="8562600" cy="3467880"/>
           </a:xfrm>
           <a:prstGeom prst="rect">
             <a:avLst/>
@@ -8035,7 +8030,7 @@
         <p:txBody>
           <a:bodyPr lIns="0" rIns="0" tIns="0" bIns="0"/>
           <a:p>
-            <a:pPr marL="343080" indent="-341280">
+            <a:pPr marL="343080" indent="-340920">
               <a:lnSpc>
                 <a:spcPct val="100000"/>
               </a:lnSpc>
@@ -8080,7 +8075,7 @@
             </a:endParaRPr>
           </a:p>
           <a:p>
-            <a:pPr marL="343080" indent="-341280">
+            <a:pPr marL="343080" indent="-340920">
               <a:lnSpc>
                 <a:spcPct val="100000"/>
               </a:lnSpc>
@@ -8125,7 +8120,7 @@
             </a:endParaRPr>
           </a:p>
           <a:p>
-            <a:pPr marL="343080" indent="-341280">
+            <a:pPr marL="343080" indent="-340920">
               <a:lnSpc>
                 <a:spcPct val="100000"/>
               </a:lnSpc>
@@ -8170,7 +8165,7 @@
             </a:endParaRPr>
           </a:p>
           <a:p>
-            <a:pPr marL="343080" indent="-341280">
+            <a:pPr marL="343080" indent="-340920">
               <a:lnSpc>
                 <a:spcPct val="100000"/>
               </a:lnSpc>
@@ -8211,10 +8206,10 @@
   <p:timing>
     <p:tnLst>
       <p:par>
-        <p:cTn id="25" dur="indefinite" restart="never" nodeType="tmRoot">
+        <p:cTn id="7" dur="indefinite" restart="never" nodeType="tmRoot">
           <p:childTnLst>
             <p:seq>
-              <p:cTn id="26" dur="indefinite" nodeType="mainSeq"/>
+              <p:cTn id="8" dur="indefinite" nodeType="mainSeq"/>
               <p:prevCondLst>
                 <p:cond delay="0" evt="onPrev">
                   <p:tgtEl>
@@ -8264,7 +8259,7 @@
         <p:spPr>
           <a:xfrm>
             <a:off x="1143000" y="457200"/>
-            <a:ext cx="7721640" cy="383040"/>
+            <a:ext cx="7721280" cy="382680"/>
           </a:xfrm>
           <a:prstGeom prst="rect">
             <a:avLst/>
@@ -8313,7 +8308,7 @@
         <p:spPr>
           <a:xfrm>
             <a:off x="457200" y="1523880"/>
-            <a:ext cx="8562960" cy="3468240"/>
+            <a:ext cx="8562600" cy="3467880"/>
           </a:xfrm>
           <a:prstGeom prst="rect">
             <a:avLst/>
@@ -8332,7 +8327,7 @@
         <p:txBody>
           <a:bodyPr lIns="0" rIns="0" tIns="0" bIns="0"/>
           <a:p>
-            <a:pPr marL="343080" indent="-341280">
+            <a:pPr marL="343080" indent="-340920">
               <a:lnSpc>
                 <a:spcPct val="100000"/>
               </a:lnSpc>
@@ -8377,7 +8372,7 @@
             </a:endParaRPr>
           </a:p>
           <a:p>
-            <a:pPr marL="343080" indent="-341280">
+            <a:pPr marL="343080" indent="-340920">
               <a:lnSpc>
                 <a:spcPct val="100000"/>
               </a:lnSpc>
@@ -8422,7 +8417,7 @@
             </a:endParaRPr>
           </a:p>
           <a:p>
-            <a:pPr marL="343080" indent="-341280">
+            <a:pPr marL="343080" indent="-340920">
               <a:lnSpc>
                 <a:spcPct val="100000"/>
               </a:lnSpc>
@@ -8467,7 +8462,7 @@
             </a:endParaRPr>
           </a:p>
           <a:p>
-            <a:pPr marL="343080" indent="-341280">
+            <a:pPr marL="343080" indent="-340920">
               <a:lnSpc>
                 <a:spcPct val="100000"/>
               </a:lnSpc>
@@ -8508,10 +8503,10 @@
   <p:timing>
     <p:tnLst>
       <p:par>
-        <p:cTn id="27" dur="indefinite" restart="never" nodeType="tmRoot">
+        <p:cTn id="9" dur="indefinite" restart="never" nodeType="tmRoot">
           <p:childTnLst>
             <p:seq>
-              <p:cTn id="28" dur="indefinite" nodeType="mainSeq"/>
+              <p:cTn id="10" dur="indefinite" nodeType="mainSeq"/>
               <p:prevCondLst>
                 <p:cond delay="0" evt="onPrev">
                   <p:tgtEl>
@@ -8561,7 +8556,7 @@
         <p:spPr>
           <a:xfrm>
             <a:off x="990720" y="228600"/>
-            <a:ext cx="7721640" cy="383040"/>
+            <a:ext cx="7721280" cy="382680"/>
           </a:xfrm>
           <a:prstGeom prst="rect">
             <a:avLst/>
@@ -8610,7 +8605,7 @@
         <p:spPr>
           <a:xfrm>
             <a:off x="457200" y="914400"/>
-            <a:ext cx="8562960" cy="6638400"/>
+            <a:ext cx="8562600" cy="6638040"/>
           </a:xfrm>
           <a:prstGeom prst="rect">
             <a:avLst/>
@@ -8629,7 +8624,7 @@
         <p:txBody>
           <a:bodyPr lIns="0" rIns="0" tIns="0" bIns="0"/>
           <a:p>
-            <a:pPr marL="343080" indent="-341280">
+            <a:pPr marL="343080" indent="-340920">
               <a:lnSpc>
                 <a:spcPct val="100000"/>
               </a:lnSpc>
@@ -8654,7 +8649,7 @@
             </a:endParaRPr>
           </a:p>
           <a:p>
-            <a:pPr lvl="1" marL="800280" indent="-341280">
+            <a:pPr lvl="1" marL="800280" indent="-340920">
               <a:lnSpc>
                 <a:spcPct val="100000"/>
               </a:lnSpc>
@@ -8679,7 +8674,7 @@
             </a:endParaRPr>
           </a:p>
           <a:p>
-            <a:pPr lvl="1" marL="800280" indent="-341280">
+            <a:pPr lvl="1" marL="800280" indent="-340920">
               <a:lnSpc>
                 <a:spcPct val="100000"/>
               </a:lnSpc>
@@ -8724,7 +8719,7 @@
             </a:endParaRPr>
           </a:p>
           <a:p>
-            <a:pPr lvl="1" marL="800280" indent="-341280">
+            <a:pPr lvl="1" marL="800280" indent="-340920">
               <a:lnSpc>
                 <a:spcPct val="100000"/>
               </a:lnSpc>
@@ -8749,7 +8744,7 @@
             </a:endParaRPr>
           </a:p>
           <a:p>
-            <a:pPr lvl="1" marL="800280" indent="-341280">
+            <a:pPr lvl="1" marL="800280" indent="-340920">
               <a:lnSpc>
                 <a:spcPct val="100000"/>
               </a:lnSpc>
@@ -8784,14 +8779,14 @@
             </a:endParaRPr>
           </a:p>
           <a:p>
-            <a:pPr marL="457200" indent="-455400">
+            <a:pPr marL="457200" indent="-455040">
               <a:lnSpc>
                 <a:spcPct val="100000"/>
               </a:lnSpc>
               <a:buClr>
                 <a:srgbClr val="1f497d"/>
               </a:buClr>
-              <a:buFont typeface="Calibri"/>
+              <a:buFont typeface="StarSymbol"/>
               <a:buAutoNum type="arabicPeriod"/>
             </a:pPr>
             <a:r>
@@ -8809,14 +8804,14 @@
             </a:endParaRPr>
           </a:p>
           <a:p>
-            <a:pPr lvl="1" marL="914400" indent="-455400">
+            <a:pPr lvl="1" marL="914400" indent="-455040">
               <a:lnSpc>
                 <a:spcPct val="100000"/>
               </a:lnSpc>
               <a:buClr>
                 <a:srgbClr val="000000"/>
               </a:buClr>
-              <a:buFont typeface="Calibri"/>
+              <a:buFont typeface="StarSymbol"/>
               <a:buAutoNum type="arabicPeriod"/>
             </a:pPr>
             <a:r>
@@ -8834,14 +8829,14 @@
             </a:endParaRPr>
           </a:p>
           <a:p>
-            <a:pPr lvl="1" marL="914400" indent="-455400">
+            <a:pPr lvl="1" marL="914400" indent="-455040">
               <a:lnSpc>
                 <a:spcPct val="100000"/>
               </a:lnSpc>
               <a:buClr>
                 <a:srgbClr val="000000"/>
               </a:buClr>
-              <a:buFont typeface="Calibri"/>
+              <a:buFont typeface="StarSymbol"/>
               <a:buAutoNum type="arabicPeriod"/>
             </a:pPr>
             <a:r>
@@ -8869,14 +8864,14 @@
             </a:endParaRPr>
           </a:p>
           <a:p>
-            <a:pPr marL="457200" indent="-455400">
+            <a:pPr marL="457200" indent="-455040">
               <a:lnSpc>
                 <a:spcPct val="100000"/>
               </a:lnSpc>
               <a:buClr>
                 <a:srgbClr val="1f497d"/>
               </a:buClr>
-              <a:buFont typeface="Calibri"/>
+              <a:buFont typeface="StarSymbol"/>
               <a:buAutoNum type="arabicPeriod"/>
             </a:pPr>
             <a:r>
@@ -8894,14 +8889,14 @@
             </a:endParaRPr>
           </a:p>
           <a:p>
-            <a:pPr lvl="1" marL="914400" indent="-455400">
+            <a:pPr lvl="1" marL="914400" indent="-455040">
               <a:lnSpc>
                 <a:spcPct val="100000"/>
               </a:lnSpc>
               <a:buClr>
                 <a:srgbClr val="000000"/>
               </a:buClr>
-              <a:buFont typeface="Calibri"/>
+              <a:buFont typeface="StarSymbol"/>
               <a:buAutoNum type="arabicPeriod"/>
             </a:pPr>
             <a:r>
@@ -8919,14 +8914,14 @@
             </a:endParaRPr>
           </a:p>
           <a:p>
-            <a:pPr lvl="1" marL="914400" indent="-455400">
+            <a:pPr lvl="1" marL="914400" indent="-455040">
               <a:lnSpc>
                 <a:spcPct val="100000"/>
               </a:lnSpc>
               <a:buClr>
                 <a:srgbClr val="000000"/>
               </a:buClr>
-              <a:buFont typeface="Calibri"/>
+              <a:buFont typeface="StarSymbol"/>
               <a:buAutoNum type="arabicPeriod"/>
             </a:pPr>
             <a:r>
@@ -8954,14 +8949,14 @@
             </a:endParaRPr>
           </a:p>
           <a:p>
-            <a:pPr marL="457200" indent="-455400">
+            <a:pPr marL="457200" indent="-455040">
               <a:lnSpc>
                 <a:spcPct val="100000"/>
               </a:lnSpc>
               <a:buClr>
                 <a:srgbClr val="1f497d"/>
               </a:buClr>
-              <a:buFont typeface="Calibri"/>
+              <a:buFont typeface="StarSymbol"/>
               <a:buAutoNum type="arabicPeriod"/>
             </a:pPr>
             <a:r>
@@ -8979,14 +8974,14 @@
             </a:endParaRPr>
           </a:p>
           <a:p>
-            <a:pPr lvl="1" marL="914400" indent="-455400">
+            <a:pPr lvl="1" marL="914400" indent="-455040">
               <a:lnSpc>
                 <a:spcPct val="100000"/>
               </a:lnSpc>
               <a:buClr>
                 <a:srgbClr val="000000"/>
               </a:buClr>
-              <a:buFont typeface="Calibri"/>
+              <a:buFont typeface="StarSymbol"/>
               <a:buAutoNum type="arabicPeriod"/>
             </a:pPr>
             <a:r>
@@ -9004,14 +8999,14 @@
             </a:endParaRPr>
           </a:p>
           <a:p>
-            <a:pPr lvl="1" marL="914400" indent="-455400">
+            <a:pPr lvl="1" marL="914400" indent="-455040">
               <a:lnSpc>
                 <a:spcPct val="100000"/>
               </a:lnSpc>
               <a:buClr>
                 <a:srgbClr val="000000"/>
               </a:buClr>
-              <a:buFont typeface="Calibri"/>
+              <a:buFont typeface="StarSymbol"/>
               <a:buAutoNum type="arabicPeriod"/>
             </a:pPr>
             <a:r>
@@ -9035,10 +9030,10 @@
   <p:timing>
     <p:tnLst>
       <p:par>
-        <p:cTn id="29" dur="indefinite" restart="never" nodeType="tmRoot">
+        <p:cTn id="11" dur="indefinite" restart="never" nodeType="tmRoot">
           <p:childTnLst>
             <p:seq>
-              <p:cTn id="30" dur="indefinite" nodeType="mainSeq"/>
+              <p:cTn id="12" dur="indefinite" nodeType="mainSeq"/>
               <p:prevCondLst>
                 <p:cond delay="0" evt="onPrev">
                   <p:tgtEl>
@@ -9088,7 +9083,7 @@
         <p:spPr>
           <a:xfrm>
             <a:off x="990720" y="228600"/>
-            <a:ext cx="7721640" cy="383040"/>
+            <a:ext cx="7721280" cy="382680"/>
           </a:xfrm>
           <a:prstGeom prst="rect">
             <a:avLst/>
@@ -9137,7 +9132,7 @@
         <p:spPr>
           <a:xfrm>
             <a:off x="457200" y="914400"/>
-            <a:ext cx="8562960" cy="6099840"/>
+            <a:ext cx="8562600" cy="6099480"/>
           </a:xfrm>
           <a:prstGeom prst="rect">
             <a:avLst/>
@@ -9166,14 +9161,14 @@
             </a:endParaRPr>
           </a:p>
           <a:p>
-            <a:pPr marL="457200" indent="-455400">
+            <a:pPr marL="457200" indent="-455040">
               <a:lnSpc>
                 <a:spcPct val="100000"/>
               </a:lnSpc>
               <a:buClr>
                 <a:srgbClr val="1f497d"/>
               </a:buClr>
-              <a:buFont typeface="Calibri"/>
+              <a:buFont typeface="StarSymbol"/>
               <a:buAutoNum type="arabicPeriod" startAt="4"/>
             </a:pPr>
             <a:r>
@@ -9191,14 +9186,14 @@
             </a:endParaRPr>
           </a:p>
           <a:p>
-            <a:pPr lvl="1" marL="914400" indent="-455400">
+            <a:pPr lvl="1" marL="914400" indent="-455040">
               <a:lnSpc>
                 <a:spcPct val="100000"/>
               </a:lnSpc>
               <a:buClr>
                 <a:srgbClr val="000000"/>
               </a:buClr>
-              <a:buFont typeface="Calibri"/>
+              <a:buFont typeface="StarSymbol"/>
               <a:buAutoNum type="arabicPeriod"/>
             </a:pPr>
             <a:r>
@@ -9216,14 +9211,14 @@
             </a:endParaRPr>
           </a:p>
           <a:p>
-            <a:pPr lvl="1" marL="914400" indent="-455400">
+            <a:pPr lvl="1" marL="914400" indent="-455040">
               <a:lnSpc>
                 <a:spcPct val="100000"/>
               </a:lnSpc>
               <a:buClr>
                 <a:srgbClr val="000000"/>
               </a:buClr>
-              <a:buFont typeface="Calibri"/>
+              <a:buFont typeface="StarSymbol"/>
               <a:buAutoNum type="arabicPeriod"/>
             </a:pPr>
             <a:r>
@@ -9251,14 +9246,14 @@
             </a:endParaRPr>
           </a:p>
           <a:p>
-            <a:pPr marL="457200" indent="-455400">
+            <a:pPr marL="457200" indent="-455040">
               <a:lnSpc>
                 <a:spcPct val="100000"/>
               </a:lnSpc>
               <a:buClr>
                 <a:srgbClr val="1f497d"/>
               </a:buClr>
-              <a:buFont typeface="Calibri"/>
+              <a:buFont typeface="StarSymbol"/>
               <a:buAutoNum type="arabicPeriod" startAt="4"/>
             </a:pPr>
             <a:r>
@@ -9276,14 +9271,14 @@
             </a:endParaRPr>
           </a:p>
           <a:p>
-            <a:pPr lvl="1" marL="914400" indent="-455400">
+            <a:pPr lvl="1" marL="914400" indent="-455040">
               <a:lnSpc>
                 <a:spcPct val="100000"/>
               </a:lnSpc>
               <a:buClr>
                 <a:srgbClr val="000000"/>
               </a:buClr>
-              <a:buFont typeface="Calibri"/>
+              <a:buFont typeface="StarSymbol"/>
               <a:buAutoNum type="arabicPeriod"/>
             </a:pPr>
             <a:r>
@@ -9301,14 +9296,14 @@
             </a:endParaRPr>
           </a:p>
           <a:p>
-            <a:pPr lvl="1" marL="914400" indent="-455400">
+            <a:pPr lvl="1" marL="914400" indent="-455040">
               <a:lnSpc>
                 <a:spcPct val="100000"/>
               </a:lnSpc>
               <a:buClr>
                 <a:srgbClr val="000000"/>
               </a:buClr>
-              <a:buFont typeface="Calibri"/>
+              <a:buFont typeface="StarSymbol"/>
               <a:buAutoNum type="arabicPeriod"/>
             </a:pPr>
             <a:r>
@@ -9336,14 +9331,14 @@
             </a:endParaRPr>
           </a:p>
           <a:p>
-            <a:pPr marL="457200" indent="-455400">
+            <a:pPr marL="457200" indent="-455040">
               <a:lnSpc>
                 <a:spcPct val="100000"/>
               </a:lnSpc>
               <a:buClr>
                 <a:srgbClr val="1f497d"/>
               </a:buClr>
-              <a:buFont typeface="Calibri"/>
+              <a:buFont typeface="StarSymbol"/>
               <a:buAutoNum type="arabicPeriod" startAt="4"/>
             </a:pPr>
             <a:r>
@@ -9361,14 +9356,14 @@
             </a:endParaRPr>
           </a:p>
           <a:p>
-            <a:pPr lvl="1" marL="914400" indent="-455400">
+            <a:pPr lvl="1" marL="914400" indent="-455040">
               <a:lnSpc>
                 <a:spcPct val="100000"/>
               </a:lnSpc>
               <a:buClr>
                 <a:srgbClr val="000000"/>
               </a:buClr>
-              <a:buFont typeface="Calibri"/>
+              <a:buFont typeface="StarSymbol"/>
               <a:buAutoNum type="arabicPeriod"/>
             </a:pPr>
             <a:r>
@@ -9386,14 +9381,14 @@
             </a:endParaRPr>
           </a:p>
           <a:p>
-            <a:pPr lvl="1" marL="914400" indent="-455400">
+            <a:pPr lvl="1" marL="914400" indent="-455040">
               <a:lnSpc>
                 <a:spcPct val="100000"/>
               </a:lnSpc>
               <a:buClr>
                 <a:srgbClr val="000000"/>
               </a:buClr>
-              <a:buFont typeface="Calibri"/>
+              <a:buFont typeface="StarSymbol"/>
               <a:buAutoNum type="arabicPeriod"/>
             </a:pPr>
             <a:r>
@@ -9441,7 +9436,7 @@
             </a:endParaRPr>
           </a:p>
           <a:p>
-            <a:pPr marL="343080" indent="-341280">
+            <a:pPr marL="343080" indent="-340920">
               <a:lnSpc>
                 <a:spcPct val="100000"/>
               </a:lnSpc>
@@ -9466,7 +9461,7 @@
             </a:endParaRPr>
           </a:p>
           <a:p>
-            <a:pPr lvl="1" marL="800280" indent="-341280">
+            <a:pPr lvl="1" marL="800280" indent="-340920">
               <a:lnSpc>
                 <a:spcPct val="100000"/>
               </a:lnSpc>
@@ -9491,7 +9486,7 @@
             </a:endParaRPr>
           </a:p>
           <a:p>
-            <a:pPr lvl="1" marL="800280" indent="-341280">
+            <a:pPr lvl="1" marL="800280" indent="-340920">
               <a:lnSpc>
                 <a:spcPct val="100000"/>
               </a:lnSpc>
@@ -9532,10 +9527,10 @@
   <p:timing>
     <p:tnLst>
       <p:par>
-        <p:cTn id="31" dur="indefinite" restart="never" nodeType="tmRoot">
+        <p:cTn id="13" dur="indefinite" restart="never" nodeType="tmRoot">
           <p:childTnLst>
             <p:seq>
-              <p:cTn id="32" dur="indefinite" nodeType="mainSeq"/>
+              <p:cTn id="14" dur="indefinite" nodeType="mainSeq"/>
               <p:prevCondLst>
                 <p:cond delay="0" evt="onPrev">
                   <p:tgtEl>
@@ -9585,7 +9580,7 @@
         <p:spPr>
           <a:xfrm>
             <a:off x="1240200" y="532080"/>
-            <a:ext cx="7720560" cy="473400"/>
+            <a:ext cx="7720200" cy="473040"/>
           </a:xfrm>
           <a:prstGeom prst="rect">
             <a:avLst/>
@@ -9634,7 +9629,7 @@
         <p:spPr>
           <a:xfrm>
             <a:off x="533520" y="1455840"/>
-            <a:ext cx="9523440" cy="5748120"/>
+            <a:ext cx="9523080" cy="5747760"/>
           </a:xfrm>
           <a:prstGeom prst="rect">
             <a:avLst/>
@@ -9659,7 +9654,7 @@
               </a:lnSpc>
             </a:pPr>
             <a:r>
-              <a:rPr b="0" lang="en-US" sz="2050" spc="-60" strike="noStrike">
+              <a:rPr b="0" lang="en-US" sz="2050" spc="-58" strike="noStrike">
                 <a:solidFill>
                   <a:srgbClr val="000000"/>
                 </a:solidFill>
@@ -9669,7 +9664,7 @@
               <a:t>Solitaire  Taxi                  Poker             </a:t>
             </a:r>
             <a:r>
-              <a:rPr b="0" lang="en-US" sz="2050" spc="-106" strike="noStrike">
+              <a:rPr b="0" lang="en-US" sz="2050" spc="-103" strike="noStrike">
                 <a:solidFill>
                   <a:srgbClr val="000000"/>
                 </a:solidFill>
@@ -9679,7 +9674,7 @@
               <a:t>	</a:t>
             </a:r>
             <a:r>
-              <a:rPr b="0" lang="en-US" sz="2050" spc="-106" strike="noStrike">
+              <a:rPr b="0" lang="en-US" sz="2050" spc="-103" strike="noStrike">
                 <a:solidFill>
                   <a:srgbClr val="000000"/>
                 </a:solidFill>
@@ -9689,7 +9684,7 @@
               <a:t> </a:t>
             </a:r>
             <a:r>
-              <a:rPr b="0" lang="en-US" sz="2050" spc="-111" strike="noStrike">
+              <a:rPr b="0" lang="en-US" sz="2050" spc="-109" strike="noStrike">
                 <a:solidFill>
                   <a:srgbClr val="000000"/>
                 </a:solidFill>
@@ -9699,7 +9694,7 @@
               <a:t>Internet shopping</a:t>
             </a:r>
             <a:r>
-              <a:rPr b="0" lang="en-US" sz="2050" spc="-21" strike="noStrike">
+              <a:rPr b="0" lang="en-US" sz="2050" spc="-18" strike="noStrike">
                 <a:solidFill>
                   <a:srgbClr val="000000"/>
                 </a:solidFill>
@@ -9709,7 +9704,7 @@
               <a:t>                     </a:t>
             </a:r>
             <a:r>
-              <a:rPr b="0" lang="en-US" sz="2050" spc="-117" strike="noStrike">
+              <a:rPr b="0" lang="en-US" sz="2050" spc="-114" strike="noStrike">
                 <a:solidFill>
                   <a:srgbClr val="000000"/>
                 </a:solidFill>
@@ -9765,7 +9760,7 @@
               </a:spcBef>
             </a:pPr>
             <a:r>
-              <a:rPr b="0" lang="en-US" sz="2050" spc="-106" strike="noStrike">
+              <a:rPr b="0" lang="en-US" sz="2050" spc="-103" strike="noStrike">
                 <a:solidFill>
                   <a:srgbClr val="ff00ff"/>
                 </a:solidFill>
@@ -9775,7 +9770,7 @@
               <a:t>Observable??        partial       partial               partial</a:t>
             </a:r>
             <a:r>
-              <a:rPr b="0" lang="en-US" sz="2050" spc="-106" strike="noStrike">
+              <a:rPr b="0" lang="en-US" sz="2050" spc="-103" strike="noStrike">
                 <a:solidFill>
                   <a:srgbClr val="ff00ff"/>
                 </a:solidFill>
@@ -9785,7 +9780,7 @@
               <a:t>	</a:t>
             </a:r>
             <a:r>
-              <a:rPr b="0" lang="en-US" sz="2050" spc="-106" strike="noStrike">
+              <a:rPr b="0" lang="en-US" sz="2050" spc="-103" strike="noStrike">
                 <a:solidFill>
                   <a:srgbClr val="ff00ff"/>
                 </a:solidFill>
@@ -9795,7 +9790,7 @@
               <a:t>	</a:t>
             </a:r>
             <a:r>
-              <a:rPr b="0" lang="en-US" sz="2050" spc="-106" strike="noStrike">
+              <a:rPr b="0" lang="en-US" sz="2050" spc="-103" strike="noStrike">
                 <a:solidFill>
                   <a:srgbClr val="ff00ff"/>
                 </a:solidFill>
@@ -9805,7 +9800,7 @@
               <a:t>	</a:t>
             </a:r>
             <a:r>
-              <a:rPr b="0" lang="en-US" sz="2050" spc="-106" strike="noStrike">
+              <a:rPr b="0" lang="en-US" sz="2050" spc="-103" strike="noStrike">
                 <a:solidFill>
                   <a:srgbClr val="ff00ff"/>
                 </a:solidFill>
@@ -9815,7 +9810,7 @@
               <a:t>	</a:t>
             </a:r>
             <a:r>
-              <a:rPr b="0" lang="en-US" sz="2050" spc="-106" strike="noStrike">
+              <a:rPr b="0" lang="en-US" sz="2050" spc="-103" strike="noStrike">
                 <a:solidFill>
                   <a:srgbClr val="ff00ff"/>
                 </a:solidFill>
@@ -9864,7 +9859,7 @@
               </a:spcBef>
             </a:pPr>
             <a:r>
-              <a:rPr b="0" lang="en-US" sz="2050" spc="-72" strike="noStrike">
+              <a:rPr b="0" lang="en-US" sz="2050" spc="-69" strike="noStrike">
                 <a:solidFill>
                   <a:srgbClr val="ff00ff"/>
                 </a:solidFill>
@@ -9874,7 +9869,7 @@
               <a:t>Deterministi</a:t>
             </a:r>
             <a:r>
-              <a:rPr b="0" lang="en-US" sz="2050" spc="-123" strike="noStrike">
+              <a:rPr b="0" lang="en-US" sz="2050" spc="-120" strike="noStrike">
                 <a:solidFill>
                   <a:srgbClr val="ff00ff"/>
                 </a:solidFill>
@@ -9884,7 +9879,7 @@
               <a:t>c</a:t>
             </a:r>
             <a:r>
-              <a:rPr b="0" lang="en-US" sz="2050" spc="-41" strike="noStrike">
+              <a:rPr b="0" lang="en-US" sz="2050" spc="-38" strike="noStrike">
                 <a:solidFill>
                   <a:srgbClr val="ff00ff"/>
                 </a:solidFill>
@@ -9894,7 +9889,7 @@
               <a:t>??    deter      stoch             stoch</a:t>
             </a:r>
             <a:r>
-              <a:rPr b="0" lang="en-US" sz="2050" spc="-41" strike="noStrike">
+              <a:rPr b="0" lang="en-US" sz="2050" spc="-38" strike="noStrike">
                 <a:solidFill>
                   <a:srgbClr val="ff00ff"/>
                 </a:solidFill>
@@ -9904,7 +9899,7 @@
               <a:t>	</a:t>
             </a:r>
             <a:r>
-              <a:rPr b="0" lang="en-US" sz="2050" spc="-41" strike="noStrike">
+              <a:rPr b="0" lang="en-US" sz="2050" spc="-38" strike="noStrike">
                 <a:solidFill>
                   <a:srgbClr val="ff00ff"/>
                 </a:solidFill>
@@ -9914,7 +9909,7 @@
               <a:t>	</a:t>
             </a:r>
             <a:r>
-              <a:rPr b="0" lang="en-US" sz="2050" spc="-41" strike="noStrike">
+              <a:rPr b="0" lang="en-US" sz="2050" spc="-38" strike="noStrike">
                 <a:solidFill>
                   <a:srgbClr val="ff00ff"/>
                 </a:solidFill>
@@ -9924,7 +9919,7 @@
               <a:t>	</a:t>
             </a:r>
             <a:r>
-              <a:rPr b="0" lang="en-US" sz="2050" spc="-41" strike="noStrike">
+              <a:rPr b="0" lang="en-US" sz="2050" spc="-38" strike="noStrike">
                 <a:solidFill>
                   <a:srgbClr val="ff00ff"/>
                 </a:solidFill>
@@ -9934,7 +9929,7 @@
               <a:t>	</a:t>
             </a:r>
             <a:r>
-              <a:rPr b="0" lang="en-US" sz="2050" spc="-41" strike="noStrike">
+              <a:rPr b="0" lang="en-US" sz="2050" spc="-38" strike="noStrike">
                 <a:solidFill>
                   <a:srgbClr val="ff00ff"/>
                 </a:solidFill>
@@ -9983,7 +9978,7 @@
               </a:spcBef>
             </a:pPr>
             <a:r>
-              <a:rPr b="0" lang="en-US" sz="2050" spc="-66" strike="noStrike">
+              <a:rPr b="0" lang="en-US" sz="2050" spc="-63" strike="noStrike">
                 <a:solidFill>
                   <a:srgbClr val="ff00ff"/>
                 </a:solidFill>
@@ -9993,7 +9988,7 @@
               <a:t>Episodic??        seq.               Seq.             Seq.</a:t>
             </a:r>
             <a:r>
-              <a:rPr b="0" lang="en-US" sz="2050" spc="-66" strike="noStrike">
+              <a:rPr b="0" lang="en-US" sz="2050" spc="-63" strike="noStrike">
                 <a:solidFill>
                   <a:srgbClr val="ff00ff"/>
                 </a:solidFill>
@@ -10003,7 +9998,7 @@
               <a:t>	</a:t>
             </a:r>
             <a:r>
-              <a:rPr b="0" lang="en-US" sz="2050" spc="-66" strike="noStrike">
+              <a:rPr b="0" lang="en-US" sz="2050" spc="-63" strike="noStrike">
                 <a:solidFill>
                   <a:srgbClr val="ff00ff"/>
                 </a:solidFill>
@@ -10013,7 +10008,7 @@
               <a:t>	</a:t>
             </a:r>
             <a:r>
-              <a:rPr b="0" lang="en-US" sz="2050" spc="-66" strike="noStrike">
+              <a:rPr b="0" lang="en-US" sz="2050" spc="-63" strike="noStrike">
                 <a:solidFill>
                   <a:srgbClr val="ff00ff"/>
                 </a:solidFill>
@@ -10023,7 +10018,7 @@
               <a:t>	</a:t>
             </a:r>
             <a:r>
-              <a:rPr b="0" lang="en-US" sz="2050" spc="-66" strike="noStrike">
+              <a:rPr b="0" lang="en-US" sz="2050" spc="-63" strike="noStrike">
                 <a:solidFill>
                   <a:srgbClr val="ff00ff"/>
                 </a:solidFill>
@@ -10033,7 +10028,7 @@
               <a:t>	</a:t>
             </a:r>
             <a:r>
-              <a:rPr b="0" lang="en-US" sz="2050" spc="-66" strike="noStrike">
+              <a:rPr b="0" lang="en-US" sz="2050" spc="-63" strike="noStrike">
                 <a:solidFill>
                   <a:srgbClr val="ff00ff"/>
                 </a:solidFill>
@@ -10069,7 +10064,7 @@
               </a:spcBef>
             </a:pPr>
             <a:r>
-              <a:rPr b="0" lang="en-US" sz="2050" spc="-41" strike="noStrike">
+              <a:rPr b="0" lang="en-US" sz="2050" spc="-38" strike="noStrike">
                 <a:solidFill>
                   <a:srgbClr val="ff00ff"/>
                 </a:solidFill>
@@ -10079,7 +10074,7 @@
               <a:t>Static??         static           dynamic.        Static</a:t>
             </a:r>
             <a:r>
-              <a:rPr b="0" lang="en-US" sz="2050" spc="-41" strike="noStrike">
+              <a:rPr b="0" lang="en-US" sz="2050" spc="-38" strike="noStrike">
                 <a:solidFill>
                   <a:srgbClr val="ff00ff"/>
                 </a:solidFill>
@@ -10089,7 +10084,7 @@
               <a:t>	</a:t>
             </a:r>
             <a:r>
-              <a:rPr b="0" lang="en-US" sz="2050" spc="-41" strike="noStrike">
+              <a:rPr b="0" lang="en-US" sz="2050" spc="-38" strike="noStrike">
                 <a:solidFill>
                   <a:srgbClr val="ff00ff"/>
                 </a:solidFill>
@@ -10099,7 +10094,7 @@
               <a:t>	</a:t>
             </a:r>
             <a:r>
-              <a:rPr b="0" lang="en-US" sz="2050" spc="-41" strike="noStrike">
+              <a:rPr b="0" lang="en-US" sz="2050" spc="-38" strike="noStrike">
                 <a:solidFill>
                   <a:srgbClr val="ff00ff"/>
                 </a:solidFill>
@@ -10109,7 +10104,7 @@
               <a:t>	</a:t>
             </a:r>
             <a:r>
-              <a:rPr b="0" lang="en-US" sz="2050" spc="-41" strike="noStrike">
+              <a:rPr b="0" lang="en-US" sz="2050" spc="-38" strike="noStrike">
                 <a:solidFill>
                   <a:srgbClr val="ff00ff"/>
                 </a:solidFill>
@@ -10119,7 +10114,7 @@
               <a:t>	</a:t>
             </a:r>
             <a:r>
-              <a:rPr b="0" lang="en-US" sz="2050" spc="-41" strike="noStrike">
+              <a:rPr b="0" lang="en-US" sz="2050" spc="-38" strike="noStrike">
                 <a:solidFill>
                   <a:srgbClr val="ff00ff"/>
                 </a:solidFill>
@@ -10168,7 +10163,7 @@
               </a:spcBef>
             </a:pPr>
             <a:r>
-              <a:rPr b="0" lang="en-US" sz="2050" spc="-77" strike="noStrike">
+              <a:rPr b="0" lang="en-US" sz="2050" spc="-75" strike="noStrike">
                 <a:solidFill>
                   <a:srgbClr val="ff00ff"/>
                 </a:solidFill>
@@ -10178,7 +10173,7 @@
               <a:t>Discrete??        discrete     contin.             Discrete</a:t>
             </a:r>
             <a:r>
-              <a:rPr b="0" lang="en-US" sz="2050" spc="-77" strike="noStrike">
+              <a:rPr b="0" lang="en-US" sz="2050" spc="-75" strike="noStrike">
                 <a:solidFill>
                   <a:srgbClr val="ff00ff"/>
                 </a:solidFill>
@@ -10188,7 +10183,7 @@
               <a:t>	</a:t>
             </a:r>
             <a:r>
-              <a:rPr b="0" lang="en-US" sz="2050" spc="-77" strike="noStrike">
+              <a:rPr b="0" lang="en-US" sz="2050" spc="-75" strike="noStrike">
                 <a:solidFill>
                   <a:srgbClr val="ff00ff"/>
                 </a:solidFill>
@@ -10198,7 +10193,7 @@
               <a:t>	</a:t>
             </a:r>
             <a:r>
-              <a:rPr b="0" lang="en-US" sz="2050" spc="-77" strike="noStrike">
+              <a:rPr b="0" lang="en-US" sz="2050" spc="-75" strike="noStrike">
                 <a:solidFill>
                   <a:srgbClr val="ff00ff"/>
                 </a:solidFill>
@@ -10208,7 +10203,7 @@
               <a:t>	</a:t>
             </a:r>
             <a:r>
-              <a:rPr b="0" lang="en-US" sz="2050" spc="-77" strike="noStrike">
+              <a:rPr b="0" lang="en-US" sz="2050" spc="-75" strike="noStrike">
                 <a:solidFill>
                   <a:srgbClr val="ff00ff"/>
                 </a:solidFill>
@@ -10218,7 +10213,7 @@
               <a:t>	</a:t>
             </a:r>
             <a:r>
-              <a:rPr b="0" lang="en-US" sz="2050" spc="-77" strike="noStrike">
+              <a:rPr b="0" lang="en-US" sz="2050" spc="-75" strike="noStrike">
                 <a:solidFill>
                   <a:srgbClr val="ff00ff"/>
                 </a:solidFill>
@@ -10267,7 +10262,7 @@
               </a:spcBef>
             </a:pPr>
             <a:r>
-              <a:rPr b="0" lang="en-US" sz="2050" spc="-100" strike="noStrike">
+              <a:rPr b="0" lang="en-US" sz="2050" spc="-97" strike="noStrike">
                 <a:solidFill>
                   <a:srgbClr val="ff00ff"/>
                 </a:solidFill>
@@ -10277,7 +10272,7 @@
               <a:t>Single-agen</a:t>
             </a:r>
             <a:r>
-              <a:rPr b="0" lang="en-US" sz="2050" spc="-86" strike="noStrike">
+              <a:rPr b="0" lang="en-US" sz="2050" spc="-83" strike="noStrike">
                 <a:solidFill>
                   <a:srgbClr val="ff00ff"/>
                 </a:solidFill>
@@ -10287,7 +10282,7 @@
               <a:t>t</a:t>
             </a:r>
             <a:r>
-              <a:rPr b="0" lang="en-US" sz="2050" spc="-52" strike="noStrike">
+              <a:rPr b="0" lang="en-US" sz="2050" spc="-49" strike="noStrike">
                 <a:solidFill>
                   <a:srgbClr val="ff00ff"/>
                 </a:solidFill>
@@ -10297,7 +10292,7 @@
               <a:t>??   single     single             multi</a:t>
             </a:r>
             <a:r>
-              <a:rPr b="0" lang="en-US" sz="2050" spc="-52" strike="noStrike">
+              <a:rPr b="0" lang="en-US" sz="2050" spc="-49" strike="noStrike">
                 <a:solidFill>
                   <a:srgbClr val="ff00ff"/>
                 </a:solidFill>
@@ -10307,7 +10302,7 @@
               <a:t>	</a:t>
             </a:r>
             <a:r>
-              <a:rPr b="0" lang="en-US" sz="2050" spc="-52" strike="noStrike">
+              <a:rPr b="0" lang="en-US" sz="2050" spc="-49" strike="noStrike">
                 <a:solidFill>
                   <a:srgbClr val="ff00ff"/>
                 </a:solidFill>
@@ -10317,7 +10312,7 @@
               <a:t>	</a:t>
             </a:r>
             <a:r>
-              <a:rPr b="0" lang="en-US" sz="2050" spc="-52" strike="noStrike">
+              <a:rPr b="0" lang="en-US" sz="2050" spc="-49" strike="noStrike">
                 <a:solidFill>
                   <a:srgbClr val="ff00ff"/>
                 </a:solidFill>
@@ -10327,7 +10322,7 @@
               <a:t>	</a:t>
             </a:r>
             <a:r>
-              <a:rPr b="0" lang="en-US" sz="2050" spc="-52" strike="noStrike">
+              <a:rPr b="0" lang="en-US" sz="2050" spc="-49" strike="noStrike">
                 <a:solidFill>
                   <a:srgbClr val="ff00ff"/>
                 </a:solidFill>
@@ -10337,7 +10332,7 @@
               <a:t>	</a:t>
             </a:r>
             <a:r>
-              <a:rPr b="0" lang="en-US" sz="2050" spc="-52" strike="noStrike">
+              <a:rPr b="0" lang="en-US" sz="2050" spc="-49" strike="noStrike">
                 <a:solidFill>
                   <a:srgbClr val="ff00ff"/>
                 </a:solidFill>
@@ -10347,7 +10342,7 @@
               <a:t>	</a:t>
             </a:r>
             <a:r>
-              <a:rPr b="0" lang="en-US" sz="2050" spc="-52" strike="noStrike">
+              <a:rPr b="0" lang="en-US" sz="2050" spc="-49" strike="noStrike">
                 <a:solidFill>
                   <a:srgbClr val="ff00ff"/>
                 </a:solidFill>
@@ -10371,7 +10366,7 @@
         <p:spPr>
           <a:xfrm>
             <a:off x="8781120" y="7008480"/>
-            <a:ext cx="157680" cy="4506480"/>
+            <a:ext cx="157320" cy="4506120"/>
           </a:xfrm>
           <a:prstGeom prst="rect">
             <a:avLst/>
@@ -10395,8 +10390,8 @@
                 <a:spcPts val="859"/>
               </a:lnSpc>
             </a:pPr>
-            <a:fld id="{9806B10A-2610-406B-8CFC-139D5F60CB9E}" type="slidenum">
-              <a:rPr b="0" lang="en-US" sz="800" spc="7" strike="noStrike">
+            <a:fld id="{A4B6168D-8292-46CD-809E-90A8CDD642CA}" type="slidenum">
+              <a:rPr b="0" lang="en-US" sz="800" spc="4" strike="noStrike">
                 <a:solidFill>
                   <a:srgbClr val="000000"/>
                 </a:solidFill>
@@ -10426,287 +10421,10 @@
             <a:avLst/>
           </a:prstGeom>
           <a:ln w="19080">
+            <a:solidFill>
+              <a:srgbClr val="000000"/>
+            </a:solidFill>
             <a:round/>
-          </a:ln>
-        </p:spPr>
-        <p:style>
-          <a:lnRef idx="3">
-            <a:schemeClr val="dk1"/>
-          </a:lnRef>
-          <a:fillRef idx="0">
-            <a:schemeClr val="dk1"/>
-          </a:fillRef>
-          <a:effectRef idx="2">
-            <a:schemeClr val="dk1"/>
-          </a:effectRef>
-          <a:fontRef idx="minor"/>
-        </p:style>
-      </p:sp>
-      <p:sp>
-        <p:nvSpPr>
-          <p:cNvPr id="215" name="Line 5"/>
-          <p:cNvSpPr/>
-          <p:nvPr/>
-        </p:nvSpPr>
-        <p:spPr>
-          <a:xfrm flipH="1">
-            <a:off x="5333760" y="1478160"/>
-            <a:ext cx="76320" cy="6019560"/>
-          </a:xfrm>
-          <a:prstGeom prst="line">
-            <a:avLst/>
-          </a:prstGeom>
-          <a:ln w="19080">
-            <a:round/>
-          </a:ln>
-        </p:spPr>
-        <p:style>
-          <a:lnRef idx="3">
-            <a:schemeClr val="dk1"/>
-          </a:lnRef>
-          <a:fillRef idx="0">
-            <a:schemeClr val="dk1"/>
-          </a:fillRef>
-          <a:effectRef idx="2">
-            <a:schemeClr val="dk1"/>
-          </a:effectRef>
-          <a:fontRef idx="minor"/>
-        </p:style>
-      </p:sp>
-      <p:sp>
-        <p:nvSpPr>
-          <p:cNvPr id="216" name="Line 6"/>
-          <p:cNvSpPr/>
-          <p:nvPr/>
-        </p:nvSpPr>
-        <p:spPr>
-          <a:xfrm flipH="1">
-            <a:off x="7467480" y="1478160"/>
-            <a:ext cx="76320" cy="6019560"/>
-          </a:xfrm>
-          <a:prstGeom prst="line">
-            <a:avLst/>
-          </a:prstGeom>
-          <a:ln w="19080">
-            <a:round/>
-          </a:ln>
-        </p:spPr>
-        <p:style>
-          <a:lnRef idx="3">
-            <a:schemeClr val="dk1"/>
-          </a:lnRef>
-          <a:fillRef idx="0">
-            <a:schemeClr val="dk1"/>
-          </a:fillRef>
-          <a:effectRef idx="2">
-            <a:schemeClr val="dk1"/>
-          </a:effectRef>
-          <a:fontRef idx="minor"/>
-        </p:style>
-      </p:sp>
-      <p:sp>
-        <p:nvSpPr>
-          <p:cNvPr id="217" name="Line 7"/>
-          <p:cNvSpPr/>
-          <p:nvPr/>
-        </p:nvSpPr>
-        <p:spPr>
-          <a:xfrm>
-            <a:off x="533160" y="6324480"/>
-            <a:ext cx="8686800" cy="360"/>
-          </a:xfrm>
-          <a:prstGeom prst="line">
-            <a:avLst/>
-          </a:prstGeom>
-          <a:ln w="19080">
-            <a:round/>
-          </a:ln>
-        </p:spPr>
-        <p:style>
-          <a:lnRef idx="3">
-            <a:schemeClr val="dk1"/>
-          </a:lnRef>
-          <a:fillRef idx="0">
-            <a:schemeClr val="dk1"/>
-          </a:fillRef>
-          <a:effectRef idx="2">
-            <a:schemeClr val="dk1"/>
-          </a:effectRef>
-          <a:fontRef idx="minor"/>
-        </p:style>
-      </p:sp>
-      <p:sp>
-        <p:nvSpPr>
-          <p:cNvPr id="218" name="Line 8"/>
-          <p:cNvSpPr/>
-          <p:nvPr/>
-        </p:nvSpPr>
-        <p:spPr>
-          <a:xfrm>
-            <a:off x="457200" y="3809880"/>
-            <a:ext cx="8686440" cy="360"/>
-          </a:xfrm>
-          <a:prstGeom prst="line">
-            <a:avLst/>
-          </a:prstGeom>
-          <a:ln w="19080">
-            <a:round/>
-          </a:ln>
-        </p:spPr>
-        <p:style>
-          <a:lnRef idx="3">
-            <a:schemeClr val="dk1"/>
-          </a:lnRef>
-          <a:fillRef idx="0">
-            <a:schemeClr val="dk1"/>
-          </a:fillRef>
-          <a:effectRef idx="2">
-            <a:schemeClr val="dk1"/>
-          </a:effectRef>
-          <a:fontRef idx="minor"/>
-        </p:style>
-      </p:sp>
-      <p:sp>
-        <p:nvSpPr>
-          <p:cNvPr id="219" name="Line 9"/>
-          <p:cNvSpPr/>
-          <p:nvPr/>
-        </p:nvSpPr>
-        <p:spPr>
-          <a:xfrm>
-            <a:off x="533160" y="4647960"/>
-            <a:ext cx="8686800" cy="360"/>
-          </a:xfrm>
-          <a:prstGeom prst="line">
-            <a:avLst/>
-          </a:prstGeom>
-          <a:ln w="19080">
-            <a:round/>
-          </a:ln>
-        </p:spPr>
-        <p:style>
-          <a:lnRef idx="3">
-            <a:schemeClr val="dk1"/>
-          </a:lnRef>
-          <a:fillRef idx="0">
-            <a:schemeClr val="dk1"/>
-          </a:fillRef>
-          <a:effectRef idx="2">
-            <a:schemeClr val="dk1"/>
-          </a:effectRef>
-          <a:fontRef idx="minor"/>
-        </p:style>
-      </p:sp>
-      <p:sp>
-        <p:nvSpPr>
-          <p:cNvPr id="220" name="Line 10"/>
-          <p:cNvSpPr/>
-          <p:nvPr/>
-        </p:nvSpPr>
-        <p:spPr>
-          <a:xfrm>
-            <a:off x="533160" y="1828800"/>
-            <a:ext cx="8686800" cy="360"/>
-          </a:xfrm>
-          <a:prstGeom prst="line">
-            <a:avLst/>
-          </a:prstGeom>
-          <a:ln w="19080">
-            <a:round/>
-          </a:ln>
-        </p:spPr>
-        <p:style>
-          <a:lnRef idx="3">
-            <a:schemeClr val="dk1"/>
-          </a:lnRef>
-          <a:fillRef idx="0">
-            <a:schemeClr val="dk1"/>
-          </a:fillRef>
-          <a:effectRef idx="2">
-            <a:schemeClr val="dk1"/>
-          </a:effectRef>
-          <a:fontRef idx="minor"/>
-        </p:style>
-      </p:sp>
-      <p:sp>
-        <p:nvSpPr>
-          <p:cNvPr id="221" name="Line 11"/>
-          <p:cNvSpPr/>
-          <p:nvPr/>
-        </p:nvSpPr>
-        <p:spPr>
-          <a:xfrm>
-            <a:off x="533160" y="2743200"/>
-            <a:ext cx="8686800" cy="360"/>
-          </a:xfrm>
-          <a:prstGeom prst="line">
-            <a:avLst/>
-          </a:prstGeom>
-          <a:ln w="19080">
-            <a:round/>
-          </a:ln>
-        </p:spPr>
-        <p:style>
-          <a:lnRef idx="3">
-            <a:schemeClr val="dk1"/>
-          </a:lnRef>
-          <a:fillRef idx="0">
-            <a:schemeClr val="dk1"/>
-          </a:fillRef>
-          <a:effectRef idx="2">
-            <a:schemeClr val="dk1"/>
-          </a:effectRef>
-          <a:fontRef idx="minor"/>
-        </p:style>
-      </p:sp>
-      <p:sp>
-        <p:nvSpPr>
-          <p:cNvPr id="222" name="Line 12"/>
-          <p:cNvSpPr/>
-          <p:nvPr/>
-        </p:nvSpPr>
-        <p:spPr>
-          <a:xfrm>
-            <a:off x="533160" y="5410080"/>
-            <a:ext cx="8686800" cy="360"/>
-          </a:xfrm>
-          <a:prstGeom prst="line">
-            <a:avLst/>
-          </a:prstGeom>
-          <a:ln w="19080">
-            <a:round/>
-          </a:ln>
-        </p:spPr>
-        <p:style>
-          <a:lnRef idx="3">
-            <a:schemeClr val="dk1"/>
-          </a:lnRef>
-          <a:fillRef idx="0">
-            <a:schemeClr val="dk1"/>
-          </a:fillRef>
-          <a:effectRef idx="2">
-            <a:schemeClr val="dk1"/>
-          </a:effectRef>
-          <a:fontRef idx="minor"/>
-        </p:style>
-      </p:sp>
-      <p:sp>
-        <p:nvSpPr>
-          <p:cNvPr id="223" name="CustomShape 13"/>
-          <p:cNvSpPr/>
-          <p:nvPr/>
-        </p:nvSpPr>
-        <p:spPr>
-          <a:xfrm>
-            <a:off x="1340280" y="1109520"/>
-            <a:ext cx="7254720" cy="345960"/>
-          </a:xfrm>
-          <a:prstGeom prst="rect">
-            <a:avLst/>
-          </a:prstGeom>
-          <a:noFill/>
-          <a:ln>
-            <a:noFill/>
           </a:ln>
         </p:spPr>
         <p:style>
@@ -10715,101 +10433,240 @@
           <a:effectRef idx="0"/>
           <a:fontRef idx="minor"/>
         </p:style>
-        <p:txBody>
-          <a:bodyPr lIns="90000" rIns="90000" tIns="45000" bIns="45000"/>
-          <a:p>
-            <a:pPr>
-              <a:lnSpc>
-                <a:spcPct val="100000"/>
-              </a:lnSpc>
-            </a:pPr>
-            <a:r>
-              <a:rPr b="0" lang="en-US" sz="1800" spc="-1" strike="noStrike">
-                <a:latin typeface="Arial"/>
-              </a:rPr>
-              <a:t>Room IDs = 1,5,9,…</a:t>
-            </a:r>
-            <a:r>
-              <a:rPr b="0" lang="en-US" sz="1800" spc="-1" strike="noStrike">
-                <a:latin typeface="Arial"/>
-              </a:rPr>
-              <a:t>	</a:t>
-            </a:r>
-            <a:r>
-              <a:rPr b="0" lang="en-US" sz="1800" spc="-1" strike="noStrike">
-                <a:latin typeface="Arial"/>
-              </a:rPr>
-              <a:t>	</a:t>
-            </a:r>
-            <a:r>
-              <a:rPr b="0" lang="en-US" sz="1800" spc="-1" strike="noStrike">
-                <a:latin typeface="Arial"/>
-              </a:rPr>
-              <a:t>2,6,….</a:t>
-            </a:r>
-            <a:r>
-              <a:rPr b="0" lang="en-US" sz="1800" spc="-1" strike="noStrike">
-                <a:latin typeface="Arial"/>
-              </a:rPr>
-              <a:t>	</a:t>
-            </a:r>
-            <a:r>
-              <a:rPr b="0" lang="en-US" sz="1800" spc="-1" strike="noStrike">
-                <a:latin typeface="Arial"/>
-              </a:rPr>
-              <a:t>	</a:t>
-            </a:r>
-            <a:r>
-              <a:rPr b="0" lang="en-US" sz="1800" spc="-1" strike="noStrike">
-                <a:latin typeface="Arial"/>
-              </a:rPr>
-              <a:t>	</a:t>
-            </a:r>
-            <a:r>
-              <a:rPr b="0" lang="en-US" sz="1800" spc="-1" strike="noStrike">
-                <a:latin typeface="Arial"/>
-              </a:rPr>
-              <a:t>3,7,…</a:t>
-            </a:r>
-            <a:r>
-              <a:rPr b="0" lang="en-US" sz="1800" spc="-1" strike="noStrike">
-                <a:latin typeface="Arial"/>
-              </a:rPr>
-              <a:t>	</a:t>
-            </a:r>
-            <a:r>
-              <a:rPr b="0" lang="en-US" sz="1800" spc="-1" strike="noStrike">
-                <a:latin typeface="Arial"/>
-              </a:rPr>
-              <a:t>	</a:t>
-            </a:r>
-            <a:r>
-              <a:rPr b="0" lang="en-US" sz="1800" spc="-1" strike="noStrike">
-                <a:latin typeface="Arial"/>
-              </a:rPr>
-              <a:t>	</a:t>
-            </a:r>
-            <a:r>
-              <a:rPr b="0" lang="en-US" sz="1800" spc="-1" strike="noStrike">
-                <a:latin typeface="Arial"/>
-              </a:rPr>
-              <a:t>4,8,….</a:t>
-            </a:r>
-            <a:endParaRPr b="0" lang="en-US" sz="1800" spc="-1" strike="noStrike">
-              <a:latin typeface="Arial"/>
-            </a:endParaRPr>
-          </a:p>
-        </p:txBody>
+      </p:sp>
+      <p:sp>
+        <p:nvSpPr>
+          <p:cNvPr id="215" name="Line 5"/>
+          <p:cNvSpPr/>
+          <p:nvPr/>
+        </p:nvSpPr>
+        <p:spPr>
+          <a:xfrm flipH="1">
+            <a:off x="5333760" y="1478160"/>
+            <a:ext cx="76320" cy="6019560"/>
+          </a:xfrm>
+          <a:prstGeom prst="line">
+            <a:avLst/>
+          </a:prstGeom>
+          <a:ln w="19080">
+            <a:solidFill>
+              <a:srgbClr val="000000"/>
+            </a:solidFill>
+            <a:round/>
+          </a:ln>
+        </p:spPr>
+        <p:style>
+          <a:lnRef idx="0"/>
+          <a:fillRef idx="0"/>
+          <a:effectRef idx="0"/>
+          <a:fontRef idx="minor"/>
+        </p:style>
+      </p:sp>
+      <p:sp>
+        <p:nvSpPr>
+          <p:cNvPr id="216" name="Line 6"/>
+          <p:cNvSpPr/>
+          <p:nvPr/>
+        </p:nvSpPr>
+        <p:spPr>
+          <a:xfrm flipH="1">
+            <a:off x="7467480" y="1478160"/>
+            <a:ext cx="76320" cy="6019560"/>
+          </a:xfrm>
+          <a:prstGeom prst="line">
+            <a:avLst/>
+          </a:prstGeom>
+          <a:ln w="19080">
+            <a:solidFill>
+              <a:srgbClr val="000000"/>
+            </a:solidFill>
+            <a:round/>
+          </a:ln>
+        </p:spPr>
+        <p:style>
+          <a:lnRef idx="0"/>
+          <a:fillRef idx="0"/>
+          <a:effectRef idx="0"/>
+          <a:fontRef idx="minor"/>
+        </p:style>
+      </p:sp>
+      <p:sp>
+        <p:nvSpPr>
+          <p:cNvPr id="217" name="Line 7"/>
+          <p:cNvSpPr/>
+          <p:nvPr/>
+        </p:nvSpPr>
+        <p:spPr>
+          <a:xfrm>
+            <a:off x="533160" y="6324480"/>
+            <a:ext cx="8686800" cy="360"/>
+          </a:xfrm>
+          <a:prstGeom prst="line">
+            <a:avLst/>
+          </a:prstGeom>
+          <a:ln w="19080">
+            <a:solidFill>
+              <a:srgbClr val="000000"/>
+            </a:solidFill>
+            <a:round/>
+          </a:ln>
+        </p:spPr>
+        <p:style>
+          <a:lnRef idx="0"/>
+          <a:fillRef idx="0"/>
+          <a:effectRef idx="0"/>
+          <a:fontRef idx="minor"/>
+        </p:style>
+      </p:sp>
+      <p:sp>
+        <p:nvSpPr>
+          <p:cNvPr id="218" name="Line 8"/>
+          <p:cNvSpPr/>
+          <p:nvPr/>
+        </p:nvSpPr>
+        <p:spPr>
+          <a:xfrm>
+            <a:off x="457200" y="3809880"/>
+            <a:ext cx="8686440" cy="360"/>
+          </a:xfrm>
+          <a:prstGeom prst="line">
+            <a:avLst/>
+          </a:prstGeom>
+          <a:ln w="19080">
+            <a:solidFill>
+              <a:srgbClr val="000000"/>
+            </a:solidFill>
+            <a:round/>
+          </a:ln>
+        </p:spPr>
+        <p:style>
+          <a:lnRef idx="0"/>
+          <a:fillRef idx="0"/>
+          <a:effectRef idx="0"/>
+          <a:fontRef idx="minor"/>
+        </p:style>
+      </p:sp>
+      <p:sp>
+        <p:nvSpPr>
+          <p:cNvPr id="219" name="Line 9"/>
+          <p:cNvSpPr/>
+          <p:nvPr/>
+        </p:nvSpPr>
+        <p:spPr>
+          <a:xfrm>
+            <a:off x="533160" y="4647960"/>
+            <a:ext cx="8686800" cy="360"/>
+          </a:xfrm>
+          <a:prstGeom prst="line">
+            <a:avLst/>
+          </a:prstGeom>
+          <a:ln w="19080">
+            <a:solidFill>
+              <a:srgbClr val="000000"/>
+            </a:solidFill>
+            <a:round/>
+          </a:ln>
+        </p:spPr>
+        <p:style>
+          <a:lnRef idx="0"/>
+          <a:fillRef idx="0"/>
+          <a:effectRef idx="0"/>
+          <a:fontRef idx="minor"/>
+        </p:style>
+      </p:sp>
+      <p:sp>
+        <p:nvSpPr>
+          <p:cNvPr id="220" name="Line 10"/>
+          <p:cNvSpPr/>
+          <p:nvPr/>
+        </p:nvSpPr>
+        <p:spPr>
+          <a:xfrm>
+            <a:off x="533160" y="1828800"/>
+            <a:ext cx="8686800" cy="360"/>
+          </a:xfrm>
+          <a:prstGeom prst="line">
+            <a:avLst/>
+          </a:prstGeom>
+          <a:ln w="19080">
+            <a:solidFill>
+              <a:srgbClr val="000000"/>
+            </a:solidFill>
+            <a:round/>
+          </a:ln>
+        </p:spPr>
+        <p:style>
+          <a:lnRef idx="0"/>
+          <a:fillRef idx="0"/>
+          <a:effectRef idx="0"/>
+          <a:fontRef idx="minor"/>
+        </p:style>
+      </p:sp>
+      <p:sp>
+        <p:nvSpPr>
+          <p:cNvPr id="221" name="Line 11"/>
+          <p:cNvSpPr/>
+          <p:nvPr/>
+        </p:nvSpPr>
+        <p:spPr>
+          <a:xfrm>
+            <a:off x="533160" y="2743200"/>
+            <a:ext cx="8686800" cy="360"/>
+          </a:xfrm>
+          <a:prstGeom prst="line">
+            <a:avLst/>
+          </a:prstGeom>
+          <a:ln w="19080">
+            <a:solidFill>
+              <a:srgbClr val="000000"/>
+            </a:solidFill>
+            <a:round/>
+          </a:ln>
+        </p:spPr>
+        <p:style>
+          <a:lnRef idx="0"/>
+          <a:fillRef idx="0"/>
+          <a:effectRef idx="0"/>
+          <a:fontRef idx="minor"/>
+        </p:style>
+      </p:sp>
+      <p:sp>
+        <p:nvSpPr>
+          <p:cNvPr id="222" name="Line 12"/>
+          <p:cNvSpPr/>
+          <p:nvPr/>
+        </p:nvSpPr>
+        <p:spPr>
+          <a:xfrm>
+            <a:off x="533160" y="5410080"/>
+            <a:ext cx="8686800" cy="360"/>
+          </a:xfrm>
+          <a:prstGeom prst="line">
+            <a:avLst/>
+          </a:prstGeom>
+          <a:ln w="19080">
+            <a:solidFill>
+              <a:srgbClr val="000000"/>
+            </a:solidFill>
+            <a:round/>
+          </a:ln>
+        </p:spPr>
+        <p:style>
+          <a:lnRef idx="0"/>
+          <a:fillRef idx="0"/>
+          <a:effectRef idx="0"/>
+          <a:fontRef idx="minor"/>
+        </p:style>
       </p:sp>
     </p:spTree>
   </p:cSld>
   <p:timing>
     <p:tnLst>
       <p:par>
-        <p:cTn id="33" dur="indefinite" restart="never" nodeType="tmRoot">
+        <p:cTn id="15" dur="indefinite" restart="never" nodeType="tmRoot">
           <p:childTnLst>
             <p:seq>
-              <p:cTn id="34" dur="indefinite" nodeType="mainSeq"/>
+              <p:cTn id="16" dur="indefinite" nodeType="mainSeq"/>
               <p:prevCondLst>
                 <p:cond delay="0" evt="onPrev">
                   <p:tgtEl>
@@ -10852,14 +10709,14 @@
       </p:grpSpPr>
       <p:sp>
         <p:nvSpPr>
-          <p:cNvPr id="224" name="CustomShape 1"/>
+          <p:cNvPr id="223" name="CustomShape 1"/>
           <p:cNvSpPr/>
           <p:nvPr/>
         </p:nvSpPr>
         <p:spPr>
           <a:xfrm>
             <a:off x="1138680" y="274680"/>
-            <a:ext cx="7720560" cy="1296360"/>
+            <a:ext cx="7720200" cy="1296000"/>
           </a:xfrm>
           <a:prstGeom prst="rect">
             <a:avLst/>
@@ -10911,28 +10768,28 @@
       </p:sp>
       <p:grpSp>
         <p:nvGrpSpPr>
-          <p:cNvPr id="225" name="Group 2"/>
+          <p:cNvPr id="224" name="Group 2"/>
           <p:cNvGrpSpPr/>
           <p:nvPr/>
         </p:nvGrpSpPr>
         <p:grpSpPr>
           <a:xfrm>
             <a:off x="1676520" y="1295280"/>
-            <a:ext cx="4570200" cy="2897280"/>
+            <a:ext cx="4569840" cy="2896920"/>
             <a:chOff x="1676520" y="1295280"/>
-            <a:chExt cx="4570200" cy="2897280"/>
+            <a:chExt cx="4569840" cy="2896920"/>
           </a:xfrm>
         </p:grpSpPr>
         <p:sp>
           <p:nvSpPr>
-            <p:cNvPr id="226" name="CustomShape 3"/>
+            <p:cNvPr id="225" name="CustomShape 3"/>
             <p:cNvSpPr/>
             <p:nvPr/>
           </p:nvSpPr>
           <p:spPr>
             <a:xfrm>
               <a:off x="1676520" y="1295280"/>
-              <a:ext cx="4570200" cy="2897280"/>
+              <a:ext cx="4569840" cy="2896920"/>
             </a:xfrm>
             <a:prstGeom prst="rect">
               <a:avLst/>
@@ -10956,14 +10813,14 @@
         </p:sp>
         <p:sp>
           <p:nvSpPr>
-            <p:cNvPr id="227" name="CustomShape 4"/>
+            <p:cNvPr id="226" name="CustomShape 4"/>
             <p:cNvSpPr/>
             <p:nvPr/>
           </p:nvSpPr>
           <p:spPr>
             <a:xfrm>
               <a:off x="1895760" y="1395360"/>
-              <a:ext cx="556920" cy="211320"/>
+              <a:ext cx="556560" cy="210960"/>
             </a:xfrm>
             <a:prstGeom prst="rect">
               <a:avLst/>
@@ -11005,14 +10862,14 @@
         </p:sp>
         <p:sp>
           <p:nvSpPr>
-            <p:cNvPr id="228" name="CustomShape 5"/>
+            <p:cNvPr id="227" name="CustomShape 5"/>
             <p:cNvSpPr/>
             <p:nvPr/>
           </p:nvSpPr>
           <p:spPr>
             <a:xfrm>
               <a:off x="5734440" y="2148480"/>
-              <a:ext cx="252360" cy="1185480"/>
+              <a:ext cx="252000" cy="1185120"/>
             </a:xfrm>
             <a:prstGeom prst="rect">
               <a:avLst/>
@@ -11029,7 +10886,7 @@
             <a:fontRef idx="minor"/>
           </p:style>
           <p:txBody>
-            <a:bodyPr lIns="0" rIns="0" tIns="0" bIns="0" vert="vert" rot="5400000"/>
+            <a:bodyPr lIns="0" rIns="0" tIns="0" bIns="0"/>
             <a:p>
               <a:pPr marL="12600">
                 <a:lnSpc>
@@ -11054,14 +10911,14 @@
         </p:sp>
         <p:sp>
           <p:nvSpPr>
-            <p:cNvPr id="229" name="CustomShape 6"/>
+            <p:cNvPr id="228" name="CustomShape 6"/>
             <p:cNvSpPr/>
             <p:nvPr/>
           </p:nvSpPr>
           <p:spPr>
             <a:xfrm>
               <a:off x="4182480" y="1519200"/>
-              <a:ext cx="539280" cy="165600"/>
+              <a:ext cx="538920" cy="165240"/>
             </a:xfrm>
             <a:prstGeom prst="rect">
               <a:avLst/>
@@ -11103,14 +10960,14 @@
         </p:sp>
         <p:sp>
           <p:nvSpPr>
-            <p:cNvPr id="230" name="CustomShape 7"/>
+            <p:cNvPr id="229" name="CustomShape 7"/>
             <p:cNvSpPr/>
             <p:nvPr/>
           </p:nvSpPr>
           <p:spPr>
             <a:xfrm>
               <a:off x="4035240" y="1923840"/>
-              <a:ext cx="901800" cy="302760"/>
+              <a:ext cx="901440" cy="302400"/>
             </a:xfrm>
             <a:prstGeom prst="rect">
               <a:avLst/>
@@ -11152,14 +11009,14 @@
         </p:sp>
         <p:sp>
           <p:nvSpPr>
-            <p:cNvPr id="231" name="CustomShape 8"/>
+            <p:cNvPr id="230" name="CustomShape 8"/>
             <p:cNvSpPr/>
             <p:nvPr/>
           </p:nvSpPr>
           <p:spPr>
             <a:xfrm>
               <a:off x="4054320" y="3273840"/>
-              <a:ext cx="872280" cy="302760"/>
+              <a:ext cx="871920" cy="302400"/>
             </a:xfrm>
             <a:prstGeom prst="rect">
               <a:avLst/>
@@ -11201,14 +11058,14 @@
         </p:sp>
         <p:sp>
           <p:nvSpPr>
-            <p:cNvPr id="232" name="CustomShape 9"/>
+            <p:cNvPr id="231" name="CustomShape 9"/>
             <p:cNvSpPr/>
             <p:nvPr/>
           </p:nvSpPr>
           <p:spPr>
             <a:xfrm>
               <a:off x="2031120" y="3282120"/>
-              <a:ext cx="1522080" cy="235800"/>
+              <a:ext cx="1521720" cy="235440"/>
             </a:xfrm>
             <a:prstGeom prst="rect">
               <a:avLst/>
@@ -11232,14 +11089,14 @@
         </p:sp>
         <p:sp>
           <p:nvSpPr>
-            <p:cNvPr id="233" name="CustomShape 10"/>
+            <p:cNvPr id="232" name="CustomShape 10"/>
             <p:cNvSpPr/>
             <p:nvPr/>
           </p:nvSpPr>
           <p:spPr>
             <a:xfrm>
               <a:off x="2105640" y="3315960"/>
-              <a:ext cx="1334520" cy="165600"/>
+              <a:ext cx="1334160" cy="165240"/>
             </a:xfrm>
             <a:prstGeom prst="rect">
               <a:avLst/>
@@ -11281,14 +11138,14 @@
         </p:sp>
         <p:sp>
           <p:nvSpPr>
-            <p:cNvPr id="234" name="CustomShape 11"/>
+            <p:cNvPr id="233" name="CustomShape 11"/>
             <p:cNvSpPr/>
             <p:nvPr/>
           </p:nvSpPr>
           <p:spPr>
             <a:xfrm>
               <a:off x="4483800" y="1673640"/>
-              <a:ext cx="360" cy="218880"/>
+              <a:ext cx="360" cy="218520"/>
             </a:xfrm>
             <a:custGeom>
               <a:avLst/>
@@ -11323,14 +11180,14 @@
         </p:sp>
         <p:sp>
           <p:nvSpPr>
-            <p:cNvPr id="235" name="CustomShape 12"/>
+            <p:cNvPr id="234" name="CustomShape 12"/>
             <p:cNvSpPr/>
             <p:nvPr/>
           </p:nvSpPr>
           <p:spPr>
             <a:xfrm>
               <a:off x="4448160" y="1779840"/>
-              <a:ext cx="69480" cy="155160"/>
+              <a:ext cx="69120" cy="154800"/>
             </a:xfrm>
             <a:custGeom>
               <a:avLst/>
@@ -11371,14 +11228,14 @@
         </p:sp>
         <p:sp>
           <p:nvSpPr>
-            <p:cNvPr id="236" name="CustomShape 13"/>
+            <p:cNvPr id="235" name="CustomShape 13"/>
             <p:cNvSpPr/>
             <p:nvPr/>
           </p:nvSpPr>
           <p:spPr>
             <a:xfrm>
               <a:off x="4460040" y="1789200"/>
-              <a:ext cx="45720" cy="102960"/>
+              <a:ext cx="45360" cy="102600"/>
             </a:xfrm>
             <a:custGeom>
               <a:avLst/>
@@ -11416,14 +11273,14 @@
         </p:sp>
         <p:sp>
           <p:nvSpPr>
-            <p:cNvPr id="237" name="CustomShape 14"/>
+            <p:cNvPr id="236" name="CustomShape 14"/>
             <p:cNvSpPr/>
             <p:nvPr/>
           </p:nvSpPr>
           <p:spPr>
             <a:xfrm>
               <a:off x="4483800" y="3560040"/>
-              <a:ext cx="360" cy="246240"/>
+              <a:ext cx="360" cy="245880"/>
             </a:xfrm>
             <a:custGeom>
               <a:avLst/>
@@ -11458,14 +11315,14 @@
         </p:sp>
         <p:sp>
           <p:nvSpPr>
-            <p:cNvPr id="238" name="CustomShape 15"/>
+            <p:cNvPr id="237" name="CustomShape 15"/>
             <p:cNvSpPr/>
             <p:nvPr/>
           </p:nvSpPr>
           <p:spPr>
             <a:xfrm>
               <a:off x="4448160" y="3693600"/>
-              <a:ext cx="69480" cy="155160"/>
+              <a:ext cx="69120" cy="154800"/>
             </a:xfrm>
             <a:custGeom>
               <a:avLst/>
@@ -11506,14 +11363,14 @@
         </p:sp>
         <p:sp>
           <p:nvSpPr>
-            <p:cNvPr id="239" name="CustomShape 16"/>
+            <p:cNvPr id="238" name="CustomShape 16"/>
             <p:cNvSpPr/>
             <p:nvPr/>
           </p:nvSpPr>
           <p:spPr>
             <a:xfrm>
               <a:off x="4460040" y="3703320"/>
-              <a:ext cx="45720" cy="102960"/>
+              <a:ext cx="45360" cy="102600"/>
             </a:xfrm>
             <a:custGeom>
               <a:avLst/>
@@ -11551,14 +11408,14 @@
         </p:sp>
         <p:sp>
           <p:nvSpPr>
-            <p:cNvPr id="240" name="CustomShape 17"/>
+            <p:cNvPr id="239" name="CustomShape 17"/>
             <p:cNvSpPr/>
             <p:nvPr/>
           </p:nvSpPr>
           <p:spPr>
             <a:xfrm>
               <a:off x="4483800" y="2219760"/>
-              <a:ext cx="360" cy="1026720"/>
+              <a:ext cx="360" cy="1026360"/>
             </a:xfrm>
             <a:custGeom>
               <a:avLst/>
@@ -11593,14 +11450,14 @@
         </p:sp>
         <p:sp>
           <p:nvSpPr>
-            <p:cNvPr id="241" name="CustomShape 18"/>
+            <p:cNvPr id="240" name="CustomShape 18"/>
             <p:cNvSpPr/>
             <p:nvPr/>
           </p:nvSpPr>
           <p:spPr>
             <a:xfrm>
               <a:off x="4448160" y="3133800"/>
-              <a:ext cx="69480" cy="155160"/>
+              <a:ext cx="69120" cy="154800"/>
             </a:xfrm>
             <a:custGeom>
               <a:avLst/>
@@ -11641,14 +11498,14 @@
         </p:sp>
         <p:sp>
           <p:nvSpPr>
-            <p:cNvPr id="242" name="CustomShape 19"/>
+            <p:cNvPr id="241" name="CustomShape 19"/>
             <p:cNvSpPr/>
             <p:nvPr/>
           </p:nvSpPr>
           <p:spPr>
             <a:xfrm>
               <a:off x="4460040" y="3143160"/>
-              <a:ext cx="45720" cy="102960"/>
+              <a:ext cx="45360" cy="102600"/>
             </a:xfrm>
             <a:custGeom>
               <a:avLst/>
@@ -11686,14 +11543,14 @@
         </p:sp>
         <p:sp>
           <p:nvSpPr>
-            <p:cNvPr id="243" name="CustomShape 20"/>
+            <p:cNvPr id="242" name="CustomShape 20"/>
             <p:cNvSpPr/>
             <p:nvPr/>
           </p:nvSpPr>
           <p:spPr>
             <a:xfrm>
               <a:off x="4168440" y="3867480"/>
-              <a:ext cx="635040" cy="165600"/>
+              <a:ext cx="634680" cy="165240"/>
             </a:xfrm>
             <a:prstGeom prst="rect">
               <a:avLst/>
@@ -11736,14 +11593,14 @@
       </p:grpSp>
       <p:sp>
         <p:nvSpPr>
-          <p:cNvPr id="244" name="CustomShape 21"/>
+          <p:cNvPr id="243" name="CustomShape 21"/>
           <p:cNvSpPr/>
           <p:nvPr/>
         </p:nvSpPr>
         <p:spPr>
           <a:xfrm>
             <a:off x="8781120" y="7008480"/>
-            <a:ext cx="157680" cy="4506480"/>
+            <a:ext cx="157320" cy="4506120"/>
           </a:xfrm>
           <a:prstGeom prst="rect">
             <a:avLst/>
@@ -11767,7 +11624,7 @@
                 <a:spcPts val="859"/>
               </a:lnSpc>
             </a:pPr>
-            <a:fld id="{9F0ABEF4-9B2B-457F-896C-05CFB62ED168}" type="slidenum">
+            <a:fld id="{2D666605-14F9-47EF-AAF0-8CE9C73D20AE}" type="slidenum">
               <a:rPr b="0" lang="en-US" sz="800" spc="-1" strike="noStrike">
                 <a:solidFill>
                   <a:srgbClr val="000000"/>
@@ -11785,14 +11642,14 @@
       </p:sp>
       <p:sp>
         <p:nvSpPr>
-          <p:cNvPr id="245" name="CustomShape 22"/>
+          <p:cNvPr id="244" name="CustomShape 22"/>
           <p:cNvSpPr/>
           <p:nvPr/>
         </p:nvSpPr>
         <p:spPr>
           <a:xfrm>
             <a:off x="820800" y="4379040"/>
-            <a:ext cx="7407000" cy="3290760"/>
+            <a:ext cx="7406640" cy="3290400"/>
           </a:xfrm>
           <a:prstGeom prst="rect">
             <a:avLst/>
@@ -11811,7 +11668,7 @@
         <p:txBody>
           <a:bodyPr lIns="90000" rIns="90000" tIns="45000" bIns="45000"/>
           <a:p>
-            <a:pPr marL="285840" indent="-284040">
+            <a:pPr marL="285840" indent="-283680">
               <a:lnSpc>
                 <a:spcPct val="100000"/>
               </a:lnSpc>
@@ -11852,7 +11709,7 @@
             </a:endParaRPr>
           </a:p>
           <a:p>
-            <a:pPr marL="285840" indent="-284040">
+            <a:pPr marL="285840" indent="-283680">
               <a:lnSpc>
                 <a:spcPct val="100000"/>
               </a:lnSpc>
@@ -11880,7 +11737,7 @@
             </a:endParaRPr>
           </a:p>
           <a:p>
-            <a:pPr lvl="1" marL="743040" indent="-284040">
+            <a:pPr lvl="1" marL="743040" indent="-283680">
               <a:lnSpc>
                 <a:spcPct val="100000"/>
               </a:lnSpc>
@@ -11908,7 +11765,7 @@
             </a:endParaRPr>
           </a:p>
           <a:p>
-            <a:pPr lvl="1" marL="743040" indent="-284040">
+            <a:pPr lvl="1" marL="743040" indent="-283680">
               <a:lnSpc>
                 <a:spcPct val="100000"/>
               </a:lnSpc>
@@ -11936,7 +11793,7 @@
             </a:endParaRPr>
           </a:p>
           <a:p>
-            <a:pPr lvl="1" marL="743040" indent="-284040">
+            <a:pPr lvl="1" marL="743040" indent="-283680">
               <a:lnSpc>
                 <a:spcPct val="100000"/>
               </a:lnSpc>
@@ -11977,7 +11834,7 @@
             </a:endParaRPr>
           </a:p>
           <a:p>
-            <a:pPr marL="285840" indent="-284040">
+            <a:pPr marL="285840" indent="-283680">
               <a:lnSpc>
                 <a:spcPct val="100000"/>
               </a:lnSpc>
@@ -12025,7 +11882,7 @@
             </a:endParaRPr>
           </a:p>
           <a:p>
-            <a:pPr lvl="1" marL="743040" indent="-284040">
+            <a:pPr lvl="1" marL="743040" indent="-283680">
               <a:lnSpc>
                 <a:spcPct val="100000"/>
               </a:lnSpc>
@@ -12076,14 +11933,14 @@
       </p:sp>
       <p:sp>
         <p:nvSpPr>
-          <p:cNvPr id="246" name="CustomShape 23"/>
+          <p:cNvPr id="245" name="CustomShape 23"/>
           <p:cNvSpPr/>
           <p:nvPr/>
         </p:nvSpPr>
         <p:spPr>
           <a:xfrm>
             <a:off x="1426680" y="831240"/>
-            <a:ext cx="6127920" cy="363240"/>
+            <a:ext cx="6127560" cy="362880"/>
           </a:xfrm>
           <a:prstGeom prst="rect">
             <a:avLst/>
@@ -12145,40 +12002,32 @@
       </p:sp>
       <p:sp>
         <p:nvSpPr>
-          <p:cNvPr id="247" name="CustomShape 24"/>
+          <p:cNvPr id="246" name="CustomShape 24"/>
           <p:cNvSpPr/>
           <p:nvPr/>
         </p:nvSpPr>
         <p:spPr>
           <a:xfrm>
             <a:off x="1909800" y="1479960"/>
-            <a:ext cx="1883880" cy="1594440"/>
+            <a:ext cx="1883520" cy="1594080"/>
           </a:xfrm>
           <a:prstGeom prst="cloud">
             <a:avLst/>
           </a:prstGeom>
           <a:solidFill>
-            <a:schemeClr val="accent6">
-              <a:lumMod val="20000"/>
-              <a:lumOff val="80000"/>
-            </a:schemeClr>
+            <a:srgbClr val="fdeada"/>
           </a:solidFill>
-          <a:ln>
+          <a:ln w="25560">
+            <a:solidFill>
+              <a:srgbClr val="3a5f8b"/>
+            </a:solidFill>
             <a:round/>
           </a:ln>
         </p:spPr>
         <p:style>
-          <a:lnRef idx="2">
-            <a:schemeClr val="accent1">
-              <a:shade val="50000"/>
-            </a:schemeClr>
-          </a:lnRef>
-          <a:fillRef idx="1">
-            <a:schemeClr val="accent1"/>
-          </a:fillRef>
-          <a:effectRef idx="0">
-            <a:schemeClr val="accent1"/>
-          </a:effectRef>
+          <a:lnRef idx="0"/>
+          <a:fillRef idx="0"/>
+          <a:effectRef idx="0"/>
           <a:fontRef idx="minor"/>
         </p:style>
         <p:txBody>
@@ -12210,10 +12059,10 @@
   <p:timing>
     <p:tnLst>
       <p:par>
-        <p:cTn id="35" dur="indefinite" restart="never" nodeType="tmRoot">
+        <p:cTn id="17" dur="indefinite" restart="never" nodeType="tmRoot">
           <p:childTnLst>
             <p:seq>
-              <p:cTn id="36" dur="indefinite" nodeType="mainSeq"/>
+              <p:cTn id="18" dur="indefinite" nodeType="mainSeq"/>
               <p:prevCondLst>
                 <p:cond delay="0" evt="onPrev">
                   <p:tgtEl>
@@ -12256,14 +12105,14 @@
       </p:grpSpPr>
       <p:sp>
         <p:nvSpPr>
-          <p:cNvPr id="248" name="CustomShape 1"/>
+          <p:cNvPr id="247" name="CustomShape 1"/>
           <p:cNvSpPr/>
           <p:nvPr/>
         </p:nvSpPr>
         <p:spPr>
           <a:xfrm>
             <a:off x="1100160" y="528480"/>
-            <a:ext cx="7720560" cy="1296360"/>
+            <a:ext cx="7720200" cy="1296000"/>
           </a:xfrm>
           <a:prstGeom prst="rect">
             <a:avLst/>
@@ -12305,14 +12154,14 @@
       </p:sp>
       <p:sp>
         <p:nvSpPr>
-          <p:cNvPr id="249" name="CustomShape 2"/>
+          <p:cNvPr id="248" name="CustomShape 2"/>
           <p:cNvSpPr/>
           <p:nvPr/>
         </p:nvSpPr>
         <p:spPr>
           <a:xfrm>
             <a:off x="1371600" y="1314000"/>
-            <a:ext cx="7318440" cy="4640040"/>
+            <a:ext cx="7318080" cy="4639680"/>
           </a:xfrm>
           <a:prstGeom prst="rect">
             <a:avLst/>
@@ -12336,14 +12185,14 @@
       </p:sp>
       <p:sp>
         <p:nvSpPr>
-          <p:cNvPr id="250" name="CustomShape 3"/>
+          <p:cNvPr id="249" name="CustomShape 3"/>
           <p:cNvSpPr/>
           <p:nvPr/>
         </p:nvSpPr>
         <p:spPr>
           <a:xfrm>
             <a:off x="1722960" y="5278680"/>
-            <a:ext cx="892800" cy="364680"/>
+            <a:ext cx="892440" cy="364320"/>
           </a:xfrm>
           <a:prstGeom prst="rect">
             <a:avLst/>
@@ -12385,63 +12234,14 @@
       </p:sp>
       <p:sp>
         <p:nvSpPr>
-          <p:cNvPr id="251" name="CustomShape 4"/>
+          <p:cNvPr id="250" name="CustomShape 4"/>
           <p:cNvSpPr/>
           <p:nvPr/>
         </p:nvSpPr>
         <p:spPr>
           <a:xfrm>
             <a:off x="7954200" y="2679840"/>
-            <a:ext cx="320040" cy="1899360"/>
-          </a:xfrm>
-          <a:prstGeom prst="rect">
-            <a:avLst/>
-          </a:prstGeom>
-          <a:noFill/>
-          <a:ln>
-            <a:noFill/>
-          </a:ln>
-        </p:spPr>
-        <p:style>
-          <a:lnRef idx="0"/>
-          <a:fillRef idx="0"/>
-          <a:effectRef idx="0"/>
-          <a:fontRef idx="minor"/>
-        </p:style>
-        <p:txBody>
-          <a:bodyPr lIns="0" rIns="0" tIns="0" bIns="0" vert="vert" rot="5400000"/>
-          <a:p>
-            <a:pPr marL="12600">
-              <a:lnSpc>
-                <a:spcPts val="2540"/>
-              </a:lnSpc>
-            </a:pPr>
-            <a:r>
-              <a:rPr b="1" lang="en-US" sz="2400" spc="-1" strike="noStrike">
-                <a:solidFill>
-                  <a:srgbClr val="000000"/>
-                </a:solidFill>
-                <a:latin typeface="Calibri"/>
-                <a:ea typeface="DejaVu Sans"/>
-              </a:rPr>
-              <a:t>Environment</a:t>
-            </a:r>
-            <a:endParaRPr b="0" lang="en-US" sz="2400" spc="-1" strike="noStrike">
-              <a:latin typeface="Arial"/>
-            </a:endParaRPr>
-          </a:p>
-        </p:txBody>
-      </p:sp>
-      <p:sp>
-        <p:nvSpPr>
-          <p:cNvPr id="252" name="CustomShape 5"/>
-          <p:cNvSpPr/>
-          <p:nvPr/>
-        </p:nvSpPr>
-        <p:spPr>
-          <a:xfrm>
-            <a:off x="5384520" y="1672200"/>
-            <a:ext cx="864360" cy="250200"/>
+            <a:ext cx="319680" cy="1899000"/>
           </a:xfrm>
           <a:prstGeom prst="rect">
             <a:avLst/>
@@ -12462,20 +12262,20 @@
           <a:p>
             <a:pPr marL="12600">
               <a:lnSpc>
-                <a:spcPct val="100000"/>
-              </a:lnSpc>
-            </a:pPr>
-            <a:r>
-              <a:rPr b="1" lang="en-US" sz="1650" spc="-1" strike="noStrike">
-                <a:solidFill>
-                  <a:srgbClr val="000000"/>
-                </a:solidFill>
-                <a:latin typeface="Calibri"/>
-                <a:ea typeface="DejaVu Sans"/>
-              </a:rPr>
-              <a:t>Sensors</a:t>
-            </a:r>
-            <a:endParaRPr b="0" lang="en-US" sz="1650" spc="-1" strike="noStrike">
+                <a:spcPts val="2540"/>
+              </a:lnSpc>
+            </a:pPr>
+            <a:r>
+              <a:rPr b="1" lang="en-US" sz="2400" spc="-1" strike="noStrike">
+                <a:solidFill>
+                  <a:srgbClr val="000000"/>
+                </a:solidFill>
+                <a:latin typeface="Calibri"/>
+                <a:ea typeface="DejaVu Sans"/>
+              </a:rPr>
+              <a:t>Environment</a:t>
+            </a:r>
+            <a:endParaRPr b="0" lang="en-US" sz="2400" spc="-1" strike="noStrike">
               <a:latin typeface="Arial"/>
             </a:endParaRPr>
           </a:p>
@@ -12483,14 +12283,14 @@
       </p:sp>
       <p:sp>
         <p:nvSpPr>
-          <p:cNvPr id="253" name="CustomShape 6"/>
+          <p:cNvPr id="251" name="CustomShape 5"/>
           <p:cNvSpPr/>
           <p:nvPr/>
         </p:nvSpPr>
         <p:spPr>
           <a:xfrm>
-            <a:off x="5178960" y="4481640"/>
-            <a:ext cx="1397880" cy="425880"/>
+            <a:off x="5384520" y="1672200"/>
+            <a:ext cx="864000" cy="249840"/>
           </a:xfrm>
           <a:prstGeom prst="rect">
             <a:avLst/>
@@ -12511,18 +12311,18 @@
           <a:p>
             <a:pPr marL="12600">
               <a:lnSpc>
-                <a:spcPts val="1681"/>
-              </a:lnSpc>
-            </a:pPr>
-            <a:r>
-              <a:rPr b="0" lang="en-US" sz="1650" spc="-1" strike="noStrike">
-                <a:solidFill>
-                  <a:srgbClr val="000000"/>
-                </a:solidFill>
-                <a:latin typeface="Calibri"/>
-                <a:ea typeface="DejaVu Sans"/>
-              </a:rPr>
-              <a:t>What action I  should do now</a:t>
+                <a:spcPct val="100000"/>
+              </a:lnSpc>
+            </a:pPr>
+            <a:r>
+              <a:rPr b="1" lang="en-US" sz="1650" spc="-1" strike="noStrike">
+                <a:solidFill>
+                  <a:srgbClr val="000000"/>
+                </a:solidFill>
+                <a:latin typeface="Calibri"/>
+                <a:ea typeface="DejaVu Sans"/>
+              </a:rPr>
+              <a:t>Sensors</a:t>
             </a:r>
             <a:endParaRPr b="0" lang="en-US" sz="1650" spc="-1" strike="noStrike">
               <a:latin typeface="Arial"/>
@@ -12532,14 +12332,63 @@
       </p:sp>
       <p:sp>
         <p:nvSpPr>
-          <p:cNvPr id="254" name="CustomShape 7"/>
+          <p:cNvPr id="252" name="CustomShape 6"/>
           <p:cNvSpPr/>
           <p:nvPr/>
         </p:nvSpPr>
         <p:spPr>
           <a:xfrm>
+            <a:off x="5178960" y="4481640"/>
+            <a:ext cx="1397520" cy="425520"/>
+          </a:xfrm>
+          <a:prstGeom prst="rect">
+            <a:avLst/>
+          </a:prstGeom>
+          <a:noFill/>
+          <a:ln>
+            <a:noFill/>
+          </a:ln>
+        </p:spPr>
+        <p:style>
+          <a:lnRef idx="0"/>
+          <a:fillRef idx="0"/>
+          <a:effectRef idx="0"/>
+          <a:fontRef idx="minor"/>
+        </p:style>
+        <p:txBody>
+          <a:bodyPr lIns="0" rIns="0" tIns="0" bIns="0"/>
+          <a:p>
+            <a:pPr marL="12600">
+              <a:lnSpc>
+                <a:spcPts val="1681"/>
+              </a:lnSpc>
+            </a:pPr>
+            <a:r>
+              <a:rPr b="0" lang="en-US" sz="1650" spc="-1" strike="noStrike">
+                <a:solidFill>
+                  <a:srgbClr val="000000"/>
+                </a:solidFill>
+                <a:latin typeface="Calibri"/>
+                <a:ea typeface="DejaVu Sans"/>
+              </a:rPr>
+              <a:t>What action I  should do now</a:t>
+            </a:r>
+            <a:endParaRPr b="0" lang="en-US" sz="1650" spc="-1" strike="noStrike">
+              <a:latin typeface="Arial"/>
+            </a:endParaRPr>
+          </a:p>
+        </p:txBody>
+      </p:sp>
+      <p:sp>
+        <p:nvSpPr>
+          <p:cNvPr id="253" name="CustomShape 7"/>
+          <p:cNvSpPr/>
+          <p:nvPr/>
+        </p:nvSpPr>
+        <p:spPr>
+          <a:xfrm>
             <a:off x="3570840" y="4700160"/>
-            <a:ext cx="1368000" cy="13320"/>
+            <a:ext cx="1367640" cy="12960"/>
           </a:xfrm>
           <a:custGeom>
             <a:avLst/>
@@ -12574,14 +12423,14 @@
       </p:sp>
       <p:sp>
         <p:nvSpPr>
-          <p:cNvPr id="255" name="CustomShape 8"/>
+          <p:cNvPr id="254" name="CustomShape 8"/>
           <p:cNvSpPr/>
           <p:nvPr/>
         </p:nvSpPr>
         <p:spPr>
           <a:xfrm>
             <a:off x="4803120" y="4663800"/>
-            <a:ext cx="198720" cy="98640"/>
+            <a:ext cx="198360" cy="98280"/>
           </a:xfrm>
           <a:custGeom>
             <a:avLst/>
@@ -12622,14 +12471,14 @@
       </p:sp>
       <p:sp>
         <p:nvSpPr>
-          <p:cNvPr id="256" name="CustomShape 9"/>
+          <p:cNvPr id="255" name="CustomShape 9"/>
           <p:cNvSpPr/>
           <p:nvPr/>
         </p:nvSpPr>
         <p:spPr>
           <a:xfrm>
             <a:off x="4818600" y="4683600"/>
-            <a:ext cx="120600" cy="59040"/>
+            <a:ext cx="120240" cy="58680"/>
           </a:xfrm>
           <a:custGeom>
             <a:avLst/>
@@ -12667,14 +12516,14 @@
       </p:sp>
       <p:sp>
         <p:nvSpPr>
-          <p:cNvPr id="257" name="CustomShape 10"/>
+          <p:cNvPr id="256" name="CustomShape 10"/>
           <p:cNvSpPr/>
           <p:nvPr/>
         </p:nvSpPr>
         <p:spPr>
           <a:xfrm>
             <a:off x="1940040" y="4494600"/>
-            <a:ext cx="2438280" cy="378720"/>
+            <a:ext cx="2437920" cy="378360"/>
           </a:xfrm>
           <a:prstGeom prst="rect">
             <a:avLst/>
@@ -12698,14 +12547,14 @@
       </p:sp>
       <p:sp>
         <p:nvSpPr>
-          <p:cNvPr id="258" name="CustomShape 11"/>
+          <p:cNvPr id="257" name="CustomShape 11"/>
           <p:cNvSpPr/>
           <p:nvPr/>
         </p:nvSpPr>
         <p:spPr>
           <a:xfrm>
             <a:off x="2059200" y="4549320"/>
-            <a:ext cx="2137680" cy="250200"/>
+            <a:ext cx="2137320" cy="249840"/>
           </a:xfrm>
           <a:prstGeom prst="rect">
             <a:avLst/>
@@ -12747,14 +12596,14 @@
       </p:sp>
       <p:sp>
         <p:nvSpPr>
-          <p:cNvPr id="259" name="CustomShape 12"/>
+          <p:cNvPr id="258" name="CustomShape 12"/>
           <p:cNvSpPr/>
           <p:nvPr/>
         </p:nvSpPr>
         <p:spPr>
           <a:xfrm>
             <a:off x="5866920" y="1919520"/>
-            <a:ext cx="360" cy="351360"/>
+            <a:ext cx="360" cy="351000"/>
           </a:xfrm>
           <a:custGeom>
             <a:avLst/>
@@ -12789,14 +12638,14 @@
       </p:sp>
       <p:sp>
         <p:nvSpPr>
-          <p:cNvPr id="260" name="CustomShape 13"/>
+          <p:cNvPr id="259" name="CustomShape 13"/>
           <p:cNvSpPr/>
           <p:nvPr/>
         </p:nvSpPr>
         <p:spPr>
           <a:xfrm>
             <a:off x="5816880" y="2135160"/>
-            <a:ext cx="98640" cy="198360"/>
+            <a:ext cx="98280" cy="198000"/>
           </a:xfrm>
           <a:custGeom>
             <a:avLst/>
@@ -12837,14 +12686,14 @@
       </p:sp>
       <p:sp>
         <p:nvSpPr>
-          <p:cNvPr id="261" name="CustomShape 14"/>
+          <p:cNvPr id="260" name="CustomShape 14"/>
           <p:cNvSpPr/>
           <p:nvPr/>
         </p:nvSpPr>
         <p:spPr>
           <a:xfrm>
             <a:off x="5836320" y="2150280"/>
-            <a:ext cx="59040" cy="120240"/>
+            <a:ext cx="58680" cy="119880"/>
           </a:xfrm>
           <a:custGeom>
             <a:avLst/>
@@ -12882,14 +12731,14 @@
       </p:sp>
       <p:sp>
         <p:nvSpPr>
-          <p:cNvPr id="262" name="CustomShape 15"/>
+          <p:cNvPr id="261" name="CustomShape 15"/>
           <p:cNvSpPr/>
           <p:nvPr/>
         </p:nvSpPr>
         <p:spPr>
           <a:xfrm>
             <a:off x="5866920" y="4939920"/>
-            <a:ext cx="360" cy="394920"/>
+            <a:ext cx="360" cy="394560"/>
           </a:xfrm>
           <a:custGeom>
             <a:avLst/>
@@ -12924,14 +12773,14 @@
       </p:sp>
       <p:sp>
         <p:nvSpPr>
-          <p:cNvPr id="263" name="CustomShape 16"/>
+          <p:cNvPr id="262" name="CustomShape 16"/>
           <p:cNvSpPr/>
           <p:nvPr/>
         </p:nvSpPr>
         <p:spPr>
           <a:xfrm>
             <a:off x="5816880" y="5199480"/>
-            <a:ext cx="98640" cy="198360"/>
+            <a:ext cx="98280" cy="198000"/>
           </a:xfrm>
           <a:custGeom>
             <a:avLst/>
@@ -12972,14 +12821,14 @@
       </p:sp>
       <p:sp>
         <p:nvSpPr>
-          <p:cNvPr id="264" name="CustomShape 17"/>
+          <p:cNvPr id="263" name="CustomShape 17"/>
           <p:cNvSpPr/>
           <p:nvPr/>
         </p:nvSpPr>
         <p:spPr>
           <a:xfrm>
             <a:off x="5836320" y="5214960"/>
-            <a:ext cx="59040" cy="120240"/>
+            <a:ext cx="58680" cy="119880"/>
           </a:xfrm>
           <a:custGeom>
             <a:avLst/>
@@ -13017,14 +12866,14 @@
       </p:sp>
       <p:sp>
         <p:nvSpPr>
-          <p:cNvPr id="265" name="CustomShape 18"/>
+          <p:cNvPr id="264" name="CustomShape 18"/>
           <p:cNvSpPr/>
           <p:nvPr/>
         </p:nvSpPr>
         <p:spPr>
           <a:xfrm>
             <a:off x="5866920" y="2793960"/>
-            <a:ext cx="360" cy="1644840"/>
+            <a:ext cx="360" cy="1644480"/>
           </a:xfrm>
           <a:custGeom>
             <a:avLst/>
@@ -13059,14 +12908,14 @@
       </p:sp>
       <p:sp>
         <p:nvSpPr>
-          <p:cNvPr id="266" name="CustomShape 19"/>
+          <p:cNvPr id="265" name="CustomShape 19"/>
           <p:cNvSpPr/>
           <p:nvPr/>
         </p:nvSpPr>
         <p:spPr>
           <a:xfrm>
             <a:off x="5816880" y="4303080"/>
-            <a:ext cx="98640" cy="198360"/>
+            <a:ext cx="98280" cy="198000"/>
           </a:xfrm>
           <a:custGeom>
             <a:avLst/>
@@ -13107,14 +12956,14 @@
       </p:sp>
       <p:sp>
         <p:nvSpPr>
-          <p:cNvPr id="267" name="CustomShape 20"/>
+          <p:cNvPr id="266" name="CustomShape 20"/>
           <p:cNvSpPr/>
           <p:nvPr/>
         </p:nvSpPr>
         <p:spPr>
           <a:xfrm>
             <a:off x="5836320" y="4318200"/>
-            <a:ext cx="59040" cy="120240"/>
+            <a:ext cx="58680" cy="119880"/>
           </a:xfrm>
           <a:custGeom>
             <a:avLst/>
@@ -13152,14 +13001,14 @@
       </p:sp>
       <p:sp>
         <p:nvSpPr>
-          <p:cNvPr id="268" name="CustomShape 21"/>
+          <p:cNvPr id="267" name="CustomShape 21"/>
           <p:cNvSpPr/>
           <p:nvPr/>
         </p:nvSpPr>
         <p:spPr>
           <a:xfrm>
             <a:off x="5361480" y="5446440"/>
-            <a:ext cx="1018080" cy="250200"/>
+            <a:ext cx="1017720" cy="249840"/>
           </a:xfrm>
           <a:prstGeom prst="rect">
             <a:avLst/>
@@ -13201,14 +13050,14 @@
       </p:sp>
       <p:sp>
         <p:nvSpPr>
-          <p:cNvPr id="269" name="CustomShape 22"/>
+          <p:cNvPr id="268" name="CustomShape 22"/>
           <p:cNvSpPr/>
           <p:nvPr/>
         </p:nvSpPr>
         <p:spPr>
           <a:xfrm>
             <a:off x="4984200" y="2271600"/>
-            <a:ext cx="1797840" cy="502920"/>
+            <a:ext cx="1797480" cy="502560"/>
           </a:xfrm>
           <a:custGeom>
             <a:avLst/>
@@ -13252,14 +13101,14 @@
       </p:sp>
       <p:sp>
         <p:nvSpPr>
-          <p:cNvPr id="270" name="CustomShape 23"/>
+          <p:cNvPr id="269" name="CustomShape 23"/>
           <p:cNvSpPr/>
           <p:nvPr/>
         </p:nvSpPr>
         <p:spPr>
           <a:xfrm>
             <a:off x="4984200" y="2271600"/>
-            <a:ext cx="1797840" cy="502920"/>
+            <a:ext cx="1797480" cy="502560"/>
           </a:xfrm>
           <a:custGeom>
             <a:avLst/>
@@ -13304,14 +13153,14 @@
       </p:sp>
       <p:sp>
         <p:nvSpPr>
-          <p:cNvPr id="271" name="CustomShape 24"/>
+          <p:cNvPr id="270" name="CustomShape 24"/>
           <p:cNvSpPr/>
           <p:nvPr/>
         </p:nvSpPr>
         <p:spPr>
           <a:xfrm>
             <a:off x="5148360" y="2320560"/>
-            <a:ext cx="1444680" cy="425880"/>
+            <a:ext cx="1444320" cy="425520"/>
           </a:xfrm>
           <a:prstGeom prst="rect">
             <a:avLst/>
@@ -13353,14 +13202,14 @@
       </p:sp>
       <p:sp>
         <p:nvSpPr>
-          <p:cNvPr id="272" name="CustomShape 25"/>
+          <p:cNvPr id="271" name="CustomShape 25"/>
           <p:cNvSpPr/>
           <p:nvPr/>
         </p:nvSpPr>
         <p:spPr>
           <a:xfrm>
             <a:off x="8781120" y="7008480"/>
-            <a:ext cx="157680" cy="4506480"/>
+            <a:ext cx="157320" cy="4506120"/>
           </a:xfrm>
           <a:prstGeom prst="rect">
             <a:avLst/>
@@ -13384,7 +13233,7 @@
                 <a:spcPts val="859"/>
               </a:lnSpc>
             </a:pPr>
-            <a:fld id="{D843E836-0016-4408-9E53-5063F3D9284D}" type="slidenum">
+            <a:fld id="{59DE64BD-5BF5-4886-85C0-9FFBB77A8EEF}" type="slidenum">
               <a:rPr b="0" lang="en-US" sz="800" spc="-1" strike="noStrike">
                 <a:solidFill>
                   <a:srgbClr val="000000"/>
@@ -13402,14 +13251,14 @@
       </p:sp>
       <p:sp>
         <p:nvSpPr>
-          <p:cNvPr id="273" name="CustomShape 26"/>
+          <p:cNvPr id="272" name="CustomShape 26"/>
           <p:cNvSpPr/>
           <p:nvPr/>
         </p:nvSpPr>
         <p:spPr>
           <a:xfrm>
             <a:off x="2903760" y="1916280"/>
-            <a:ext cx="521280" cy="250200"/>
+            <a:ext cx="520920" cy="249840"/>
           </a:xfrm>
           <a:prstGeom prst="rect">
             <a:avLst/>
@@ -13451,14 +13300,14 @@
       </p:sp>
       <p:sp>
         <p:nvSpPr>
-          <p:cNvPr id="274" name="CustomShape 27"/>
+          <p:cNvPr id="273" name="CustomShape 27"/>
           <p:cNvSpPr/>
           <p:nvPr/>
         </p:nvSpPr>
         <p:spPr>
           <a:xfrm>
             <a:off x="1959480" y="2341440"/>
-            <a:ext cx="2411280" cy="363960"/>
+            <a:ext cx="2410920" cy="363600"/>
           </a:xfrm>
           <a:custGeom>
             <a:avLst/>
@@ -14464,14 +14313,14 @@
       </p:sp>
       <p:sp>
         <p:nvSpPr>
-          <p:cNvPr id="275" name="CustomShape 28"/>
+          <p:cNvPr id="274" name="CustomShape 28"/>
           <p:cNvSpPr/>
           <p:nvPr/>
         </p:nvSpPr>
         <p:spPr>
           <a:xfrm>
             <a:off x="1940040" y="2333520"/>
-            <a:ext cx="3019320" cy="949320"/>
+            <a:ext cx="3018960" cy="948960"/>
           </a:xfrm>
           <a:prstGeom prst="rect">
             <a:avLst/>
@@ -14495,14 +14344,14 @@
       </p:sp>
       <p:sp>
         <p:nvSpPr>
-          <p:cNvPr id="276" name="CustomShape 29"/>
+          <p:cNvPr id="275" name="CustomShape 29"/>
           <p:cNvSpPr/>
           <p:nvPr/>
         </p:nvSpPr>
         <p:spPr>
           <a:xfrm>
             <a:off x="2066760" y="2388240"/>
-            <a:ext cx="2155320" cy="250200"/>
+            <a:ext cx="2154960" cy="249840"/>
           </a:xfrm>
           <a:prstGeom prst="rect">
             <a:avLst/>
@@ -14544,14 +14393,14 @@
       </p:sp>
       <p:sp>
         <p:nvSpPr>
-          <p:cNvPr id="277" name="CustomShape 30"/>
+          <p:cNvPr id="276" name="CustomShape 30"/>
           <p:cNvSpPr/>
           <p:nvPr/>
         </p:nvSpPr>
         <p:spPr>
           <a:xfrm>
             <a:off x="2061720" y="3064320"/>
-            <a:ext cx="2194920" cy="378720"/>
+            <a:ext cx="2194560" cy="378360"/>
           </a:xfrm>
           <a:prstGeom prst="rect">
             <a:avLst/>
@@ -14575,14 +14424,14 @@
       </p:sp>
       <p:sp>
         <p:nvSpPr>
-          <p:cNvPr id="278" name="CustomShape 31"/>
+          <p:cNvPr id="277" name="CustomShape 31"/>
           <p:cNvSpPr/>
           <p:nvPr/>
         </p:nvSpPr>
         <p:spPr>
           <a:xfrm>
             <a:off x="2180880" y="3118680"/>
-            <a:ext cx="1895040" cy="250200"/>
+            <a:ext cx="1894680" cy="249840"/>
           </a:xfrm>
           <a:prstGeom prst="rect">
             <a:avLst/>
@@ -14624,14 +14473,14 @@
       </p:sp>
       <p:sp>
         <p:nvSpPr>
-          <p:cNvPr id="279" name="CustomShape 32"/>
+          <p:cNvPr id="278" name="CustomShape 32"/>
           <p:cNvSpPr/>
           <p:nvPr/>
         </p:nvSpPr>
         <p:spPr>
           <a:xfrm>
             <a:off x="3160080" y="1460520"/>
-            <a:ext cx="2188800" cy="825480"/>
+            <a:ext cx="2188440" cy="825120"/>
           </a:xfrm>
           <a:custGeom>
             <a:avLst/>
@@ -14900,14 +14749,14 @@
       </p:sp>
       <p:sp>
         <p:nvSpPr>
-          <p:cNvPr id="280" name="CustomShape 33"/>
+          <p:cNvPr id="279" name="CustomShape 33"/>
           <p:cNvSpPr/>
           <p:nvPr/>
         </p:nvSpPr>
         <p:spPr>
           <a:xfrm>
             <a:off x="3136680" y="1630080"/>
-            <a:ext cx="96480" cy="204120"/>
+            <a:ext cx="96120" cy="203760"/>
           </a:xfrm>
           <a:custGeom>
             <a:avLst/>
@@ -14948,14 +14797,14 @@
       </p:sp>
       <p:sp>
         <p:nvSpPr>
-          <p:cNvPr id="281" name="CustomShape 34"/>
+          <p:cNvPr id="280" name="CustomShape 34"/>
           <p:cNvSpPr/>
           <p:nvPr/>
         </p:nvSpPr>
         <p:spPr>
           <a:xfrm>
             <a:off x="3152880" y="1648440"/>
-            <a:ext cx="58680" cy="123840"/>
+            <a:ext cx="58320" cy="123480"/>
           </a:xfrm>
           <a:custGeom>
             <a:avLst/>
@@ -14996,14 +14845,14 @@
       </p:sp>
       <p:sp>
         <p:nvSpPr>
-          <p:cNvPr id="282" name="CustomShape 35"/>
+          <p:cNvPr id="281" name="CustomShape 35"/>
           <p:cNvSpPr/>
           <p:nvPr/>
         </p:nvSpPr>
         <p:spPr>
           <a:xfrm>
             <a:off x="1711080" y="1650600"/>
-            <a:ext cx="2923200" cy="1998720"/>
+            <a:ext cx="2922840" cy="1998360"/>
           </a:xfrm>
           <a:prstGeom prst="roundRect">
             <a:avLst>
@@ -15011,39 +14860,34 @@
             </a:avLst>
           </a:prstGeom>
           <a:solidFill>
-            <a:schemeClr val="accent6">
+            <a:srgbClr val="f79646">
               <a:alpha val="10000"/>
-            </a:schemeClr>
+            </a:srgbClr>
           </a:solidFill>
-          <a:ln>
+          <a:ln w="25560">
+            <a:solidFill>
+              <a:srgbClr val="3a5f8b"/>
+            </a:solidFill>
             <a:round/>
           </a:ln>
         </p:spPr>
         <p:style>
-          <a:lnRef idx="2">
-            <a:schemeClr val="accent1">
-              <a:shade val="50000"/>
-            </a:schemeClr>
-          </a:lnRef>
-          <a:fillRef idx="1">
-            <a:schemeClr val="accent1"/>
-          </a:fillRef>
-          <a:effectRef idx="0">
-            <a:schemeClr val="accent1"/>
-          </a:effectRef>
+          <a:lnRef idx="0"/>
+          <a:fillRef idx="0"/>
+          <a:effectRef idx="0"/>
           <a:fontRef idx="minor"/>
         </p:style>
       </p:sp>
       <p:sp>
         <p:nvSpPr>
-          <p:cNvPr id="283" name="CustomShape 36"/>
+          <p:cNvPr id="282" name="CustomShape 36"/>
           <p:cNvSpPr/>
           <p:nvPr/>
         </p:nvSpPr>
         <p:spPr>
           <a:xfrm>
             <a:off x="1142640" y="6172200"/>
-            <a:ext cx="7492680" cy="1406880"/>
+            <a:ext cx="7492320" cy="1406520"/>
           </a:xfrm>
           <a:prstGeom prst="rect">
             <a:avLst/>
@@ -15062,7 +14906,7 @@
         <p:txBody>
           <a:bodyPr wrap="none" lIns="90000" rIns="90000" tIns="45000" bIns="45000"/>
           <a:p>
-            <a:pPr marL="343080" indent="-341280">
+            <a:pPr marL="343080" indent="-340920">
               <a:lnSpc>
                 <a:spcPct val="100000"/>
               </a:lnSpc>
@@ -15090,7 +14934,7 @@
             </a:endParaRPr>
           </a:p>
           <a:p>
-            <a:pPr lvl="1" marL="743040" indent="-284040">
+            <a:pPr lvl="1" marL="743040" indent="-283680">
               <a:lnSpc>
                 <a:spcPct val="100000"/>
               </a:lnSpc>
@@ -15128,7 +14972,7 @@
             </a:endParaRPr>
           </a:p>
           <a:p>
-            <a:pPr lvl="1" marL="743040" indent="-284040">
+            <a:pPr lvl="1" marL="743040" indent="-283680">
               <a:lnSpc>
                 <a:spcPct val="100000"/>
               </a:lnSpc>
@@ -15156,7 +15000,7 @@
             </a:endParaRPr>
           </a:p>
           <a:p>
-            <a:pPr lvl="1" marL="743040" indent="-284040">
+            <a:pPr lvl="1" marL="743040" indent="-283680">
               <a:lnSpc>
                 <a:spcPct val="100000"/>
               </a:lnSpc>
@@ -15211,10 +15055,10 @@
   <p:timing>
     <p:tnLst>
       <p:par>
-        <p:cTn id="37" dur="indefinite" restart="never" nodeType="tmRoot">
+        <p:cTn id="19" dur="indefinite" restart="never" nodeType="tmRoot">
           <p:childTnLst>
             <p:seq>
-              <p:cTn id="38" dur="indefinite" nodeType="mainSeq"/>
+              <p:cTn id="20" dur="indefinite" nodeType="mainSeq"/>
               <p:prevCondLst>
                 <p:cond delay="0" evt="onPrev">
                   <p:tgtEl>
@@ -15264,7 +15108,7 @@
         <p:spPr>
           <a:xfrm>
             <a:off x="8781120" y="7008480"/>
-            <a:ext cx="184680" cy="4506480"/>
+            <a:ext cx="184320" cy="4506120"/>
           </a:xfrm>
           <a:prstGeom prst="rect">
             <a:avLst/>
@@ -15288,7 +15132,7 @@
                 <a:spcPts val="859"/>
               </a:lnSpc>
             </a:pPr>
-            <a:fld id="{51496763-0E22-48A9-8DE4-78883A011643}" type="slidenum">
+            <a:fld id="{C7C9099D-1525-4D30-B5DA-1F079E7E1ABB}" type="slidenum">
               <a:rPr b="0" lang="en-US" sz="800" spc="-1" strike="noStrike">
                 <a:solidFill>
                   <a:srgbClr val="000000"/>
@@ -15313,7 +15157,7 @@
         <p:spPr>
           <a:xfrm>
             <a:off x="1168920" y="798840"/>
-            <a:ext cx="9032760" cy="1296360"/>
+            <a:ext cx="9032400" cy="1296000"/>
           </a:xfrm>
           <a:prstGeom prst="rect">
             <a:avLst/>
@@ -15362,7 +15206,7 @@
         <p:spPr>
           <a:xfrm>
             <a:off x="1130400" y="1394640"/>
-            <a:ext cx="8164440" cy="2351520"/>
+            <a:ext cx="8164080" cy="2351160"/>
           </a:xfrm>
           <a:prstGeom prst="rect">
             <a:avLst/>
@@ -15596,33 +15440,6 @@
       </p:sp>
     </p:spTree>
   </p:cSld>
-  <p:timing>
-    <p:tnLst>
-      <p:par>
-        <p:cTn id="3" dur="indefinite" restart="never" nodeType="tmRoot">
-          <p:childTnLst>
-            <p:seq>
-              <p:cTn id="4" dur="indefinite" nodeType="mainSeq"/>
-              <p:prevCondLst>
-                <p:cond delay="0" evt="onPrev">
-                  <p:tgtEl>
-                    <p:sldTgt/>
-                  </p:tgtEl>
-                </p:cond>
-              </p:prevCondLst>
-              <p:nextCondLst>
-                <p:cond delay="0" evt="onNext">
-                  <p:tgtEl>
-                    <p:sldTgt/>
-                  </p:tgtEl>
-                </p:cond>
-              </p:nextCondLst>
-            </p:seq>
-          </p:childTnLst>
-        </p:cTn>
-      </p:par>
-    </p:tnLst>
-  </p:timing>
 </p:sld>
 </file>
 
@@ -15645,14 +15462,14 @@
       </p:grpSpPr>
       <p:sp>
         <p:nvSpPr>
-          <p:cNvPr id="284" name="CustomShape 1"/>
+          <p:cNvPr id="283" name="CustomShape 1"/>
           <p:cNvSpPr/>
           <p:nvPr/>
         </p:nvSpPr>
         <p:spPr>
           <a:xfrm>
             <a:off x="1138680" y="473040"/>
-            <a:ext cx="7720560" cy="1296360"/>
+            <a:ext cx="7720200" cy="1296000"/>
           </a:xfrm>
           <a:prstGeom prst="rect">
             <a:avLst/>
@@ -15694,14 +15511,14 @@
       </p:sp>
       <p:sp>
         <p:nvSpPr>
-          <p:cNvPr id="285" name="CustomShape 2"/>
+          <p:cNvPr id="284" name="CustomShape 2"/>
           <p:cNvSpPr/>
           <p:nvPr/>
         </p:nvSpPr>
         <p:spPr>
           <a:xfrm>
             <a:off x="1339920" y="914400"/>
-            <a:ext cx="7318440" cy="4640040"/>
+            <a:ext cx="7318080" cy="4639680"/>
           </a:xfrm>
           <a:prstGeom prst="rect">
             <a:avLst/>
@@ -15725,63 +15542,14 @@
       </p:sp>
       <p:sp>
         <p:nvSpPr>
-          <p:cNvPr id="286" name="CustomShape 3"/>
+          <p:cNvPr id="285" name="CustomShape 3"/>
           <p:cNvSpPr/>
           <p:nvPr/>
         </p:nvSpPr>
         <p:spPr>
           <a:xfrm>
             <a:off x="7922160" y="2280240"/>
-            <a:ext cx="320040" cy="1899360"/>
-          </a:xfrm>
-          <a:prstGeom prst="rect">
-            <a:avLst/>
-          </a:prstGeom>
-          <a:noFill/>
-          <a:ln>
-            <a:noFill/>
-          </a:ln>
-        </p:spPr>
-        <p:style>
-          <a:lnRef idx="0"/>
-          <a:fillRef idx="0"/>
-          <a:effectRef idx="0"/>
-          <a:fontRef idx="minor"/>
-        </p:style>
-        <p:txBody>
-          <a:bodyPr lIns="0" rIns="0" tIns="0" bIns="0" vert="vert" rot="5400000"/>
-          <a:p>
-            <a:pPr marL="12600">
-              <a:lnSpc>
-                <a:spcPts val="2540"/>
-              </a:lnSpc>
-            </a:pPr>
-            <a:r>
-              <a:rPr b="1" lang="en-US" sz="2400" spc="-1" strike="noStrike">
-                <a:solidFill>
-                  <a:srgbClr val="000000"/>
-                </a:solidFill>
-                <a:latin typeface="Calibri"/>
-                <a:ea typeface="DejaVu Sans"/>
-              </a:rPr>
-              <a:t>Environment</a:t>
-            </a:r>
-            <a:endParaRPr b="0" lang="en-US" sz="2400" spc="-1" strike="noStrike">
-              <a:latin typeface="Arial"/>
-            </a:endParaRPr>
-          </a:p>
-        </p:txBody>
-      </p:sp>
-      <p:sp>
-        <p:nvSpPr>
-          <p:cNvPr id="287" name="CustomShape 4"/>
-          <p:cNvSpPr/>
-          <p:nvPr/>
-        </p:nvSpPr>
-        <p:spPr>
-          <a:xfrm>
-            <a:off x="5352480" y="1272600"/>
-            <a:ext cx="864360" cy="250200"/>
+            <a:ext cx="319680" cy="1899000"/>
           </a:xfrm>
           <a:prstGeom prst="rect">
             <a:avLst/>
@@ -15802,20 +15570,20 @@
           <a:p>
             <a:pPr marL="12600">
               <a:lnSpc>
-                <a:spcPct val="100000"/>
-              </a:lnSpc>
-            </a:pPr>
-            <a:r>
-              <a:rPr b="1" lang="en-US" sz="1650" spc="-1" strike="noStrike">
-                <a:solidFill>
-                  <a:srgbClr val="000000"/>
-                </a:solidFill>
-                <a:latin typeface="Calibri"/>
-                <a:ea typeface="DejaVu Sans"/>
-              </a:rPr>
-              <a:t>Sensors</a:t>
-            </a:r>
-            <a:endParaRPr b="0" lang="en-US" sz="1650" spc="-1" strike="noStrike">
+                <a:spcPts val="2540"/>
+              </a:lnSpc>
+            </a:pPr>
+            <a:r>
+              <a:rPr b="1" lang="en-US" sz="2400" spc="-1" strike="noStrike">
+                <a:solidFill>
+                  <a:srgbClr val="000000"/>
+                </a:solidFill>
+                <a:latin typeface="Calibri"/>
+                <a:ea typeface="DejaVu Sans"/>
+              </a:rPr>
+              <a:t>Environment</a:t>
+            </a:r>
+            <a:endParaRPr b="0" lang="en-US" sz="2400" spc="-1" strike="noStrike">
               <a:latin typeface="Arial"/>
             </a:endParaRPr>
           </a:p>
@@ -15823,14 +15591,63 @@
       </p:sp>
       <p:sp>
         <p:nvSpPr>
-          <p:cNvPr id="288" name="CustomShape 5"/>
+          <p:cNvPr id="286" name="CustomShape 4"/>
           <p:cNvSpPr/>
           <p:nvPr/>
         </p:nvSpPr>
         <p:spPr>
           <a:xfrm>
+            <a:off x="5352480" y="1272600"/>
+            <a:ext cx="864000" cy="249840"/>
+          </a:xfrm>
+          <a:prstGeom prst="rect">
+            <a:avLst/>
+          </a:prstGeom>
+          <a:noFill/>
+          <a:ln>
+            <a:noFill/>
+          </a:ln>
+        </p:spPr>
+        <p:style>
+          <a:lnRef idx="0"/>
+          <a:fillRef idx="0"/>
+          <a:effectRef idx="0"/>
+          <a:fontRef idx="minor"/>
+        </p:style>
+        <p:txBody>
+          <a:bodyPr lIns="0" rIns="0" tIns="0" bIns="0"/>
+          <a:p>
+            <a:pPr marL="12600">
+              <a:lnSpc>
+                <a:spcPct val="100000"/>
+              </a:lnSpc>
+            </a:pPr>
+            <a:r>
+              <a:rPr b="1" lang="en-US" sz="1650" spc="-1" strike="noStrike">
+                <a:solidFill>
+                  <a:srgbClr val="000000"/>
+                </a:solidFill>
+                <a:latin typeface="Calibri"/>
+                <a:ea typeface="DejaVu Sans"/>
+              </a:rPr>
+              <a:t>Sensors</a:t>
+            </a:r>
+            <a:endParaRPr b="0" lang="en-US" sz="1650" spc="-1" strike="noStrike">
+              <a:latin typeface="Arial"/>
+            </a:endParaRPr>
+          </a:p>
+        </p:txBody>
+      </p:sp>
+      <p:sp>
+        <p:nvSpPr>
+          <p:cNvPr id="287" name="CustomShape 5"/>
+          <p:cNvSpPr/>
+          <p:nvPr/>
+        </p:nvSpPr>
+        <p:spPr>
+          <a:xfrm>
             <a:off x="4825440" y="2602440"/>
-            <a:ext cx="2052360" cy="502920"/>
+            <a:ext cx="2052000" cy="502560"/>
           </a:xfrm>
           <a:custGeom>
             <a:avLst/>
@@ -15874,14 +15691,14 @@
       </p:sp>
       <p:sp>
         <p:nvSpPr>
-          <p:cNvPr id="289" name="CustomShape 6"/>
+          <p:cNvPr id="288" name="CustomShape 6"/>
           <p:cNvSpPr/>
           <p:nvPr/>
         </p:nvSpPr>
         <p:spPr>
           <a:xfrm>
             <a:off x="4825440" y="2602440"/>
-            <a:ext cx="2052360" cy="502920"/>
+            <a:ext cx="2052000" cy="502560"/>
           </a:xfrm>
           <a:custGeom>
             <a:avLst/>
@@ -15926,14 +15743,14 @@
       </p:sp>
       <p:sp>
         <p:nvSpPr>
-          <p:cNvPr id="290" name="CustomShape 7"/>
+          <p:cNvPr id="289" name="CustomShape 7"/>
           <p:cNvSpPr/>
           <p:nvPr/>
         </p:nvSpPr>
         <p:spPr>
           <a:xfrm>
             <a:off x="4987080" y="2651400"/>
-            <a:ext cx="1717200" cy="425880"/>
+            <a:ext cx="1716840" cy="425520"/>
           </a:xfrm>
           <a:prstGeom prst="rect">
             <a:avLst/>
@@ -15952,7 +15769,7 @@
         <p:txBody>
           <a:bodyPr lIns="0" rIns="0" tIns="0" bIns="0"/>
           <a:p>
-            <a:pPr marL="130680" indent="-117000">
+            <a:pPr marL="130680" indent="-116640">
               <a:lnSpc>
                 <a:spcPts val="1681"/>
               </a:lnSpc>
@@ -15975,14 +15792,14 @@
       </p:sp>
       <p:sp>
         <p:nvSpPr>
-          <p:cNvPr id="291" name="CustomShape 8"/>
+          <p:cNvPr id="290" name="CustomShape 8"/>
           <p:cNvSpPr/>
           <p:nvPr/>
         </p:nvSpPr>
         <p:spPr>
           <a:xfrm>
             <a:off x="5016240" y="4040280"/>
-            <a:ext cx="1670760" cy="488520"/>
+            <a:ext cx="1670400" cy="488160"/>
           </a:xfrm>
           <a:custGeom>
             <a:avLst/>
@@ -16026,14 +15843,14 @@
       </p:sp>
       <p:sp>
         <p:nvSpPr>
-          <p:cNvPr id="292" name="CustomShape 9"/>
+          <p:cNvPr id="291" name="CustomShape 9"/>
           <p:cNvSpPr/>
           <p:nvPr/>
         </p:nvSpPr>
         <p:spPr>
           <a:xfrm>
             <a:off x="5016240" y="4040280"/>
-            <a:ext cx="1670760" cy="488520"/>
+            <a:ext cx="1670400" cy="488160"/>
           </a:xfrm>
           <a:custGeom>
             <a:avLst/>
@@ -16078,14 +15895,14 @@
       </p:sp>
       <p:sp>
         <p:nvSpPr>
-          <p:cNvPr id="293" name="CustomShape 10"/>
+          <p:cNvPr id="292" name="CustomShape 10"/>
           <p:cNvSpPr/>
           <p:nvPr/>
         </p:nvSpPr>
         <p:spPr>
           <a:xfrm>
             <a:off x="5146920" y="4082040"/>
-            <a:ext cx="1397880" cy="425880"/>
+            <a:ext cx="1397520" cy="425520"/>
           </a:xfrm>
           <a:prstGeom prst="rect">
             <a:avLst/>
@@ -16127,14 +15944,14 @@
       </p:sp>
       <p:sp>
         <p:nvSpPr>
-          <p:cNvPr id="294" name="CustomShape 11"/>
+          <p:cNvPr id="293" name="CustomShape 11"/>
           <p:cNvSpPr/>
           <p:nvPr/>
         </p:nvSpPr>
         <p:spPr>
           <a:xfrm>
             <a:off x="2638440" y="1462320"/>
-            <a:ext cx="2299680" cy="456480"/>
+            <a:ext cx="2299320" cy="456120"/>
           </a:xfrm>
           <a:prstGeom prst="rect">
             <a:avLst/>
@@ -16158,14 +15975,14 @@
       </p:sp>
       <p:sp>
         <p:nvSpPr>
-          <p:cNvPr id="295" name="CustomShape 12"/>
+          <p:cNvPr id="294" name="CustomShape 12"/>
           <p:cNvSpPr/>
           <p:nvPr/>
         </p:nvSpPr>
         <p:spPr>
           <a:xfrm>
             <a:off x="4147560" y="2139480"/>
-            <a:ext cx="729000" cy="360"/>
+            <a:ext cx="728640" cy="360"/>
           </a:xfrm>
           <a:custGeom>
             <a:avLst/>
@@ -16200,14 +16017,14 @@
       </p:sp>
       <p:sp>
         <p:nvSpPr>
-          <p:cNvPr id="296" name="CustomShape 13"/>
+          <p:cNvPr id="295" name="CustomShape 13"/>
           <p:cNvSpPr/>
           <p:nvPr/>
         </p:nvSpPr>
         <p:spPr>
           <a:xfrm>
             <a:off x="4741200" y="2089440"/>
-            <a:ext cx="198360" cy="98640"/>
+            <a:ext cx="198000" cy="98280"/>
           </a:xfrm>
           <a:custGeom>
             <a:avLst/>
@@ -16248,14 +16065,14 @@
       </p:sp>
       <p:sp>
         <p:nvSpPr>
-          <p:cNvPr id="297" name="CustomShape 14"/>
+          <p:cNvPr id="296" name="CustomShape 14"/>
           <p:cNvSpPr/>
           <p:nvPr/>
         </p:nvSpPr>
         <p:spPr>
           <a:xfrm>
             <a:off x="4756320" y="2109240"/>
-            <a:ext cx="120240" cy="59040"/>
+            <a:ext cx="119880" cy="58680"/>
           </a:xfrm>
           <a:custGeom>
             <a:avLst/>
@@ -16293,14 +16110,14 @@
       </p:sp>
       <p:sp>
         <p:nvSpPr>
-          <p:cNvPr id="298" name="CustomShape 15"/>
+          <p:cNvPr id="297" name="CustomShape 15"/>
           <p:cNvSpPr/>
           <p:nvPr/>
         </p:nvSpPr>
         <p:spPr>
           <a:xfrm>
             <a:off x="4147560" y="2139480"/>
-            <a:ext cx="607320" cy="607320"/>
+            <a:ext cx="606960" cy="606960"/>
           </a:xfrm>
           <a:custGeom>
             <a:avLst/>
@@ -16335,14 +16152,14 @@
       </p:sp>
       <p:sp>
         <p:nvSpPr>
-          <p:cNvPr id="299" name="CustomShape 16"/>
+          <p:cNvPr id="298" name="CustomShape 16"/>
           <p:cNvSpPr/>
           <p:nvPr/>
         </p:nvSpPr>
         <p:spPr>
           <a:xfrm>
             <a:off x="4624200" y="2616120"/>
-            <a:ext cx="174600" cy="174600"/>
+            <a:ext cx="174240" cy="174240"/>
           </a:xfrm>
           <a:custGeom>
             <a:avLst/>
@@ -16383,14 +16200,14 @@
       </p:sp>
       <p:sp>
         <p:nvSpPr>
-          <p:cNvPr id="300" name="CustomShape 17"/>
+          <p:cNvPr id="299" name="CustomShape 17"/>
           <p:cNvSpPr/>
           <p:nvPr/>
         </p:nvSpPr>
         <p:spPr>
           <a:xfrm>
             <a:off x="4648680" y="2640600"/>
-            <a:ext cx="106200" cy="106200"/>
+            <a:ext cx="105840" cy="105840"/>
           </a:xfrm>
           <a:custGeom>
             <a:avLst/>
@@ -16428,14 +16245,14 @@
       </p:sp>
       <p:sp>
         <p:nvSpPr>
-          <p:cNvPr id="301" name="CustomShape 18"/>
+          <p:cNvPr id="300" name="CustomShape 18"/>
           <p:cNvSpPr/>
           <p:nvPr/>
         </p:nvSpPr>
         <p:spPr>
           <a:xfrm>
             <a:off x="1927440" y="1941840"/>
-            <a:ext cx="2411280" cy="363960"/>
+            <a:ext cx="2410920" cy="363600"/>
           </a:xfrm>
           <a:custGeom>
             <a:avLst/>
@@ -17441,14 +17258,14 @@
       </p:sp>
       <p:sp>
         <p:nvSpPr>
-          <p:cNvPr id="302" name="CustomShape 19"/>
+          <p:cNvPr id="301" name="CustomShape 19"/>
           <p:cNvSpPr/>
           <p:nvPr/>
         </p:nvSpPr>
         <p:spPr>
           <a:xfrm>
             <a:off x="1908000" y="1933920"/>
-            <a:ext cx="3019320" cy="984240"/>
+            <a:ext cx="3018960" cy="983880"/>
           </a:xfrm>
           <a:prstGeom prst="rect">
             <a:avLst/>
@@ -17472,14 +17289,14 @@
       </p:sp>
       <p:sp>
         <p:nvSpPr>
-          <p:cNvPr id="303" name="CustomShape 20"/>
+          <p:cNvPr id="302" name="CustomShape 20"/>
           <p:cNvSpPr/>
           <p:nvPr/>
         </p:nvSpPr>
         <p:spPr>
           <a:xfrm>
             <a:off x="2029680" y="2664720"/>
-            <a:ext cx="2194920" cy="378720"/>
+            <a:ext cx="2194560" cy="378360"/>
           </a:xfrm>
           <a:prstGeom prst="rect">
             <a:avLst/>
@@ -17503,14 +17320,14 @@
       </p:sp>
       <p:sp>
         <p:nvSpPr>
-          <p:cNvPr id="304" name="CustomShape 21"/>
+          <p:cNvPr id="303" name="CustomShape 21"/>
           <p:cNvSpPr/>
           <p:nvPr/>
         </p:nvSpPr>
         <p:spPr>
           <a:xfrm>
             <a:off x="2034720" y="1516680"/>
-            <a:ext cx="2155320" cy="1482480"/>
+            <a:ext cx="2154960" cy="1482120"/>
           </a:xfrm>
           <a:prstGeom prst="rect">
             <a:avLst/>
@@ -17631,14 +17448,14 @@
       </p:sp>
       <p:sp>
         <p:nvSpPr>
-          <p:cNvPr id="305" name="CustomShape 22"/>
+          <p:cNvPr id="304" name="CustomShape 22"/>
           <p:cNvSpPr/>
           <p:nvPr/>
         </p:nvSpPr>
         <p:spPr>
           <a:xfrm>
             <a:off x="5834880" y="1519920"/>
-            <a:ext cx="360" cy="351360"/>
+            <a:ext cx="360" cy="351000"/>
           </a:xfrm>
           <a:custGeom>
             <a:avLst/>
@@ -17673,14 +17490,14 @@
       </p:sp>
       <p:sp>
         <p:nvSpPr>
-          <p:cNvPr id="306" name="CustomShape 23"/>
+          <p:cNvPr id="305" name="CustomShape 23"/>
           <p:cNvSpPr/>
           <p:nvPr/>
         </p:nvSpPr>
         <p:spPr>
           <a:xfrm>
             <a:off x="5784840" y="1735560"/>
-            <a:ext cx="98640" cy="198360"/>
+            <a:ext cx="98280" cy="198000"/>
           </a:xfrm>
           <a:custGeom>
             <a:avLst/>
@@ -17721,14 +17538,14 @@
       </p:sp>
       <p:sp>
         <p:nvSpPr>
-          <p:cNvPr id="307" name="CustomShape 24"/>
+          <p:cNvPr id="306" name="CustomShape 24"/>
           <p:cNvSpPr/>
           <p:nvPr/>
         </p:nvSpPr>
         <p:spPr>
           <a:xfrm>
             <a:off x="5804280" y="1750680"/>
-            <a:ext cx="59040" cy="120240"/>
+            <a:ext cx="58680" cy="119880"/>
           </a:xfrm>
           <a:custGeom>
             <a:avLst/>
@@ -17766,14 +17583,14 @@
       </p:sp>
       <p:sp>
         <p:nvSpPr>
-          <p:cNvPr id="308" name="CustomShape 25"/>
+          <p:cNvPr id="307" name="CustomShape 25"/>
           <p:cNvSpPr/>
           <p:nvPr/>
         </p:nvSpPr>
         <p:spPr>
           <a:xfrm>
             <a:off x="5834880" y="4539960"/>
-            <a:ext cx="360" cy="394920"/>
+            <a:ext cx="360" cy="394560"/>
           </a:xfrm>
           <a:custGeom>
             <a:avLst/>
@@ -17808,14 +17625,14 @@
       </p:sp>
       <p:sp>
         <p:nvSpPr>
-          <p:cNvPr id="309" name="CustomShape 26"/>
+          <p:cNvPr id="308" name="CustomShape 26"/>
           <p:cNvSpPr/>
           <p:nvPr/>
         </p:nvSpPr>
         <p:spPr>
           <a:xfrm>
             <a:off x="5784840" y="4799880"/>
-            <a:ext cx="98640" cy="198360"/>
+            <a:ext cx="98280" cy="198000"/>
           </a:xfrm>
           <a:custGeom>
             <a:avLst/>
@@ -17856,14 +17673,14 @@
       </p:sp>
       <p:sp>
         <p:nvSpPr>
-          <p:cNvPr id="310" name="CustomShape 27"/>
+          <p:cNvPr id="309" name="CustomShape 27"/>
           <p:cNvSpPr/>
           <p:nvPr/>
         </p:nvSpPr>
         <p:spPr>
           <a:xfrm>
             <a:off x="5804280" y="4815360"/>
-            <a:ext cx="59040" cy="120240"/>
+            <a:ext cx="58680" cy="119880"/>
           </a:xfrm>
           <a:custGeom>
             <a:avLst/>
@@ -17901,14 +17718,14 @@
       </p:sp>
       <p:sp>
         <p:nvSpPr>
-          <p:cNvPr id="311" name="CustomShape 28"/>
+          <p:cNvPr id="310" name="CustomShape 28"/>
           <p:cNvSpPr/>
           <p:nvPr/>
         </p:nvSpPr>
         <p:spPr>
           <a:xfrm>
             <a:off x="5834880" y="3114360"/>
-            <a:ext cx="360" cy="924840"/>
+            <a:ext cx="360" cy="924480"/>
           </a:xfrm>
           <a:custGeom>
             <a:avLst/>
@@ -17943,14 +17760,14 @@
       </p:sp>
       <p:sp>
         <p:nvSpPr>
-          <p:cNvPr id="312" name="CustomShape 29"/>
+          <p:cNvPr id="311" name="CustomShape 29"/>
           <p:cNvSpPr/>
           <p:nvPr/>
         </p:nvSpPr>
         <p:spPr>
           <a:xfrm>
             <a:off x="5784840" y="3903480"/>
-            <a:ext cx="98640" cy="198360"/>
+            <a:ext cx="98280" cy="198000"/>
           </a:xfrm>
           <a:custGeom>
             <a:avLst/>
@@ -17991,14 +17808,14 @@
       </p:sp>
       <p:sp>
         <p:nvSpPr>
-          <p:cNvPr id="313" name="CustomShape 30"/>
+          <p:cNvPr id="312" name="CustomShape 30"/>
           <p:cNvSpPr/>
           <p:nvPr/>
         </p:nvSpPr>
         <p:spPr>
           <a:xfrm>
             <a:off x="5804280" y="3918600"/>
-            <a:ext cx="59040" cy="120240"/>
+            <a:ext cx="58680" cy="119880"/>
           </a:xfrm>
           <a:custGeom>
             <a:avLst/>
@@ -18036,14 +17853,14 @@
       </p:sp>
       <p:sp>
         <p:nvSpPr>
-          <p:cNvPr id="314" name="CustomShape 31"/>
+          <p:cNvPr id="313" name="CustomShape 31"/>
           <p:cNvSpPr/>
           <p:nvPr/>
         </p:nvSpPr>
         <p:spPr>
           <a:xfrm>
             <a:off x="5834880" y="2379600"/>
-            <a:ext cx="360" cy="226080"/>
+            <a:ext cx="360" cy="225720"/>
           </a:xfrm>
           <a:custGeom>
             <a:avLst/>
@@ -18078,14 +17895,14 @@
       </p:sp>
       <p:sp>
         <p:nvSpPr>
-          <p:cNvPr id="315" name="CustomShape 32"/>
+          <p:cNvPr id="314" name="CustomShape 32"/>
           <p:cNvSpPr/>
           <p:nvPr/>
         </p:nvSpPr>
         <p:spPr>
           <a:xfrm>
             <a:off x="5784840" y="2470320"/>
-            <a:ext cx="98640" cy="198360"/>
+            <a:ext cx="98280" cy="198000"/>
           </a:xfrm>
           <a:custGeom>
             <a:avLst/>
@@ -18126,14 +17943,14 @@
       </p:sp>
       <p:sp>
         <p:nvSpPr>
-          <p:cNvPr id="316" name="CustomShape 33"/>
+          <p:cNvPr id="315" name="CustomShape 33"/>
           <p:cNvSpPr/>
           <p:nvPr/>
         </p:nvSpPr>
         <p:spPr>
           <a:xfrm>
             <a:off x="5804280" y="2485800"/>
-            <a:ext cx="59040" cy="120240"/>
+            <a:ext cx="58680" cy="119880"/>
           </a:xfrm>
           <a:custGeom>
             <a:avLst/>
@@ -18171,14 +17988,14 @@
       </p:sp>
       <p:sp>
         <p:nvSpPr>
-          <p:cNvPr id="317" name="CustomShape 34"/>
+          <p:cNvPr id="316" name="CustomShape 34"/>
           <p:cNvSpPr/>
           <p:nvPr/>
         </p:nvSpPr>
         <p:spPr>
           <a:xfrm>
             <a:off x="2669040" y="4095000"/>
-            <a:ext cx="2367000" cy="378720"/>
+            <a:ext cx="2366640" cy="378360"/>
           </a:xfrm>
           <a:prstGeom prst="rect">
             <a:avLst/>
@@ -18202,14 +18019,14 @@
       </p:sp>
       <p:sp>
         <p:nvSpPr>
-          <p:cNvPr id="318" name="CustomShape 35"/>
+          <p:cNvPr id="317" name="CustomShape 35"/>
           <p:cNvSpPr/>
           <p:nvPr/>
         </p:nvSpPr>
         <p:spPr>
           <a:xfrm>
             <a:off x="1690920" y="4149720"/>
-            <a:ext cx="1753200" cy="1114560"/>
+            <a:ext cx="1752840" cy="1114200"/>
           </a:xfrm>
           <a:prstGeom prst="rect">
             <a:avLst/>
@@ -18294,14 +18111,14 @@
       </p:sp>
       <p:sp>
         <p:nvSpPr>
-          <p:cNvPr id="319" name="CustomShape 36"/>
+          <p:cNvPr id="318" name="CustomShape 36"/>
           <p:cNvSpPr/>
           <p:nvPr/>
         </p:nvSpPr>
         <p:spPr>
           <a:xfrm>
             <a:off x="5329440" y="5046840"/>
-            <a:ext cx="1018080" cy="250200"/>
+            <a:ext cx="1017720" cy="249840"/>
           </a:xfrm>
           <a:prstGeom prst="rect">
             <a:avLst/>
@@ -18343,14 +18160,14 @@
       </p:sp>
       <p:sp>
         <p:nvSpPr>
-          <p:cNvPr id="320" name="CustomShape 37"/>
+          <p:cNvPr id="319" name="CustomShape 37"/>
           <p:cNvSpPr/>
           <p:nvPr/>
         </p:nvSpPr>
         <p:spPr>
           <a:xfrm>
             <a:off x="3128040" y="1060920"/>
-            <a:ext cx="2188800" cy="825480"/>
+            <a:ext cx="2188440" cy="825120"/>
           </a:xfrm>
           <a:custGeom>
             <a:avLst/>
@@ -18619,14 +18436,14 @@
       </p:sp>
       <p:sp>
         <p:nvSpPr>
-          <p:cNvPr id="321" name="CustomShape 38"/>
+          <p:cNvPr id="320" name="CustomShape 38"/>
           <p:cNvSpPr/>
           <p:nvPr/>
         </p:nvSpPr>
         <p:spPr>
           <a:xfrm>
             <a:off x="3104640" y="1230120"/>
-            <a:ext cx="96480" cy="204120"/>
+            <a:ext cx="96120" cy="203760"/>
           </a:xfrm>
           <a:custGeom>
             <a:avLst/>
@@ -18667,14 +18484,14 @@
       </p:sp>
       <p:sp>
         <p:nvSpPr>
-          <p:cNvPr id="322" name="CustomShape 39"/>
+          <p:cNvPr id="321" name="CustomShape 39"/>
           <p:cNvSpPr/>
           <p:nvPr/>
         </p:nvSpPr>
         <p:spPr>
           <a:xfrm>
             <a:off x="3121200" y="1248840"/>
-            <a:ext cx="58680" cy="123840"/>
+            <a:ext cx="58320" cy="123480"/>
           </a:xfrm>
           <a:custGeom>
             <a:avLst/>
@@ -18715,14 +18532,14 @@
       </p:sp>
       <p:sp>
         <p:nvSpPr>
-          <p:cNvPr id="323" name="CustomShape 40"/>
+          <p:cNvPr id="322" name="CustomShape 40"/>
           <p:cNvSpPr/>
           <p:nvPr/>
         </p:nvSpPr>
         <p:spPr>
           <a:xfrm>
             <a:off x="4952520" y="1872000"/>
-            <a:ext cx="1797840" cy="502920"/>
+            <a:ext cx="1797480" cy="502560"/>
           </a:xfrm>
           <a:custGeom>
             <a:avLst/>
@@ -18766,14 +18583,14 @@
       </p:sp>
       <p:sp>
         <p:nvSpPr>
-          <p:cNvPr id="324" name="CustomShape 41"/>
+          <p:cNvPr id="323" name="CustomShape 41"/>
           <p:cNvSpPr/>
           <p:nvPr/>
         </p:nvSpPr>
         <p:spPr>
           <a:xfrm>
             <a:off x="4952520" y="1872000"/>
-            <a:ext cx="1797840" cy="502920"/>
+            <a:ext cx="1797480" cy="502560"/>
           </a:xfrm>
           <a:custGeom>
             <a:avLst/>
@@ -18818,14 +18635,14 @@
       </p:sp>
       <p:sp>
         <p:nvSpPr>
-          <p:cNvPr id="325" name="CustomShape 42"/>
+          <p:cNvPr id="324" name="CustomShape 42"/>
           <p:cNvSpPr/>
           <p:nvPr/>
         </p:nvSpPr>
         <p:spPr>
           <a:xfrm>
             <a:off x="5116680" y="1920960"/>
-            <a:ext cx="1444680" cy="425880"/>
+            <a:ext cx="1444320" cy="425520"/>
           </a:xfrm>
           <a:prstGeom prst="rect">
             <a:avLst/>
@@ -18867,14 +18684,14 @@
       </p:sp>
       <p:sp>
         <p:nvSpPr>
-          <p:cNvPr id="326" name="CustomShape 43"/>
+          <p:cNvPr id="325" name="CustomShape 43"/>
           <p:cNvSpPr/>
           <p:nvPr/>
         </p:nvSpPr>
         <p:spPr>
           <a:xfrm>
             <a:off x="8781120" y="7008480"/>
-            <a:ext cx="157680" cy="4506480"/>
+            <a:ext cx="157320" cy="4506120"/>
           </a:xfrm>
           <a:prstGeom prst="rect">
             <a:avLst/>
@@ -18898,7 +18715,7 @@
                 <a:spcPts val="859"/>
               </a:lnSpc>
             </a:pPr>
-            <a:fld id="{ACBBE35B-0665-4C58-A2FC-200D7FE08381}" type="slidenum">
+            <a:fld id="{BDF58A58-D557-408F-9A27-5C5DEE99D06D}" type="slidenum">
               <a:rPr b="0" lang="en-US" sz="800" spc="-1" strike="noStrike">
                 <a:solidFill>
                   <a:srgbClr val="000000"/>
@@ -18916,14 +18733,14 @@
       </p:sp>
       <p:sp>
         <p:nvSpPr>
-          <p:cNvPr id="327" name="CustomShape 44"/>
+          <p:cNvPr id="326" name="CustomShape 44"/>
           <p:cNvSpPr/>
           <p:nvPr/>
         </p:nvSpPr>
         <p:spPr>
           <a:xfrm>
             <a:off x="4562280" y="2464560"/>
-            <a:ext cx="2443680" cy="876240"/>
+            <a:ext cx="2443320" cy="875880"/>
           </a:xfrm>
           <a:prstGeom prst="roundRect">
             <a:avLst>
@@ -18931,39 +18748,34 @@
             </a:avLst>
           </a:prstGeom>
           <a:solidFill>
-            <a:schemeClr val="accent6">
+            <a:srgbClr val="f79646">
               <a:alpha val="10000"/>
-            </a:schemeClr>
+            </a:srgbClr>
           </a:solidFill>
-          <a:ln>
+          <a:ln w="25560">
+            <a:solidFill>
+              <a:srgbClr val="3a5f8b"/>
+            </a:solidFill>
             <a:round/>
           </a:ln>
         </p:spPr>
         <p:style>
-          <a:lnRef idx="2">
-            <a:schemeClr val="accent1">
-              <a:shade val="50000"/>
-            </a:schemeClr>
-          </a:lnRef>
-          <a:fillRef idx="1">
-            <a:schemeClr val="accent1"/>
-          </a:fillRef>
-          <a:effectRef idx="0">
-            <a:schemeClr val="accent1"/>
-          </a:effectRef>
+          <a:lnRef idx="0"/>
+          <a:fillRef idx="0"/>
+          <a:effectRef idx="0"/>
           <a:fontRef idx="minor"/>
         </p:style>
       </p:sp>
       <p:sp>
         <p:nvSpPr>
-          <p:cNvPr id="328" name="CustomShape 45"/>
+          <p:cNvPr id="327" name="CustomShape 45"/>
           <p:cNvSpPr/>
           <p:nvPr/>
         </p:nvSpPr>
         <p:spPr>
           <a:xfrm>
             <a:off x="588600" y="5702760"/>
-            <a:ext cx="7846920" cy="1744560"/>
+            <a:ext cx="7846560" cy="1744200"/>
           </a:xfrm>
           <a:prstGeom prst="rect">
             <a:avLst/>
@@ -19015,7 +18827,7 @@
             </a:endParaRPr>
           </a:p>
           <a:p>
-            <a:pPr lvl="1" marL="800280" indent="-341280">
+            <a:pPr lvl="1" marL="800280" indent="-340920">
               <a:lnSpc>
                 <a:spcPct val="100000"/>
               </a:lnSpc>
@@ -19025,7 +18837,7 @@
               <a:buClr>
                 <a:srgbClr val="000000"/>
               </a:buClr>
-              <a:buFont typeface="Calibri"/>
+              <a:buFont typeface="StarSymbol"/>
               <a:buAutoNum type="arabicPeriod"/>
             </a:pPr>
             <a:r>
@@ -19043,7 +18855,7 @@
             </a:endParaRPr>
           </a:p>
           <a:p>
-            <a:pPr lvl="1" marL="800280" indent="-341280">
+            <a:pPr lvl="1" marL="800280" indent="-340920">
               <a:lnSpc>
                 <a:spcPct val="100000"/>
               </a:lnSpc>
@@ -19053,7 +18865,7 @@
               <a:buClr>
                 <a:srgbClr val="000000"/>
               </a:buClr>
-              <a:buFont typeface="Calibri"/>
+              <a:buFont typeface="StarSymbol"/>
               <a:buAutoNum type="arabicPeriod"/>
             </a:pPr>
             <a:r>
@@ -19071,7 +18883,7 @@
             </a:endParaRPr>
           </a:p>
           <a:p>
-            <a:pPr lvl="1" marL="800280" indent="-341280">
+            <a:pPr lvl="1" marL="800280" indent="-340920">
               <a:lnSpc>
                 <a:spcPct val="100000"/>
               </a:lnSpc>
@@ -19081,7 +18893,7 @@
               <a:buClr>
                 <a:srgbClr val="000000"/>
               </a:buClr>
-              <a:buFont typeface="Calibri"/>
+              <a:buFont typeface="StarSymbol"/>
               <a:buAutoNum type="arabicPeriod"/>
             </a:pPr>
             <a:r>
@@ -19129,7 +18941,7 @@
             </a:endParaRPr>
           </a:p>
           <a:p>
-            <a:pPr lvl="1" marL="800280" indent="-341280">
+            <a:pPr lvl="1" marL="800280" indent="-340920">
               <a:lnSpc>
                 <a:spcPct val="100000"/>
               </a:lnSpc>
@@ -19139,7 +18951,7 @@
               <a:buClr>
                 <a:srgbClr val="000000"/>
               </a:buClr>
-              <a:buFont typeface="Calibri"/>
+              <a:buFont typeface="StarSymbol"/>
               <a:buAutoNum type="arabicPeriod"/>
             </a:pPr>
             <a:r>
@@ -19173,10 +18985,10 @@
   <p:timing>
     <p:tnLst>
       <p:par>
-        <p:cTn id="39" dur="indefinite" restart="never" nodeType="tmRoot">
+        <p:cTn id="21" dur="indefinite" restart="never" nodeType="tmRoot">
           <p:childTnLst>
             <p:seq>
-              <p:cTn id="40" dur="indefinite" nodeType="mainSeq"/>
+              <p:cTn id="22" dur="indefinite" nodeType="mainSeq"/>
               <p:prevCondLst>
                 <p:cond delay="0" evt="onPrev">
                   <p:tgtEl>
@@ -19219,14 +19031,14 @@
       </p:grpSpPr>
       <p:sp>
         <p:nvSpPr>
-          <p:cNvPr id="329" name="CustomShape 1"/>
+          <p:cNvPr id="328" name="CustomShape 1"/>
           <p:cNvSpPr/>
           <p:nvPr/>
         </p:nvSpPr>
         <p:spPr>
           <a:xfrm>
             <a:off x="1097280" y="297720"/>
-            <a:ext cx="7720560" cy="1296360"/>
+            <a:ext cx="7720200" cy="1296000"/>
           </a:xfrm>
           <a:prstGeom prst="rect">
             <a:avLst/>
@@ -19268,14 +19080,14 @@
       </p:sp>
       <p:sp>
         <p:nvSpPr>
-          <p:cNvPr id="330" name="CustomShape 2"/>
+          <p:cNvPr id="329" name="CustomShape 2"/>
           <p:cNvSpPr/>
           <p:nvPr/>
         </p:nvSpPr>
         <p:spPr>
           <a:xfrm>
             <a:off x="1298160" y="679320"/>
-            <a:ext cx="7318440" cy="4640040"/>
+            <a:ext cx="7318080" cy="4639680"/>
           </a:xfrm>
           <a:prstGeom prst="rect">
             <a:avLst/>
@@ -19299,14 +19111,14 @@
       </p:sp>
       <p:sp>
         <p:nvSpPr>
-          <p:cNvPr id="331" name="CustomShape 3"/>
+          <p:cNvPr id="330" name="CustomShape 3"/>
           <p:cNvSpPr/>
           <p:nvPr/>
         </p:nvSpPr>
         <p:spPr>
           <a:xfrm>
             <a:off x="1642320" y="4726800"/>
-            <a:ext cx="892800" cy="364680"/>
+            <a:ext cx="892440" cy="364320"/>
           </a:xfrm>
           <a:prstGeom prst="rect">
             <a:avLst/>
@@ -19348,63 +19160,14 @@
       </p:sp>
       <p:sp>
         <p:nvSpPr>
-          <p:cNvPr id="332" name="CustomShape 4"/>
+          <p:cNvPr id="331" name="CustomShape 4"/>
           <p:cNvSpPr/>
           <p:nvPr/>
         </p:nvSpPr>
         <p:spPr>
           <a:xfrm>
             <a:off x="7873200" y="2127960"/>
-            <a:ext cx="320040" cy="1899360"/>
-          </a:xfrm>
-          <a:prstGeom prst="rect">
-            <a:avLst/>
-          </a:prstGeom>
-          <a:noFill/>
-          <a:ln>
-            <a:noFill/>
-          </a:ln>
-        </p:spPr>
-        <p:style>
-          <a:lnRef idx="0"/>
-          <a:fillRef idx="0"/>
-          <a:effectRef idx="0"/>
-          <a:fontRef idx="minor"/>
-        </p:style>
-        <p:txBody>
-          <a:bodyPr lIns="0" rIns="0" tIns="0" bIns="0" vert="vert" rot="5400000"/>
-          <a:p>
-            <a:pPr marL="12600">
-              <a:lnSpc>
-                <a:spcPts val="2540"/>
-              </a:lnSpc>
-            </a:pPr>
-            <a:r>
-              <a:rPr b="1" lang="en-US" sz="2400" spc="-1" strike="noStrike">
-                <a:solidFill>
-                  <a:srgbClr val="000000"/>
-                </a:solidFill>
-                <a:latin typeface="Calibri"/>
-                <a:ea typeface="DejaVu Sans"/>
-              </a:rPr>
-              <a:t>Environment</a:t>
-            </a:r>
-            <a:endParaRPr b="0" lang="en-US" sz="2400" spc="-1" strike="noStrike">
-              <a:latin typeface="Arial"/>
-            </a:endParaRPr>
-          </a:p>
-        </p:txBody>
-      </p:sp>
-      <p:sp>
-        <p:nvSpPr>
-          <p:cNvPr id="333" name="CustomShape 5"/>
-          <p:cNvSpPr/>
-          <p:nvPr/>
-        </p:nvSpPr>
-        <p:spPr>
-          <a:xfrm>
-            <a:off x="5303520" y="1120320"/>
-            <a:ext cx="864360" cy="250200"/>
+            <a:ext cx="319680" cy="1899000"/>
           </a:xfrm>
           <a:prstGeom prst="rect">
             <a:avLst/>
@@ -19425,20 +19188,20 @@
           <a:p>
             <a:pPr marL="12600">
               <a:lnSpc>
-                <a:spcPct val="100000"/>
-              </a:lnSpc>
-            </a:pPr>
-            <a:r>
-              <a:rPr b="1" lang="en-US" sz="1650" spc="-1" strike="noStrike">
-                <a:solidFill>
-                  <a:srgbClr val="000000"/>
-                </a:solidFill>
-                <a:latin typeface="Calibri"/>
-                <a:ea typeface="DejaVu Sans"/>
-              </a:rPr>
-              <a:t>Sensors</a:t>
-            </a:r>
-            <a:endParaRPr b="0" lang="en-US" sz="1650" spc="-1" strike="noStrike">
+                <a:spcPts val="2540"/>
+              </a:lnSpc>
+            </a:pPr>
+            <a:r>
+              <a:rPr b="1" lang="en-US" sz="2400" spc="-1" strike="noStrike">
+                <a:solidFill>
+                  <a:srgbClr val="000000"/>
+                </a:solidFill>
+                <a:latin typeface="Calibri"/>
+                <a:ea typeface="DejaVu Sans"/>
+              </a:rPr>
+              <a:t>Environment</a:t>
+            </a:r>
+            <a:endParaRPr b="0" lang="en-US" sz="2400" spc="-1" strike="noStrike">
               <a:latin typeface="Arial"/>
             </a:endParaRPr>
           </a:p>
@@ -19446,14 +19209,63 @@
       </p:sp>
       <p:sp>
         <p:nvSpPr>
-          <p:cNvPr id="334" name="CustomShape 6"/>
+          <p:cNvPr id="332" name="CustomShape 5"/>
           <p:cNvSpPr/>
           <p:nvPr/>
         </p:nvSpPr>
         <p:spPr>
           <a:xfrm>
+            <a:off x="5303520" y="1120320"/>
+            <a:ext cx="864000" cy="249840"/>
+          </a:xfrm>
+          <a:prstGeom prst="rect">
+            <a:avLst/>
+          </a:prstGeom>
+          <a:noFill/>
+          <a:ln>
+            <a:noFill/>
+          </a:ln>
+        </p:spPr>
+        <p:style>
+          <a:lnRef idx="0"/>
+          <a:fillRef idx="0"/>
+          <a:effectRef idx="0"/>
+          <a:fontRef idx="minor"/>
+        </p:style>
+        <p:txBody>
+          <a:bodyPr lIns="0" rIns="0" tIns="0" bIns="0"/>
+          <a:p>
+            <a:pPr marL="12600">
+              <a:lnSpc>
+                <a:spcPct val="100000"/>
+              </a:lnSpc>
+            </a:pPr>
+            <a:r>
+              <a:rPr b="1" lang="en-US" sz="1650" spc="-1" strike="noStrike">
+                <a:solidFill>
+                  <a:srgbClr val="000000"/>
+                </a:solidFill>
+                <a:latin typeface="Calibri"/>
+                <a:ea typeface="DejaVu Sans"/>
+              </a:rPr>
+              <a:t>Sensors</a:t>
+            </a:r>
+            <a:endParaRPr b="0" lang="en-US" sz="1650" spc="-1" strike="noStrike">
+              <a:latin typeface="Arial"/>
+            </a:endParaRPr>
+          </a:p>
+        </p:txBody>
+      </p:sp>
+      <p:sp>
+        <p:nvSpPr>
+          <p:cNvPr id="333" name="CustomShape 6"/>
+          <p:cNvSpPr/>
+          <p:nvPr/>
+        </p:nvSpPr>
+        <p:spPr>
+          <a:xfrm>
             <a:off x="4776480" y="2450160"/>
-            <a:ext cx="2052360" cy="502920"/>
+            <a:ext cx="2052000" cy="502560"/>
           </a:xfrm>
           <a:custGeom>
             <a:avLst/>
@@ -19497,14 +19309,14 @@
       </p:sp>
       <p:sp>
         <p:nvSpPr>
-          <p:cNvPr id="335" name="CustomShape 7"/>
+          <p:cNvPr id="334" name="CustomShape 7"/>
           <p:cNvSpPr/>
           <p:nvPr/>
         </p:nvSpPr>
         <p:spPr>
           <a:xfrm>
             <a:off x="4776480" y="2450160"/>
-            <a:ext cx="2052360" cy="502920"/>
+            <a:ext cx="2052000" cy="502560"/>
           </a:xfrm>
           <a:custGeom>
             <a:avLst/>
@@ -19549,14 +19361,14 @@
       </p:sp>
       <p:sp>
         <p:nvSpPr>
-          <p:cNvPr id="336" name="CustomShape 8"/>
+          <p:cNvPr id="335" name="CustomShape 8"/>
           <p:cNvSpPr/>
           <p:nvPr/>
         </p:nvSpPr>
         <p:spPr>
           <a:xfrm>
             <a:off x="4714560" y="3187800"/>
-            <a:ext cx="2175480" cy="488520"/>
+            <a:ext cx="2175120" cy="488160"/>
           </a:xfrm>
           <a:custGeom>
             <a:avLst/>
@@ -19600,14 +19412,14 @@
       </p:sp>
       <p:sp>
         <p:nvSpPr>
-          <p:cNvPr id="337" name="CustomShape 9"/>
+          <p:cNvPr id="336" name="CustomShape 9"/>
           <p:cNvSpPr/>
           <p:nvPr/>
         </p:nvSpPr>
         <p:spPr>
           <a:xfrm>
             <a:off x="4714560" y="3187800"/>
-            <a:ext cx="2175480" cy="488520"/>
+            <a:ext cx="2175120" cy="488160"/>
           </a:xfrm>
           <a:custGeom>
             <a:avLst/>
@@ -19652,14 +19464,14 @@
       </p:sp>
       <p:sp>
         <p:nvSpPr>
-          <p:cNvPr id="338" name="CustomShape 10"/>
+          <p:cNvPr id="337" name="CustomShape 10"/>
           <p:cNvSpPr/>
           <p:nvPr/>
         </p:nvSpPr>
         <p:spPr>
           <a:xfrm>
             <a:off x="4877280" y="2499120"/>
-            <a:ext cx="1859400" cy="1169280"/>
+            <a:ext cx="1859040" cy="1168920"/>
           </a:xfrm>
           <a:prstGeom prst="rect">
             <a:avLst/>
@@ -19678,7 +19490,7 @@
         <p:txBody>
           <a:bodyPr lIns="0" rIns="0" tIns="0" bIns="0"/>
           <a:p>
-            <a:pPr marL="12240" indent="-19080" algn="ctr">
+            <a:pPr marL="12240" indent="-18720" algn="ctr">
               <a:lnSpc>
                 <a:spcPts val="1681"/>
               </a:lnSpc>
@@ -19698,7 +19510,7 @@
             </a:endParaRPr>
           </a:p>
           <a:p>
-            <a:pPr marL="12240" indent="-19080">
+            <a:pPr marL="12240" indent="-18720">
               <a:lnSpc>
                 <a:spcPct val="100000"/>
               </a:lnSpc>
@@ -19711,7 +19523,7 @@
             </a:endParaRPr>
           </a:p>
           <a:p>
-            <a:pPr marL="12240" indent="-19080" algn="ctr">
+            <a:pPr marL="12240" indent="-18720" algn="ctr">
               <a:lnSpc>
                 <a:spcPts val="1681"/>
               </a:lnSpc>
@@ -19734,14 +19546,14 @@
       </p:sp>
       <p:sp>
         <p:nvSpPr>
-          <p:cNvPr id="339" name="CustomShape 11"/>
+          <p:cNvPr id="338" name="CustomShape 11"/>
           <p:cNvSpPr/>
           <p:nvPr/>
         </p:nvSpPr>
         <p:spPr>
           <a:xfrm>
             <a:off x="4967280" y="3888000"/>
-            <a:ext cx="1670760" cy="488520"/>
+            <a:ext cx="1670400" cy="488160"/>
           </a:xfrm>
           <a:custGeom>
             <a:avLst/>
@@ -19785,14 +19597,14 @@
       </p:sp>
       <p:sp>
         <p:nvSpPr>
-          <p:cNvPr id="340" name="CustomShape 12"/>
+          <p:cNvPr id="339" name="CustomShape 12"/>
           <p:cNvSpPr/>
           <p:nvPr/>
         </p:nvSpPr>
         <p:spPr>
           <a:xfrm>
             <a:off x="4967280" y="3888000"/>
-            <a:ext cx="1670760" cy="488520"/>
+            <a:ext cx="1670400" cy="488160"/>
           </a:xfrm>
           <a:custGeom>
             <a:avLst/>
@@ -19837,14 +19649,14 @@
       </p:sp>
       <p:sp>
         <p:nvSpPr>
-          <p:cNvPr id="341" name="CustomShape 13"/>
+          <p:cNvPr id="340" name="CustomShape 13"/>
           <p:cNvSpPr/>
           <p:nvPr/>
         </p:nvSpPr>
         <p:spPr>
           <a:xfrm>
             <a:off x="5097960" y="3929400"/>
-            <a:ext cx="1397880" cy="425880"/>
+            <a:ext cx="1397520" cy="425520"/>
           </a:xfrm>
           <a:prstGeom prst="rect">
             <a:avLst/>
@@ -19886,14 +19698,14 @@
       </p:sp>
       <p:sp>
         <p:nvSpPr>
-          <p:cNvPr id="342" name="CustomShape 14"/>
+          <p:cNvPr id="341" name="CustomShape 14"/>
           <p:cNvSpPr/>
           <p:nvPr/>
         </p:nvSpPr>
         <p:spPr>
           <a:xfrm>
             <a:off x="2589480" y="1310040"/>
-            <a:ext cx="2299680" cy="456480"/>
+            <a:ext cx="2299320" cy="456120"/>
           </a:xfrm>
           <a:prstGeom prst="rect">
             <a:avLst/>
@@ -19917,14 +19729,14 @@
       </p:sp>
       <p:sp>
         <p:nvSpPr>
-          <p:cNvPr id="343" name="CustomShape 15"/>
+          <p:cNvPr id="342" name="CustomShape 15"/>
           <p:cNvSpPr/>
           <p:nvPr/>
         </p:nvSpPr>
         <p:spPr>
           <a:xfrm>
             <a:off x="4098960" y="1987200"/>
-            <a:ext cx="729000" cy="360"/>
+            <a:ext cx="728640" cy="360"/>
           </a:xfrm>
           <a:custGeom>
             <a:avLst/>
@@ -19959,14 +19771,14 @@
       </p:sp>
       <p:sp>
         <p:nvSpPr>
-          <p:cNvPr id="344" name="CustomShape 16"/>
+          <p:cNvPr id="343" name="CustomShape 16"/>
           <p:cNvSpPr/>
           <p:nvPr/>
         </p:nvSpPr>
         <p:spPr>
           <a:xfrm>
             <a:off x="4692240" y="1937160"/>
-            <a:ext cx="198360" cy="98640"/>
+            <a:ext cx="198000" cy="98280"/>
           </a:xfrm>
           <a:custGeom>
             <a:avLst/>
@@ -20007,14 +19819,14 @@
       </p:sp>
       <p:sp>
         <p:nvSpPr>
-          <p:cNvPr id="345" name="CustomShape 17"/>
+          <p:cNvPr id="344" name="CustomShape 17"/>
           <p:cNvSpPr/>
           <p:nvPr/>
         </p:nvSpPr>
         <p:spPr>
           <a:xfrm>
             <a:off x="4707360" y="1956600"/>
-            <a:ext cx="120240" cy="59040"/>
+            <a:ext cx="119880" cy="58680"/>
           </a:xfrm>
           <a:custGeom>
             <a:avLst/>
@@ -20052,14 +19864,14 @@
       </p:sp>
       <p:sp>
         <p:nvSpPr>
-          <p:cNvPr id="346" name="CustomShape 18"/>
+          <p:cNvPr id="345" name="CustomShape 18"/>
           <p:cNvSpPr/>
           <p:nvPr/>
         </p:nvSpPr>
         <p:spPr>
           <a:xfrm>
             <a:off x="4098960" y="1987200"/>
-            <a:ext cx="607320" cy="607320"/>
+            <a:ext cx="606960" cy="606960"/>
           </a:xfrm>
           <a:custGeom>
             <a:avLst/>
@@ -20094,14 +19906,14 @@
       </p:sp>
       <p:sp>
         <p:nvSpPr>
-          <p:cNvPr id="347" name="CustomShape 19"/>
+          <p:cNvPr id="346" name="CustomShape 19"/>
           <p:cNvSpPr/>
           <p:nvPr/>
         </p:nvSpPr>
         <p:spPr>
           <a:xfrm>
             <a:off x="4575240" y="2463840"/>
-            <a:ext cx="174600" cy="174600"/>
+            <a:ext cx="174240" cy="174240"/>
           </a:xfrm>
           <a:custGeom>
             <a:avLst/>
@@ -20142,14 +19954,14 @@
       </p:sp>
       <p:sp>
         <p:nvSpPr>
-          <p:cNvPr id="348" name="CustomShape 20"/>
+          <p:cNvPr id="347" name="CustomShape 20"/>
           <p:cNvSpPr/>
           <p:nvPr/>
         </p:nvSpPr>
         <p:spPr>
           <a:xfrm>
             <a:off x="4600080" y="2488320"/>
-            <a:ext cx="106200" cy="106200"/>
+            <a:ext cx="105840" cy="105840"/>
           </a:xfrm>
           <a:custGeom>
             <a:avLst/>
@@ -20187,14 +19999,14 @@
       </p:sp>
       <p:sp>
         <p:nvSpPr>
-          <p:cNvPr id="349" name="CustomShape 21"/>
+          <p:cNvPr id="348" name="CustomShape 21"/>
           <p:cNvSpPr/>
           <p:nvPr/>
         </p:nvSpPr>
         <p:spPr>
           <a:xfrm>
             <a:off x="1878480" y="1789200"/>
-            <a:ext cx="2411280" cy="363960"/>
+            <a:ext cx="2410920" cy="363600"/>
           </a:xfrm>
           <a:custGeom>
             <a:avLst/>
@@ -21200,14 +21012,14 @@
       </p:sp>
       <p:sp>
         <p:nvSpPr>
-          <p:cNvPr id="350" name="CustomShape 22"/>
+          <p:cNvPr id="349" name="CustomShape 22"/>
           <p:cNvSpPr/>
           <p:nvPr/>
         </p:nvSpPr>
         <p:spPr>
           <a:xfrm>
             <a:off x="1859040" y="1781640"/>
-            <a:ext cx="3019320" cy="984240"/>
+            <a:ext cx="3018960" cy="983880"/>
           </a:xfrm>
           <a:prstGeom prst="rect">
             <a:avLst/>
@@ -21231,14 +21043,14 @@
       </p:sp>
       <p:sp>
         <p:nvSpPr>
-          <p:cNvPr id="351" name="CustomShape 23"/>
+          <p:cNvPr id="350" name="CustomShape 23"/>
           <p:cNvSpPr/>
           <p:nvPr/>
         </p:nvSpPr>
         <p:spPr>
           <a:xfrm>
             <a:off x="1980720" y="2512080"/>
-            <a:ext cx="2194920" cy="378720"/>
+            <a:ext cx="2194560" cy="378360"/>
           </a:xfrm>
           <a:prstGeom prst="rect">
             <a:avLst/>
@@ -21262,14 +21074,14 @@
       </p:sp>
       <p:sp>
         <p:nvSpPr>
-          <p:cNvPr id="352" name="CustomShape 24"/>
+          <p:cNvPr id="351" name="CustomShape 24"/>
           <p:cNvSpPr/>
           <p:nvPr/>
         </p:nvSpPr>
         <p:spPr>
           <a:xfrm>
             <a:off x="2589480" y="3242520"/>
-            <a:ext cx="2057040" cy="378720"/>
+            <a:ext cx="2056680" cy="378360"/>
           </a:xfrm>
           <a:prstGeom prst="rect">
             <a:avLst/>
@@ -21293,14 +21105,14 @@
       </p:sp>
       <p:sp>
         <p:nvSpPr>
-          <p:cNvPr id="353" name="CustomShape 25"/>
+          <p:cNvPr id="352" name="CustomShape 25"/>
           <p:cNvSpPr/>
           <p:nvPr/>
         </p:nvSpPr>
         <p:spPr>
           <a:xfrm>
             <a:off x="1985400" y="1418760"/>
-            <a:ext cx="2155320" cy="2187720"/>
+            <a:ext cx="2154960" cy="2187360"/>
           </a:xfrm>
           <a:prstGeom prst="rect">
             <a:avLst/>
@@ -21395,14 +21207,14 @@
       </p:sp>
       <p:sp>
         <p:nvSpPr>
-          <p:cNvPr id="354" name="CustomShape 26"/>
+          <p:cNvPr id="353" name="CustomShape 26"/>
           <p:cNvSpPr/>
           <p:nvPr/>
         </p:nvSpPr>
         <p:spPr>
           <a:xfrm>
             <a:off x="5785920" y="1367280"/>
-            <a:ext cx="360" cy="351360"/>
+            <a:ext cx="360" cy="351000"/>
           </a:xfrm>
           <a:custGeom>
             <a:avLst/>
@@ -21437,14 +21249,14 @@
       </p:sp>
       <p:sp>
         <p:nvSpPr>
-          <p:cNvPr id="355" name="CustomShape 27"/>
+          <p:cNvPr id="354" name="CustomShape 27"/>
           <p:cNvSpPr/>
           <p:nvPr/>
         </p:nvSpPr>
         <p:spPr>
           <a:xfrm>
             <a:off x="5735880" y="1583280"/>
-            <a:ext cx="98640" cy="198360"/>
+            <a:ext cx="98280" cy="198000"/>
           </a:xfrm>
           <a:custGeom>
             <a:avLst/>
@@ -21485,14 +21297,14 @@
       </p:sp>
       <p:sp>
         <p:nvSpPr>
-          <p:cNvPr id="356" name="CustomShape 28"/>
+          <p:cNvPr id="355" name="CustomShape 28"/>
           <p:cNvSpPr/>
           <p:nvPr/>
         </p:nvSpPr>
         <p:spPr>
           <a:xfrm>
             <a:off x="5755680" y="1598400"/>
-            <a:ext cx="59040" cy="120240"/>
+            <a:ext cx="58680" cy="119880"/>
           </a:xfrm>
           <a:custGeom>
             <a:avLst/>
@@ -21530,14 +21342,14 @@
       </p:sp>
       <p:sp>
         <p:nvSpPr>
-          <p:cNvPr id="357" name="CustomShape 29"/>
+          <p:cNvPr id="356" name="CustomShape 29"/>
           <p:cNvSpPr/>
           <p:nvPr/>
         </p:nvSpPr>
         <p:spPr>
           <a:xfrm>
             <a:off x="5785920" y="4387680"/>
-            <a:ext cx="360" cy="394920"/>
+            <a:ext cx="360" cy="394560"/>
           </a:xfrm>
           <a:custGeom>
             <a:avLst/>
@@ -21572,14 +21384,14 @@
       </p:sp>
       <p:sp>
         <p:nvSpPr>
-          <p:cNvPr id="358" name="CustomShape 30"/>
+          <p:cNvPr id="357" name="CustomShape 30"/>
           <p:cNvSpPr/>
           <p:nvPr/>
         </p:nvSpPr>
         <p:spPr>
           <a:xfrm>
             <a:off x="5735880" y="4647600"/>
-            <a:ext cx="98640" cy="198360"/>
+            <a:ext cx="98280" cy="198000"/>
           </a:xfrm>
           <a:custGeom>
             <a:avLst/>
@@ -21620,14 +21432,14 @@
       </p:sp>
       <p:sp>
         <p:nvSpPr>
-          <p:cNvPr id="359" name="CustomShape 31"/>
+          <p:cNvPr id="358" name="CustomShape 31"/>
           <p:cNvSpPr/>
           <p:nvPr/>
         </p:nvSpPr>
         <p:spPr>
           <a:xfrm>
             <a:off x="5755680" y="4662720"/>
-            <a:ext cx="59040" cy="120240"/>
+            <a:ext cx="58680" cy="119880"/>
           </a:xfrm>
           <a:custGeom>
             <a:avLst/>
@@ -21665,14 +21477,14 @@
       </p:sp>
       <p:sp>
         <p:nvSpPr>
-          <p:cNvPr id="360" name="CustomShape 32"/>
+          <p:cNvPr id="359" name="CustomShape 32"/>
           <p:cNvSpPr/>
           <p:nvPr/>
         </p:nvSpPr>
         <p:spPr>
           <a:xfrm>
             <a:off x="5785920" y="2227320"/>
-            <a:ext cx="360" cy="226080"/>
+            <a:ext cx="360" cy="225720"/>
           </a:xfrm>
           <a:custGeom>
             <a:avLst/>
@@ -21707,14 +21519,14 @@
       </p:sp>
       <p:sp>
         <p:nvSpPr>
-          <p:cNvPr id="361" name="CustomShape 33"/>
+          <p:cNvPr id="360" name="CustomShape 33"/>
           <p:cNvSpPr/>
           <p:nvPr/>
         </p:nvSpPr>
         <p:spPr>
           <a:xfrm>
             <a:off x="5735880" y="2318040"/>
-            <a:ext cx="98640" cy="198360"/>
+            <a:ext cx="98280" cy="198000"/>
           </a:xfrm>
           <a:custGeom>
             <a:avLst/>
@@ -21755,14 +21567,14 @@
       </p:sp>
       <p:sp>
         <p:nvSpPr>
-          <p:cNvPr id="362" name="CustomShape 34"/>
+          <p:cNvPr id="361" name="CustomShape 34"/>
           <p:cNvSpPr/>
           <p:nvPr/>
         </p:nvSpPr>
         <p:spPr>
           <a:xfrm>
             <a:off x="5755680" y="2333160"/>
-            <a:ext cx="59040" cy="120240"/>
+            <a:ext cx="58680" cy="119880"/>
           </a:xfrm>
           <a:custGeom>
             <a:avLst/>
@@ -21800,14 +21612,14 @@
       </p:sp>
       <p:sp>
         <p:nvSpPr>
-          <p:cNvPr id="363" name="CustomShape 35"/>
+          <p:cNvPr id="362" name="CustomShape 35"/>
           <p:cNvSpPr/>
           <p:nvPr/>
         </p:nvSpPr>
         <p:spPr>
           <a:xfrm>
             <a:off x="5785920" y="2962080"/>
-            <a:ext cx="360" cy="233640"/>
+            <a:ext cx="360" cy="233280"/>
           </a:xfrm>
           <a:custGeom>
             <a:avLst/>
@@ -21842,14 +21654,14 @@
       </p:sp>
       <p:sp>
         <p:nvSpPr>
-          <p:cNvPr id="364" name="CustomShape 36"/>
+          <p:cNvPr id="363" name="CustomShape 36"/>
           <p:cNvSpPr/>
           <p:nvPr/>
         </p:nvSpPr>
         <p:spPr>
           <a:xfrm>
             <a:off x="5735880" y="3060360"/>
-            <a:ext cx="98640" cy="198360"/>
+            <a:ext cx="98280" cy="198000"/>
           </a:xfrm>
           <a:custGeom>
             <a:avLst/>
@@ -21890,14 +21702,14 @@
       </p:sp>
       <p:sp>
         <p:nvSpPr>
-          <p:cNvPr id="365" name="CustomShape 37"/>
+          <p:cNvPr id="364" name="CustomShape 37"/>
           <p:cNvSpPr/>
           <p:nvPr/>
         </p:nvSpPr>
         <p:spPr>
           <a:xfrm>
             <a:off x="5755680" y="3075480"/>
-            <a:ext cx="59040" cy="120240"/>
+            <a:ext cx="58680" cy="119880"/>
           </a:xfrm>
           <a:custGeom>
             <a:avLst/>
@@ -21935,14 +21747,14 @@
       </p:sp>
       <p:sp>
         <p:nvSpPr>
-          <p:cNvPr id="366" name="CustomShape 38"/>
+          <p:cNvPr id="365" name="CustomShape 38"/>
           <p:cNvSpPr/>
           <p:nvPr/>
         </p:nvSpPr>
         <p:spPr>
           <a:xfrm>
             <a:off x="5785920" y="3682080"/>
-            <a:ext cx="360" cy="204480"/>
+            <a:ext cx="360" cy="204120"/>
           </a:xfrm>
           <a:custGeom>
             <a:avLst/>
@@ -21977,14 +21789,14 @@
       </p:sp>
       <p:sp>
         <p:nvSpPr>
-          <p:cNvPr id="367" name="CustomShape 39"/>
+          <p:cNvPr id="366" name="CustomShape 39"/>
           <p:cNvSpPr/>
           <p:nvPr/>
         </p:nvSpPr>
         <p:spPr>
           <a:xfrm>
             <a:off x="5735880" y="3751200"/>
-            <a:ext cx="98640" cy="198360"/>
+            <a:ext cx="98280" cy="198000"/>
           </a:xfrm>
           <a:custGeom>
             <a:avLst/>
@@ -22025,14 +21837,14 @@
       </p:sp>
       <p:sp>
         <p:nvSpPr>
-          <p:cNvPr id="368" name="CustomShape 40"/>
+          <p:cNvPr id="367" name="CustomShape 40"/>
           <p:cNvSpPr/>
           <p:nvPr/>
         </p:nvSpPr>
         <p:spPr>
           <a:xfrm>
             <a:off x="5755680" y="3766320"/>
-            <a:ext cx="59040" cy="120240"/>
+            <a:ext cx="58680" cy="119880"/>
           </a:xfrm>
           <a:custGeom>
             <a:avLst/>
@@ -22070,14 +21882,14 @@
       </p:sp>
       <p:sp>
         <p:nvSpPr>
-          <p:cNvPr id="369" name="CustomShape 41"/>
+          <p:cNvPr id="368" name="CustomShape 41"/>
           <p:cNvSpPr/>
           <p:nvPr/>
         </p:nvSpPr>
         <p:spPr>
           <a:xfrm>
             <a:off x="5280840" y="4894560"/>
-            <a:ext cx="1018080" cy="250200"/>
+            <a:ext cx="1017720" cy="249840"/>
           </a:xfrm>
           <a:prstGeom prst="rect">
             <a:avLst/>
@@ -22119,14 +21931,14 @@
       </p:sp>
       <p:sp>
         <p:nvSpPr>
-          <p:cNvPr id="370" name="CustomShape 42"/>
+          <p:cNvPr id="369" name="CustomShape 42"/>
           <p:cNvSpPr/>
           <p:nvPr/>
         </p:nvSpPr>
         <p:spPr>
           <a:xfrm>
             <a:off x="3079080" y="908640"/>
-            <a:ext cx="2188800" cy="825480"/>
+            <a:ext cx="2188440" cy="825120"/>
           </a:xfrm>
           <a:custGeom>
             <a:avLst/>
@@ -22395,14 +22207,14 @@
       </p:sp>
       <p:sp>
         <p:nvSpPr>
-          <p:cNvPr id="371" name="CustomShape 43"/>
+          <p:cNvPr id="370" name="CustomShape 43"/>
           <p:cNvSpPr/>
           <p:nvPr/>
         </p:nvSpPr>
         <p:spPr>
           <a:xfrm>
             <a:off x="3056040" y="1077840"/>
-            <a:ext cx="96480" cy="204120"/>
+            <a:ext cx="96120" cy="203760"/>
           </a:xfrm>
           <a:custGeom>
             <a:avLst/>
@@ -22443,14 +22255,14 @@
       </p:sp>
       <p:sp>
         <p:nvSpPr>
-          <p:cNvPr id="372" name="CustomShape 44"/>
+          <p:cNvPr id="371" name="CustomShape 44"/>
           <p:cNvSpPr/>
           <p:nvPr/>
         </p:nvSpPr>
         <p:spPr>
           <a:xfrm>
             <a:off x="3072240" y="1096560"/>
-            <a:ext cx="58680" cy="123840"/>
+            <a:ext cx="58320" cy="123480"/>
           </a:xfrm>
           <a:custGeom>
             <a:avLst/>
@@ -22491,14 +22303,14 @@
       </p:sp>
       <p:sp>
         <p:nvSpPr>
-          <p:cNvPr id="373" name="CustomShape 45"/>
+          <p:cNvPr id="372" name="CustomShape 45"/>
           <p:cNvSpPr/>
           <p:nvPr/>
         </p:nvSpPr>
         <p:spPr>
           <a:xfrm>
             <a:off x="4903560" y="1719360"/>
-            <a:ext cx="1797840" cy="502920"/>
+            <a:ext cx="1797480" cy="502560"/>
           </a:xfrm>
           <a:custGeom>
             <a:avLst/>
@@ -22542,14 +22354,14 @@
       </p:sp>
       <p:sp>
         <p:nvSpPr>
-          <p:cNvPr id="374" name="CustomShape 46"/>
+          <p:cNvPr id="373" name="CustomShape 46"/>
           <p:cNvSpPr/>
           <p:nvPr/>
         </p:nvSpPr>
         <p:spPr>
           <a:xfrm>
             <a:off x="4903560" y="1719360"/>
-            <a:ext cx="1797840" cy="502920"/>
+            <a:ext cx="1797480" cy="502560"/>
           </a:xfrm>
           <a:custGeom>
             <a:avLst/>
@@ -22594,14 +22406,14 @@
       </p:sp>
       <p:sp>
         <p:nvSpPr>
-          <p:cNvPr id="375" name="CustomShape 47"/>
+          <p:cNvPr id="374" name="CustomShape 47"/>
           <p:cNvSpPr/>
           <p:nvPr/>
         </p:nvSpPr>
         <p:spPr>
           <a:xfrm>
             <a:off x="5067720" y="1768320"/>
-            <a:ext cx="1444680" cy="425880"/>
+            <a:ext cx="1444320" cy="425520"/>
           </a:xfrm>
           <a:prstGeom prst="rect">
             <a:avLst/>
@@ -22643,14 +22455,14 @@
       </p:sp>
       <p:sp>
         <p:nvSpPr>
-          <p:cNvPr id="376" name="CustomShape 48"/>
+          <p:cNvPr id="375" name="CustomShape 48"/>
           <p:cNvSpPr/>
           <p:nvPr/>
         </p:nvSpPr>
         <p:spPr>
           <a:xfrm>
             <a:off x="8781120" y="7008480"/>
-            <a:ext cx="157680" cy="4506480"/>
+            <a:ext cx="157320" cy="4506120"/>
           </a:xfrm>
           <a:prstGeom prst="rect">
             <a:avLst/>
@@ -22674,7 +22486,7 @@
                 <a:spcPts val="859"/>
               </a:lnSpc>
             </a:pPr>
-            <a:fld id="{4754B683-3469-4CB2-9EF0-E364A8BAA817}" type="slidenum">
+            <a:fld id="{B28D694B-9231-4010-A05F-67841B5FE831}" type="slidenum">
               <a:rPr b="0" lang="en-US" sz="800" spc="-1" strike="noStrike">
                 <a:solidFill>
                   <a:srgbClr val="000000"/>
@@ -22692,14 +22504,14 @@
       </p:sp>
       <p:sp>
         <p:nvSpPr>
-          <p:cNvPr id="377" name="CustomShape 49"/>
+          <p:cNvPr id="376" name="CustomShape 49"/>
           <p:cNvSpPr/>
           <p:nvPr/>
         </p:nvSpPr>
         <p:spPr>
           <a:xfrm>
             <a:off x="1859040" y="2999880"/>
-            <a:ext cx="5117400" cy="834840"/>
+            <a:ext cx="5117040" cy="834480"/>
           </a:xfrm>
           <a:prstGeom prst="roundRect">
             <a:avLst>
@@ -22707,39 +22519,34 @@
             </a:avLst>
           </a:prstGeom>
           <a:solidFill>
-            <a:schemeClr val="accent6">
+            <a:srgbClr val="f79646">
               <a:alpha val="10000"/>
-            </a:schemeClr>
+            </a:srgbClr>
           </a:solidFill>
-          <a:ln>
+          <a:ln w="25560">
+            <a:solidFill>
+              <a:srgbClr val="3a5f8b"/>
+            </a:solidFill>
             <a:round/>
           </a:ln>
         </p:spPr>
         <p:style>
-          <a:lnRef idx="2">
-            <a:schemeClr val="accent1">
-              <a:shade val="50000"/>
-            </a:schemeClr>
-          </a:lnRef>
-          <a:fillRef idx="1">
-            <a:schemeClr val="accent1"/>
-          </a:fillRef>
-          <a:effectRef idx="0">
-            <a:schemeClr val="accent1"/>
-          </a:effectRef>
+          <a:lnRef idx="0"/>
+          <a:fillRef idx="0"/>
+          <a:effectRef idx="0"/>
           <a:fontRef idx="minor"/>
         </p:style>
       </p:sp>
       <p:sp>
         <p:nvSpPr>
-          <p:cNvPr id="378" name="CustomShape 50"/>
+          <p:cNvPr id="377" name="CustomShape 50"/>
           <p:cNvSpPr/>
           <p:nvPr/>
         </p:nvSpPr>
         <p:spPr>
           <a:xfrm>
             <a:off x="757800" y="5493600"/>
-            <a:ext cx="7999200" cy="2450520"/>
+            <a:ext cx="7998840" cy="2450160"/>
           </a:xfrm>
           <a:prstGeom prst="rect">
             <a:avLst/>
@@ -22758,7 +22565,7 @@
         <p:txBody>
           <a:bodyPr lIns="90000" rIns="90000" tIns="45000" bIns="45000"/>
           <a:p>
-            <a:pPr marL="285840" indent="-284040">
+            <a:pPr marL="285840" indent="-283680">
               <a:lnSpc>
                 <a:spcPct val="100000"/>
               </a:lnSpc>
@@ -22786,7 +22593,7 @@
             </a:endParaRPr>
           </a:p>
           <a:p>
-            <a:pPr marL="285840" indent="-284040">
+            <a:pPr marL="285840" indent="-283680">
               <a:lnSpc>
                 <a:spcPct val="100000"/>
               </a:lnSpc>
@@ -22814,7 +22621,7 @@
             </a:endParaRPr>
           </a:p>
           <a:p>
-            <a:pPr lvl="1" marL="743040" indent="-284040">
+            <a:pPr lvl="1" marL="743040" indent="-283680">
               <a:lnSpc>
                 <a:spcPct val="100000"/>
               </a:lnSpc>
@@ -22842,7 +22649,7 @@
             </a:endParaRPr>
           </a:p>
           <a:p>
-            <a:pPr lvl="1" marL="743040" indent="-284040">
+            <a:pPr lvl="1" marL="743040" indent="-283680">
               <a:lnSpc>
                 <a:spcPct val="100000"/>
               </a:lnSpc>
@@ -22880,7 +22687,7 @@
             </a:endParaRPr>
           </a:p>
           <a:p>
-            <a:pPr lvl="1" marL="743040" indent="-284040">
+            <a:pPr lvl="1" marL="743040" indent="-283680">
               <a:lnSpc>
                 <a:spcPct val="100000"/>
               </a:lnSpc>
@@ -22918,7 +22725,7 @@
             </a:endParaRPr>
           </a:p>
           <a:p>
-            <a:pPr lvl="1" marL="743040" indent="-284040">
+            <a:pPr lvl="1" marL="743040" indent="-283680">
               <a:lnSpc>
                 <a:spcPct val="100000"/>
               </a:lnSpc>
@@ -22965,10 +22772,10 @@
   <p:timing>
     <p:tnLst>
       <p:par>
-        <p:cTn id="41" dur="indefinite" restart="never" nodeType="tmRoot">
+        <p:cTn id="23" dur="indefinite" restart="never" nodeType="tmRoot">
           <p:childTnLst>
             <p:seq>
-              <p:cTn id="42" dur="indefinite" nodeType="mainSeq"/>
+              <p:cTn id="24" dur="indefinite" nodeType="mainSeq"/>
               <p:prevCondLst>
                 <p:cond delay="0" evt="onPrev">
                   <p:tgtEl>
@@ -23011,14 +22818,14 @@
       </p:grpSpPr>
       <p:sp>
         <p:nvSpPr>
-          <p:cNvPr id="379" name="CustomShape 1"/>
+          <p:cNvPr id="378" name="CustomShape 1"/>
           <p:cNvSpPr/>
           <p:nvPr/>
         </p:nvSpPr>
         <p:spPr>
           <a:xfrm>
             <a:off x="1153800" y="375480"/>
-            <a:ext cx="7720560" cy="1296360"/>
+            <a:ext cx="7720200" cy="1296000"/>
           </a:xfrm>
           <a:prstGeom prst="rect">
             <a:avLst/>
@@ -23060,14 +22867,14 @@
       </p:sp>
       <p:sp>
         <p:nvSpPr>
-          <p:cNvPr id="380" name="CustomShape 2"/>
+          <p:cNvPr id="379" name="CustomShape 2"/>
           <p:cNvSpPr/>
           <p:nvPr/>
         </p:nvSpPr>
         <p:spPr>
           <a:xfrm>
             <a:off x="1905120" y="879840"/>
-            <a:ext cx="2195280" cy="258120"/>
+            <a:ext cx="2194920" cy="257760"/>
           </a:xfrm>
           <a:prstGeom prst="rect">
             <a:avLst/>
@@ -23109,14 +22916,14 @@
       </p:sp>
       <p:sp>
         <p:nvSpPr>
-          <p:cNvPr id="381" name="CustomShape 3"/>
+          <p:cNvPr id="380" name="CustomShape 3"/>
           <p:cNvSpPr/>
           <p:nvPr/>
         </p:nvSpPr>
         <p:spPr>
           <a:xfrm>
             <a:off x="1347840" y="1371600"/>
-            <a:ext cx="7332480" cy="4648680"/>
+            <a:ext cx="7332120" cy="4648320"/>
           </a:xfrm>
           <a:prstGeom prst="rect">
             <a:avLst/>
@@ -23140,14 +22947,14 @@
       </p:sp>
       <p:sp>
         <p:nvSpPr>
-          <p:cNvPr id="382" name="CustomShape 4"/>
+          <p:cNvPr id="381" name="CustomShape 4"/>
           <p:cNvSpPr/>
           <p:nvPr/>
         </p:nvSpPr>
         <p:spPr>
           <a:xfrm>
             <a:off x="1623600" y="5472000"/>
-            <a:ext cx="894960" cy="364680"/>
+            <a:ext cx="894600" cy="364320"/>
           </a:xfrm>
           <a:prstGeom prst="rect">
             <a:avLst/>
@@ -23189,63 +22996,14 @@
       </p:sp>
       <p:sp>
         <p:nvSpPr>
-          <p:cNvPr id="383" name="CustomShape 5"/>
+          <p:cNvPr id="382" name="CustomShape 5"/>
           <p:cNvSpPr/>
           <p:nvPr/>
         </p:nvSpPr>
         <p:spPr>
           <a:xfrm>
             <a:off x="7943760" y="2739960"/>
-            <a:ext cx="320040" cy="1902600"/>
-          </a:xfrm>
-          <a:prstGeom prst="rect">
-            <a:avLst/>
-          </a:prstGeom>
-          <a:noFill/>
-          <a:ln>
-            <a:noFill/>
-          </a:ln>
-        </p:spPr>
-        <p:style>
-          <a:lnRef idx="0"/>
-          <a:fillRef idx="0"/>
-          <a:effectRef idx="0"/>
-          <a:fontRef idx="minor"/>
-        </p:style>
-        <p:txBody>
-          <a:bodyPr lIns="0" rIns="0" tIns="0" bIns="0" vert="vert" rot="5400000"/>
-          <a:p>
-            <a:pPr marL="12600">
-              <a:lnSpc>
-                <a:spcPts val="2540"/>
-              </a:lnSpc>
-            </a:pPr>
-            <a:r>
-              <a:rPr b="1" lang="en-US" sz="2400" spc="-1" strike="noStrike">
-                <a:solidFill>
-                  <a:srgbClr val="000000"/>
-                </a:solidFill>
-                <a:latin typeface="Calibri"/>
-                <a:ea typeface="DejaVu Sans"/>
-              </a:rPr>
-              <a:t>Environment</a:t>
-            </a:r>
-            <a:endParaRPr b="0" lang="en-US" sz="2400" spc="-1" strike="noStrike">
-              <a:latin typeface="Arial"/>
-            </a:endParaRPr>
-          </a:p>
-        </p:txBody>
-      </p:sp>
-      <p:sp>
-        <p:nvSpPr>
-          <p:cNvPr id="384" name="CustomShape 6"/>
-          <p:cNvSpPr/>
-          <p:nvPr/>
-        </p:nvSpPr>
-        <p:spPr>
-          <a:xfrm>
-            <a:off x="5368320" y="1730880"/>
-            <a:ext cx="866160" cy="250200"/>
+            <a:ext cx="319680" cy="1902240"/>
           </a:xfrm>
           <a:prstGeom prst="rect">
             <a:avLst/>
@@ -23266,20 +23024,20 @@
           <a:p>
             <a:pPr marL="12600">
               <a:lnSpc>
-                <a:spcPct val="100000"/>
-              </a:lnSpc>
-            </a:pPr>
-            <a:r>
-              <a:rPr b="1" lang="en-US" sz="1650" spc="-1" strike="noStrike">
-                <a:solidFill>
-                  <a:srgbClr val="000000"/>
-                </a:solidFill>
-                <a:latin typeface="Calibri"/>
-                <a:ea typeface="DejaVu Sans"/>
-              </a:rPr>
-              <a:t>Sensors</a:t>
-            </a:r>
-            <a:endParaRPr b="0" lang="en-US" sz="1650" spc="-1" strike="noStrike">
+                <a:spcPts val="2540"/>
+              </a:lnSpc>
+            </a:pPr>
+            <a:r>
+              <a:rPr b="1" lang="en-US" sz="2400" spc="-1" strike="noStrike">
+                <a:solidFill>
+                  <a:srgbClr val="000000"/>
+                </a:solidFill>
+                <a:latin typeface="Calibri"/>
+                <a:ea typeface="DejaVu Sans"/>
+              </a:rPr>
+              <a:t>Environment</a:t>
+            </a:r>
+            <a:endParaRPr b="0" lang="en-US" sz="2400" spc="-1" strike="noStrike">
               <a:latin typeface="Arial"/>
             </a:endParaRPr>
           </a:p>
@@ -23287,14 +23045,14 @@
       </p:sp>
       <p:sp>
         <p:nvSpPr>
-          <p:cNvPr id="385" name="CustomShape 7"/>
+          <p:cNvPr id="383" name="CustomShape 6"/>
           <p:cNvSpPr/>
           <p:nvPr/>
         </p:nvSpPr>
         <p:spPr>
           <a:xfrm>
-            <a:off x="5171760" y="3466800"/>
-            <a:ext cx="1280160" cy="438120"/>
+            <a:off x="5368320" y="1730880"/>
+            <a:ext cx="865800" cy="249840"/>
           </a:xfrm>
           <a:prstGeom prst="rect">
             <a:avLst/>
@@ -23313,22 +23071,22 @@
         <p:txBody>
           <a:bodyPr lIns="0" rIns="0" tIns="0" bIns="0"/>
           <a:p>
-            <a:pPr marL="195480" indent="-181800">
-              <a:lnSpc>
-                <a:spcPts val="1729"/>
-              </a:lnSpc>
-            </a:pPr>
-            <a:r>
-              <a:rPr b="0" lang="en-US" sz="1700" spc="-1" strike="noStrike">
-                <a:solidFill>
-                  <a:srgbClr val="000000"/>
-                </a:solidFill>
-                <a:latin typeface="Calibri"/>
-                <a:ea typeface="DejaVu Sans"/>
-              </a:rPr>
-              <a:t>Performance  element</a:t>
-            </a:r>
-            <a:endParaRPr b="0" lang="en-US" sz="1700" spc="-1" strike="noStrike">
+            <a:pPr marL="12600">
+              <a:lnSpc>
+                <a:spcPct val="100000"/>
+              </a:lnSpc>
+            </a:pPr>
+            <a:r>
+              <a:rPr b="1" lang="en-US" sz="1650" spc="-1" strike="noStrike">
+                <a:solidFill>
+                  <a:srgbClr val="000000"/>
+                </a:solidFill>
+                <a:latin typeface="Calibri"/>
+                <a:ea typeface="DejaVu Sans"/>
+              </a:rPr>
+              <a:t>Sensors</a:t>
+            </a:r>
+            <a:endParaRPr b="0" lang="en-US" sz="1650" spc="-1" strike="noStrike">
               <a:latin typeface="Arial"/>
             </a:endParaRPr>
           </a:p>
@@ -23336,14 +23094,14 @@
       </p:sp>
       <p:sp>
         <p:nvSpPr>
-          <p:cNvPr id="386" name="CustomShape 8"/>
+          <p:cNvPr id="384" name="CustomShape 7"/>
           <p:cNvSpPr/>
           <p:nvPr/>
         </p:nvSpPr>
         <p:spPr>
           <a:xfrm>
-            <a:off x="3887640" y="3150720"/>
-            <a:ext cx="914400" cy="258120"/>
+            <a:off x="5171760" y="3466800"/>
+            <a:ext cx="1279800" cy="437760"/>
           </a:xfrm>
           <a:prstGeom prst="rect">
             <a:avLst/>
@@ -23362,20 +23120,20 @@
         <p:txBody>
           <a:bodyPr lIns="0" rIns="0" tIns="0" bIns="0"/>
           <a:p>
-            <a:pPr marL="12600">
-              <a:lnSpc>
-                <a:spcPct val="100000"/>
-              </a:lnSpc>
-            </a:pPr>
-            <a:r>
-              <a:rPr b="1" lang="en-US" sz="1700" spc="-1" strike="noStrike">
-                <a:solidFill>
-                  <a:srgbClr val="000000"/>
-                </a:solidFill>
-                <a:latin typeface="Calibri"/>
-                <a:ea typeface="DejaVu Sans"/>
-              </a:rPr>
-              <a:t>changes</a:t>
+            <a:pPr marL="195480" indent="-181440">
+              <a:lnSpc>
+                <a:spcPts val="1729"/>
+              </a:lnSpc>
+            </a:pPr>
+            <a:r>
+              <a:rPr b="0" lang="en-US" sz="1700" spc="-1" strike="noStrike">
+                <a:solidFill>
+                  <a:srgbClr val="000000"/>
+                </a:solidFill>
+                <a:latin typeface="Calibri"/>
+                <a:ea typeface="DejaVu Sans"/>
+              </a:rPr>
+              <a:t>Performance  element</a:t>
             </a:r>
             <a:endParaRPr b="0" lang="en-US" sz="1700" spc="-1" strike="noStrike">
               <a:latin typeface="Arial"/>
@@ -23385,14 +23143,14 @@
       </p:sp>
       <p:sp>
         <p:nvSpPr>
-          <p:cNvPr id="387" name="CustomShape 9"/>
+          <p:cNvPr id="385" name="CustomShape 8"/>
           <p:cNvSpPr/>
           <p:nvPr/>
         </p:nvSpPr>
         <p:spPr>
           <a:xfrm>
-            <a:off x="3828600" y="3819240"/>
-            <a:ext cx="1158480" cy="258120"/>
+            <a:off x="3887640" y="3150720"/>
+            <a:ext cx="914040" cy="257760"/>
           </a:xfrm>
           <a:prstGeom prst="rect">
             <a:avLst/>
@@ -23424,7 +23182,7 @@
                 <a:latin typeface="Calibri"/>
                 <a:ea typeface="DejaVu Sans"/>
               </a:rPr>
-              <a:t>knowledge</a:t>
+              <a:t>changes</a:t>
             </a:r>
             <a:endParaRPr b="0" lang="en-US" sz="1700" spc="-1" strike="noStrike">
               <a:latin typeface="Arial"/>
@@ -23434,14 +23192,14 @@
       </p:sp>
       <p:sp>
         <p:nvSpPr>
-          <p:cNvPr id="388" name="CustomShape 10"/>
+          <p:cNvPr id="386" name="CustomShape 9"/>
           <p:cNvSpPr/>
           <p:nvPr/>
         </p:nvSpPr>
         <p:spPr>
           <a:xfrm>
-            <a:off x="2072520" y="4105800"/>
-            <a:ext cx="877680" cy="438120"/>
+            <a:off x="3828600" y="3819240"/>
+            <a:ext cx="1158120" cy="257760"/>
           </a:xfrm>
           <a:prstGeom prst="rect">
             <a:avLst/>
@@ -23460,9 +23218,9 @@
         <p:txBody>
           <a:bodyPr lIns="0" rIns="0" tIns="0" bIns="0"/>
           <a:p>
-            <a:pPr marL="134640" indent="-120600">
-              <a:lnSpc>
-                <a:spcPts val="1729"/>
+            <a:pPr marL="12600">
+              <a:lnSpc>
+                <a:spcPct val="100000"/>
               </a:lnSpc>
             </a:pPr>
             <a:r>
@@ -23473,7 +23231,7 @@
                 <a:latin typeface="Calibri"/>
                 <a:ea typeface="DejaVu Sans"/>
               </a:rPr>
-              <a:t>learning  goals</a:t>
+              <a:t>knowledge</a:t>
             </a:r>
             <a:endParaRPr b="0" lang="en-US" sz="1700" spc="-1" strike="noStrike">
               <a:latin typeface="Arial"/>
@@ -23483,14 +23241,63 @@
       </p:sp>
       <p:sp>
         <p:nvSpPr>
-          <p:cNvPr id="389" name="CustomShape 11"/>
+          <p:cNvPr id="387" name="CustomShape 10"/>
           <p:cNvSpPr/>
           <p:nvPr/>
         </p:nvSpPr>
         <p:spPr>
           <a:xfrm>
+            <a:off x="2072520" y="4105800"/>
+            <a:ext cx="877320" cy="437760"/>
+          </a:xfrm>
+          <a:prstGeom prst="rect">
+            <a:avLst/>
+          </a:prstGeom>
+          <a:noFill/>
+          <a:ln>
+            <a:noFill/>
+          </a:ln>
+        </p:spPr>
+        <p:style>
+          <a:lnRef idx="0"/>
+          <a:fillRef idx="0"/>
+          <a:effectRef idx="0"/>
+          <a:fontRef idx="minor"/>
+        </p:style>
+        <p:txBody>
+          <a:bodyPr lIns="0" rIns="0" tIns="0" bIns="0"/>
+          <a:p>
+            <a:pPr marL="134640" indent="-120240">
+              <a:lnSpc>
+                <a:spcPts val="1729"/>
+              </a:lnSpc>
+            </a:pPr>
+            <a:r>
+              <a:rPr b="1" lang="en-US" sz="1700" spc="-1" strike="noStrike">
+                <a:solidFill>
+                  <a:srgbClr val="000000"/>
+                </a:solidFill>
+                <a:latin typeface="Calibri"/>
+                <a:ea typeface="DejaVu Sans"/>
+              </a:rPr>
+              <a:t>learning  goals</a:t>
+            </a:r>
+            <a:endParaRPr b="0" lang="en-US" sz="1700" spc="-1" strike="noStrike">
+              <a:latin typeface="Arial"/>
+            </a:endParaRPr>
+          </a:p>
+        </p:txBody>
+      </p:sp>
+      <p:sp>
+        <p:nvSpPr>
+          <p:cNvPr id="388" name="CustomShape 11"/>
+          <p:cNvSpPr/>
+          <p:nvPr/>
+        </p:nvSpPr>
+        <p:spPr>
+          <a:xfrm>
             <a:off x="3597120" y="3992760"/>
-            <a:ext cx="2014200" cy="1082880"/>
+            <a:ext cx="2013840" cy="1082520"/>
           </a:xfrm>
           <a:custGeom>
             <a:avLst/>
@@ -23525,14 +23332,14 @@
       </p:sp>
       <p:sp>
         <p:nvSpPr>
-          <p:cNvPr id="390" name="CustomShape 12"/>
+          <p:cNvPr id="389" name="CustomShape 12"/>
           <p:cNvSpPr/>
           <p:nvPr/>
         </p:nvSpPr>
         <p:spPr>
           <a:xfrm>
             <a:off x="5424480" y="3960000"/>
-            <a:ext cx="246960" cy="168480"/>
+            <a:ext cx="246600" cy="168120"/>
           </a:xfrm>
           <a:custGeom>
             <a:avLst/>
@@ -23573,14 +23380,14 @@
       </p:sp>
       <p:sp>
         <p:nvSpPr>
-          <p:cNvPr id="391" name="CustomShape 13"/>
+          <p:cNvPr id="390" name="CustomShape 13"/>
           <p:cNvSpPr/>
           <p:nvPr/>
         </p:nvSpPr>
         <p:spPr>
           <a:xfrm>
             <a:off x="5447160" y="3992760"/>
-            <a:ext cx="164520" cy="111240"/>
+            <a:ext cx="164160" cy="110880"/>
           </a:xfrm>
           <a:custGeom>
             <a:avLst/>
@@ -23618,14 +23425,14 @@
       </p:sp>
       <p:sp>
         <p:nvSpPr>
-          <p:cNvPr id="392" name="CustomShape 14"/>
+          <p:cNvPr id="391" name="CustomShape 14"/>
           <p:cNvSpPr/>
           <p:nvPr/>
         </p:nvSpPr>
         <p:spPr>
           <a:xfrm>
             <a:off x="2394000" y="4780800"/>
-            <a:ext cx="1249920" cy="506520"/>
+            <a:ext cx="1249560" cy="506160"/>
           </a:xfrm>
           <a:prstGeom prst="rect">
             <a:avLst/>
@@ -23675,14 +23482,14 @@
       </p:sp>
       <p:sp>
         <p:nvSpPr>
-          <p:cNvPr id="393" name="CustomShape 15"/>
+          <p:cNvPr id="392" name="CustomShape 15"/>
           <p:cNvSpPr/>
           <p:nvPr/>
         </p:nvSpPr>
         <p:spPr>
           <a:xfrm>
             <a:off x="3724560" y="1866960"/>
-            <a:ext cx="1529280" cy="360"/>
+            <a:ext cx="1528920" cy="360"/>
           </a:xfrm>
           <a:custGeom>
             <a:avLst/>
@@ -23717,14 +23524,14 @@
       </p:sp>
       <p:sp>
         <p:nvSpPr>
-          <p:cNvPr id="394" name="CustomShape 16"/>
+          <p:cNvPr id="393" name="CustomShape 16"/>
           <p:cNvSpPr/>
           <p:nvPr/>
         </p:nvSpPr>
         <p:spPr>
           <a:xfrm>
             <a:off x="3655800" y="1809720"/>
-            <a:ext cx="250200" cy="113040"/>
+            <a:ext cx="249840" cy="112680"/>
           </a:xfrm>
           <a:custGeom>
             <a:avLst/>
@@ -23765,14 +23572,14 @@
       </p:sp>
       <p:sp>
         <p:nvSpPr>
-          <p:cNvPr id="395" name="CustomShape 17"/>
+          <p:cNvPr id="394" name="CustomShape 17"/>
           <p:cNvSpPr/>
           <p:nvPr/>
         </p:nvSpPr>
         <p:spPr>
           <a:xfrm>
             <a:off x="3724560" y="1828800"/>
-            <a:ext cx="166320" cy="74880"/>
+            <a:ext cx="165960" cy="74520"/>
           </a:xfrm>
           <a:custGeom>
             <a:avLst/>
@@ -23810,14 +23617,14 @@
       </p:sp>
       <p:sp>
         <p:nvSpPr>
-          <p:cNvPr id="396" name="CustomShape 18"/>
+          <p:cNvPr id="395" name="CustomShape 18"/>
           <p:cNvSpPr/>
           <p:nvPr/>
         </p:nvSpPr>
         <p:spPr>
           <a:xfrm>
             <a:off x="3020040" y="2150280"/>
-            <a:ext cx="360" cy="1177560"/>
+            <a:ext cx="360" cy="1177200"/>
           </a:xfrm>
           <a:custGeom>
             <a:avLst/>
@@ -23852,14 +23659,14 @@
       </p:sp>
       <p:sp>
         <p:nvSpPr>
-          <p:cNvPr id="397" name="CustomShape 19"/>
+          <p:cNvPr id="396" name="CustomShape 19"/>
           <p:cNvSpPr/>
           <p:nvPr/>
         </p:nvSpPr>
         <p:spPr>
           <a:xfrm>
             <a:off x="2962800" y="3146400"/>
-            <a:ext cx="113040" cy="250200"/>
+            <a:ext cx="112680" cy="249840"/>
           </a:xfrm>
           <a:custGeom>
             <a:avLst/>
@@ -23900,14 +23707,14 @@
       </p:sp>
       <p:sp>
         <p:nvSpPr>
-          <p:cNvPr id="398" name="CustomShape 20"/>
+          <p:cNvPr id="397" name="CustomShape 20"/>
           <p:cNvSpPr/>
           <p:nvPr/>
         </p:nvSpPr>
         <p:spPr>
           <a:xfrm>
             <a:off x="2981880" y="3161520"/>
-            <a:ext cx="74880" cy="166320"/>
+            <a:ext cx="74520" cy="165960"/>
           </a:xfrm>
           <a:custGeom>
             <a:avLst/>
@@ -23945,14 +23752,14 @@
       </p:sp>
       <p:sp>
         <p:nvSpPr>
-          <p:cNvPr id="399" name="CustomShape 21"/>
+          <p:cNvPr id="398" name="CustomShape 21"/>
           <p:cNvSpPr/>
           <p:nvPr/>
         </p:nvSpPr>
         <p:spPr>
           <a:xfrm>
             <a:off x="1910160" y="2563560"/>
-            <a:ext cx="975600" cy="258120"/>
+            <a:ext cx="975240" cy="257760"/>
           </a:xfrm>
           <a:prstGeom prst="rect">
             <a:avLst/>
@@ -23994,14 +23801,14 @@
       </p:sp>
       <p:sp>
         <p:nvSpPr>
-          <p:cNvPr id="400" name="CustomShape 22"/>
+          <p:cNvPr id="399" name="CustomShape 22"/>
           <p:cNvSpPr/>
           <p:nvPr/>
         </p:nvSpPr>
         <p:spPr>
           <a:xfrm>
             <a:off x="3035880" y="1142640"/>
-            <a:ext cx="360" cy="365760"/>
+            <a:ext cx="360" cy="365400"/>
           </a:xfrm>
           <a:custGeom>
             <a:avLst/>
@@ -24036,14 +23843,14 @@
       </p:sp>
       <p:sp>
         <p:nvSpPr>
-          <p:cNvPr id="401" name="CustomShape 23"/>
+          <p:cNvPr id="400" name="CustomShape 23"/>
           <p:cNvSpPr/>
           <p:nvPr/>
         </p:nvSpPr>
         <p:spPr>
           <a:xfrm>
             <a:off x="2978640" y="1326960"/>
-            <a:ext cx="113040" cy="250200"/>
+            <a:ext cx="112680" cy="249840"/>
           </a:xfrm>
           <a:custGeom>
             <a:avLst/>
@@ -24084,14 +23891,14 @@
       </p:sp>
       <p:sp>
         <p:nvSpPr>
-          <p:cNvPr id="402" name="CustomShape 24"/>
+          <p:cNvPr id="401" name="CustomShape 24"/>
           <p:cNvSpPr/>
           <p:nvPr/>
         </p:nvSpPr>
         <p:spPr>
           <a:xfrm>
             <a:off x="2997720" y="1342080"/>
-            <a:ext cx="74880" cy="166320"/>
+            <a:ext cx="74520" cy="165960"/>
           </a:xfrm>
           <a:custGeom>
             <a:avLst/>
@@ -24129,14 +23936,14 @@
       </p:sp>
       <p:sp>
         <p:nvSpPr>
-          <p:cNvPr id="403" name="CustomShape 25"/>
+          <p:cNvPr id="402" name="CustomShape 25"/>
           <p:cNvSpPr/>
           <p:nvPr/>
         </p:nvSpPr>
         <p:spPr>
           <a:xfrm>
             <a:off x="2394360" y="3390480"/>
-            <a:ext cx="1249920" cy="506520"/>
+            <a:ext cx="1249560" cy="506160"/>
           </a:xfrm>
           <a:prstGeom prst="rect">
             <a:avLst/>
@@ -24160,7 +23967,7 @@
         <p:txBody>
           <a:bodyPr lIns="0" rIns="0" tIns="68760" bIns="0"/>
           <a:p>
-            <a:pPr marL="215280" indent="-59760">
+            <a:pPr marL="215280" indent="-59400">
               <a:lnSpc>
                 <a:spcPts val="1729"/>
               </a:lnSpc>
@@ -24186,14 +23993,14 @@
       </p:sp>
       <p:sp>
         <p:nvSpPr>
-          <p:cNvPr id="404" name="CustomShape 26"/>
+          <p:cNvPr id="403" name="CustomShape 26"/>
           <p:cNvSpPr/>
           <p:nvPr/>
         </p:nvSpPr>
         <p:spPr>
           <a:xfrm>
             <a:off x="2394000" y="1584000"/>
-            <a:ext cx="1249920" cy="564480"/>
+            <a:ext cx="1249560" cy="564120"/>
           </a:xfrm>
           <a:custGeom>
             <a:avLst/>
@@ -24237,14 +24044,14 @@
       </p:sp>
       <p:sp>
         <p:nvSpPr>
-          <p:cNvPr id="405" name="CustomShape 27"/>
+          <p:cNvPr id="404" name="CustomShape 27"/>
           <p:cNvSpPr/>
           <p:nvPr/>
         </p:nvSpPr>
         <p:spPr>
           <a:xfrm>
             <a:off x="2394000" y="1584000"/>
-            <a:ext cx="1249920" cy="564480"/>
+            <a:ext cx="1249560" cy="564120"/>
           </a:xfrm>
           <a:custGeom>
             <a:avLst/>
@@ -24289,14 +24096,14 @@
       </p:sp>
       <p:sp>
         <p:nvSpPr>
-          <p:cNvPr id="406" name="CustomShape 28"/>
+          <p:cNvPr id="405" name="CustomShape 28"/>
           <p:cNvSpPr/>
           <p:nvPr/>
         </p:nvSpPr>
         <p:spPr>
           <a:xfrm>
             <a:off x="2742120" y="1729800"/>
-            <a:ext cx="524160" cy="258120"/>
+            <a:ext cx="523800" cy="257760"/>
           </a:xfrm>
           <a:prstGeom prst="rect">
             <a:avLst/>
@@ -24338,14 +24145,14 @@
       </p:sp>
       <p:sp>
         <p:nvSpPr>
-          <p:cNvPr id="407" name="CustomShape 29"/>
+          <p:cNvPr id="406" name="CustomShape 29"/>
           <p:cNvSpPr/>
           <p:nvPr/>
         </p:nvSpPr>
         <p:spPr>
           <a:xfrm>
             <a:off x="8781120" y="7008480"/>
-            <a:ext cx="157680" cy="4506480"/>
+            <a:ext cx="157320" cy="4506120"/>
           </a:xfrm>
           <a:prstGeom prst="rect">
             <a:avLst/>
@@ -24369,7 +24176,7 @@
                 <a:spcPts val="859"/>
               </a:lnSpc>
             </a:pPr>
-            <a:fld id="{06B8C256-394B-462A-9799-1737056DD22C}" type="slidenum">
+            <a:fld id="{B80E6962-442F-4CF9-AFEF-3DFF294C6ADD}" type="slidenum">
               <a:rPr b="0" lang="en-US" sz="800" spc="-1" strike="noStrike">
                 <a:solidFill>
                   <a:srgbClr val="000000"/>
@@ -24387,14 +24194,14 @@
       </p:sp>
       <p:sp>
         <p:nvSpPr>
-          <p:cNvPr id="408" name="CustomShape 30"/>
+          <p:cNvPr id="407" name="CustomShape 30"/>
           <p:cNvSpPr/>
           <p:nvPr/>
         </p:nvSpPr>
         <p:spPr>
           <a:xfrm>
             <a:off x="5345280" y="5512320"/>
-            <a:ext cx="1019880" cy="250200"/>
+            <a:ext cx="1019520" cy="249840"/>
           </a:xfrm>
           <a:prstGeom prst="rect">
             <a:avLst/>
@@ -24436,14 +24243,14 @@
       </p:sp>
       <p:sp>
         <p:nvSpPr>
-          <p:cNvPr id="409" name="CustomShape 31"/>
+          <p:cNvPr id="408" name="CustomShape 31"/>
           <p:cNvSpPr/>
           <p:nvPr/>
         </p:nvSpPr>
         <p:spPr>
           <a:xfrm>
             <a:off x="530640" y="6276600"/>
-            <a:ext cx="8146800" cy="1095120"/>
+            <a:ext cx="8146440" cy="1094760"/>
           </a:xfrm>
           <a:prstGeom prst="rect">
             <a:avLst/>
@@ -24462,7 +24269,7 @@
         <p:txBody>
           <a:bodyPr lIns="90000" rIns="90000" tIns="45000" bIns="45000"/>
           <a:p>
-            <a:pPr marL="343080" indent="-341280">
+            <a:pPr marL="343080" indent="-340920">
               <a:lnSpc>
                 <a:spcPct val="100000"/>
               </a:lnSpc>
@@ -24510,7 +24317,7 @@
             </a:endParaRPr>
           </a:p>
           <a:p>
-            <a:pPr lvl="1" marL="743040" indent="-284040">
+            <a:pPr lvl="1" marL="743040" indent="-283680">
               <a:lnSpc>
                 <a:spcPct val="100000"/>
               </a:lnSpc>
@@ -24538,7 +24345,7 @@
             </a:endParaRPr>
           </a:p>
           <a:p>
-            <a:pPr lvl="1" marL="743040" indent="-284040">
+            <a:pPr lvl="1" marL="743040" indent="-283680">
               <a:lnSpc>
                 <a:spcPct val="100000"/>
               </a:lnSpc>
@@ -24569,14 +24376,14 @@
       </p:sp>
       <p:sp>
         <p:nvSpPr>
-          <p:cNvPr id="410" name="CustomShape 32"/>
+          <p:cNvPr id="409" name="CustomShape 32"/>
           <p:cNvSpPr/>
           <p:nvPr/>
         </p:nvSpPr>
         <p:spPr>
           <a:xfrm>
             <a:off x="4898880" y="2422080"/>
-            <a:ext cx="1930680" cy="2572920"/>
+            <a:ext cx="1930320" cy="2572560"/>
           </a:xfrm>
           <a:prstGeom prst="roundRect">
             <a:avLst>
@@ -24584,61 +24391,54 @@
             </a:avLst>
           </a:prstGeom>
           <a:solidFill>
-            <a:schemeClr val="accent6">
+            <a:srgbClr val="f79646">
               <a:alpha val="10000"/>
-            </a:schemeClr>
+            </a:srgbClr>
           </a:solidFill>
-          <a:ln>
+          <a:ln w="25560">
+            <a:solidFill>
+              <a:srgbClr val="3a5f8b"/>
+            </a:solidFill>
             <a:round/>
           </a:ln>
         </p:spPr>
         <p:style>
-          <a:lnRef idx="2">
-            <a:schemeClr val="accent1">
-              <a:shade val="50000"/>
-            </a:schemeClr>
-          </a:lnRef>
-          <a:fillRef idx="1">
-            <a:schemeClr val="accent1"/>
-          </a:fillRef>
-          <a:effectRef idx="0">
-            <a:schemeClr val="accent1"/>
-          </a:effectRef>
+          <a:lnRef idx="0"/>
+          <a:fillRef idx="0"/>
+          <a:effectRef idx="0"/>
           <a:fontRef idx="minor"/>
         </p:style>
       </p:sp>
       <p:sp>
         <p:nvSpPr>
-          <p:cNvPr id="411" name="CustomShape 33"/>
+          <p:cNvPr id="410" name="CustomShape 33"/>
           <p:cNvSpPr/>
           <p:nvPr/>
         </p:nvSpPr>
         <p:spPr>
           <a:xfrm>
             <a:off x="5865120" y="2286000"/>
-            <a:ext cx="964440" cy="546480"/>
+            <a:ext cx="964080" cy="546120"/>
           </a:xfrm>
           <a:prstGeom prst="roundRect">
             <a:avLst>
               <a:gd name="adj" fmla="val 16667"/>
             </a:avLst>
           </a:prstGeom>
-          <a:ln>
+          <a:solidFill>
+            <a:srgbClr val="4f81bd"/>
+          </a:solidFill>
+          <a:ln w="25560">
+            <a:solidFill>
+              <a:srgbClr val="3a5f8b"/>
+            </a:solidFill>
             <a:round/>
           </a:ln>
         </p:spPr>
         <p:style>
-          <a:lnRef idx="2">
-            <a:schemeClr val="accent1">
-              <a:shade val="50000"/>
-            </a:schemeClr>
-          </a:lnRef>
-          <a:fillRef idx="1">
-            <a:schemeClr val="accent1"/>
-          </a:fillRef>
-          <a:effectRef idx="0">
-            <a:schemeClr val="accent1"/>
-          </a:effectRef>
+          <a:lnRef idx="0"/>
+          <a:fillRef idx="0"/>
+          <a:effectRef idx="0"/>
           <a:fontRef idx="minor"/>
         </p:style>
         <p:txBody>
@@ -24690,10 +24490,10 @@
   <p:timing>
     <p:tnLst>
       <p:par>
-        <p:cTn id="43" dur="indefinite" restart="never" nodeType="tmRoot">
+        <p:cTn id="25" dur="indefinite" restart="never" nodeType="tmRoot">
           <p:childTnLst>
             <p:seq>
-              <p:cTn id="44" dur="indefinite" nodeType="mainSeq"/>
+              <p:cTn id="26" dur="indefinite" nodeType="mainSeq"/>
               <p:prevCondLst>
                 <p:cond delay="0" evt="onPrev">
                   <p:tgtEl>
@@ -24736,14 +24536,14 @@
       </p:grpSpPr>
       <p:sp>
         <p:nvSpPr>
-          <p:cNvPr id="412" name="CustomShape 1"/>
+          <p:cNvPr id="411" name="CustomShape 1"/>
           <p:cNvSpPr/>
           <p:nvPr/>
         </p:nvSpPr>
         <p:spPr>
           <a:xfrm>
             <a:off x="8781120" y="7008480"/>
-            <a:ext cx="157680" cy="4506480"/>
+            <a:ext cx="157320" cy="4506120"/>
           </a:xfrm>
           <a:prstGeom prst="rect">
             <a:avLst/>
@@ -24767,7 +24567,7 @@
                 <a:spcPts val="859"/>
               </a:lnSpc>
             </a:pPr>
-            <a:fld id="{698905C8-F55C-455C-8CA4-6131237640A9}" type="slidenum">
+            <a:fld id="{8312D83E-0E15-4652-9CEA-65D1B9B5E4AF}" type="slidenum">
               <a:rPr b="0" lang="en-US" sz="800" spc="-1" strike="noStrike">
                 <a:solidFill>
                   <a:srgbClr val="000000"/>
@@ -24785,14 +24585,14 @@
       </p:sp>
       <p:sp>
         <p:nvSpPr>
-          <p:cNvPr id="413" name="CustomShape 2"/>
+          <p:cNvPr id="412" name="CustomShape 2"/>
           <p:cNvSpPr/>
           <p:nvPr/>
         </p:nvSpPr>
         <p:spPr>
           <a:xfrm>
             <a:off x="1218600" y="562680"/>
-            <a:ext cx="7720560" cy="1296360"/>
+            <a:ext cx="7720200" cy="1296000"/>
           </a:xfrm>
           <a:prstGeom prst="rect">
             <a:avLst/>
@@ -24836,14 +24636,14 @@
       </p:sp>
       <p:sp>
         <p:nvSpPr>
-          <p:cNvPr id="414" name="CustomShape 3"/>
+          <p:cNvPr id="413" name="CustomShape 3"/>
           <p:cNvSpPr/>
           <p:nvPr/>
         </p:nvSpPr>
         <p:spPr>
           <a:xfrm>
             <a:off x="990720" y="1114200"/>
-            <a:ext cx="8532720" cy="5862240"/>
+            <a:ext cx="8532360" cy="5861880"/>
           </a:xfrm>
           <a:prstGeom prst="rect">
             <a:avLst/>
@@ -24862,7 +24662,7 @@
         <p:txBody>
           <a:bodyPr lIns="90000" rIns="90000" tIns="45000" bIns="45000"/>
           <a:p>
-            <a:pPr marL="285840" indent="-284040">
+            <a:pPr marL="285840" indent="-283680">
               <a:lnSpc>
                 <a:spcPct val="100000"/>
               </a:lnSpc>
@@ -24920,7 +24720,7 @@
             </a:endParaRPr>
           </a:p>
           <a:p>
-            <a:pPr marL="285840" indent="-284040">
+            <a:pPr marL="285840" indent="-283680">
               <a:lnSpc>
                 <a:spcPct val="100000"/>
               </a:lnSpc>
@@ -24968,7 +24768,7 @@
             </a:endParaRPr>
           </a:p>
           <a:p>
-            <a:pPr marL="285840" indent="-284040">
+            <a:pPr marL="285840" indent="-283680">
               <a:lnSpc>
                 <a:spcPct val="100000"/>
               </a:lnSpc>
@@ -25069,7 +24869,7 @@
             </a:endParaRPr>
           </a:p>
           <a:p>
-            <a:pPr marL="285840" indent="-284040">
+            <a:pPr marL="285840" indent="-283680">
               <a:lnSpc>
                 <a:spcPct val="100000"/>
               </a:lnSpc>
@@ -25097,7 +24897,7 @@
             </a:endParaRPr>
           </a:p>
           <a:p>
-            <a:pPr lvl="1" marL="743040" indent="-284040">
+            <a:pPr lvl="1" marL="743040" indent="-283680">
               <a:lnSpc>
                 <a:spcPct val="100000"/>
               </a:lnSpc>
@@ -25145,7 +24945,7 @@
             </a:endParaRPr>
           </a:p>
           <a:p>
-            <a:pPr lvl="1" marL="743040" indent="-284040">
+            <a:pPr lvl="1" marL="743040" indent="-283680">
               <a:lnSpc>
                 <a:spcPct val="100000"/>
               </a:lnSpc>
@@ -25193,7 +24993,7 @@
             </a:endParaRPr>
           </a:p>
           <a:p>
-            <a:pPr marL="285840" indent="-284040">
+            <a:pPr marL="285840" indent="-283680">
               <a:lnSpc>
                 <a:spcPct val="100000"/>
               </a:lnSpc>
@@ -25261,7 +25061,7 @@
             </a:endParaRPr>
           </a:p>
           <a:p>
-            <a:pPr marL="285840" indent="-284040">
+            <a:pPr marL="285840" indent="-283680">
               <a:lnSpc>
                 <a:spcPct val="100000"/>
               </a:lnSpc>
@@ -25299,7 +25099,7 @@
             </a:endParaRPr>
           </a:p>
           <a:p>
-            <a:pPr marL="285840" indent="-284040">
+            <a:pPr marL="285840" indent="-283680">
               <a:lnSpc>
                 <a:spcPct val="100000"/>
               </a:lnSpc>
@@ -25327,7 +25127,7 @@
             </a:endParaRPr>
           </a:p>
           <a:p>
-            <a:pPr lvl="1" marL="743040" indent="-284040">
+            <a:pPr lvl="1" marL="743040" indent="-283680">
               <a:lnSpc>
                 <a:spcPct val="100000"/>
               </a:lnSpc>
@@ -25355,7 +25155,7 @@
             </a:endParaRPr>
           </a:p>
           <a:p>
-            <a:pPr marL="285840" indent="-284040">
+            <a:pPr marL="285840" indent="-283680">
               <a:lnSpc>
                 <a:spcPct val="100000"/>
               </a:lnSpc>
@@ -25383,7 +25183,7 @@
             </a:endParaRPr>
           </a:p>
           <a:p>
-            <a:pPr lvl="1" marL="743040" indent="-284040">
+            <a:pPr lvl="1" marL="743040" indent="-283680">
               <a:lnSpc>
                 <a:spcPct val="100000"/>
               </a:lnSpc>
@@ -25411,7 +25211,7 @@
             </a:endParaRPr>
           </a:p>
           <a:p>
-            <a:pPr lvl="1" marL="743040" indent="-284040">
+            <a:pPr lvl="1" marL="743040" indent="-283680">
               <a:lnSpc>
                 <a:spcPct val="100000"/>
               </a:lnSpc>
@@ -25458,10 +25258,10 @@
   <p:timing>
     <p:tnLst>
       <p:par>
-        <p:cTn id="45" dur="indefinite" restart="never" nodeType="tmRoot">
+        <p:cTn id="27" dur="indefinite" restart="never" nodeType="tmRoot">
           <p:childTnLst>
             <p:seq>
-              <p:cTn id="46" dur="indefinite" nodeType="mainSeq"/>
+              <p:cTn id="28" dur="indefinite" nodeType="mainSeq"/>
               <p:prevCondLst>
                 <p:cond delay="0" evt="onPrev">
                   <p:tgtEl>
@@ -25504,7 +25304,7 @@
       </p:grpSpPr>
       <p:pic>
         <p:nvPicPr>
-          <p:cNvPr id="415" name="Picture 2" descr=""/>
+          <p:cNvPr id="414" name="Picture 2" descr=""/>
           <p:cNvPicPr/>
           <p:nvPr/>
         </p:nvPicPr>
@@ -25515,7 +25315,7 @@
         <p:spPr>
           <a:xfrm>
             <a:off x="2219040" y="1657080"/>
-            <a:ext cx="5478480" cy="5478480"/>
+            <a:ext cx="5478120" cy="5478120"/>
           </a:xfrm>
           <a:prstGeom prst="rect">
             <a:avLst/>
@@ -25530,10 +25330,10 @@
   <p:timing>
     <p:tnLst>
       <p:par>
-        <p:cTn id="47" dur="indefinite" restart="never" nodeType="tmRoot">
+        <p:cTn id="29" dur="indefinite" restart="never" nodeType="tmRoot">
           <p:childTnLst>
             <p:seq>
-              <p:cTn id="48" dur="indefinite" nodeType="mainSeq"/>
+              <p:cTn id="30" dur="indefinite" nodeType="mainSeq"/>
               <p:prevCondLst>
                 <p:cond delay="0" evt="onPrev">
                   <p:tgtEl>
@@ -25583,7 +25383,7 @@
         <p:spPr>
           <a:xfrm>
             <a:off x="1167480" y="798840"/>
-            <a:ext cx="7721640" cy="383040"/>
+            <a:ext cx="7721280" cy="382680"/>
           </a:xfrm>
           <a:prstGeom prst="rect">
             <a:avLst/>
@@ -25632,7 +25432,7 @@
         <p:spPr>
           <a:xfrm>
             <a:off x="502920" y="1787760"/>
-            <a:ext cx="4373640" cy="5468760"/>
+            <a:ext cx="4373280" cy="5468400"/>
           </a:xfrm>
           <a:prstGeom prst="rect">
             <a:avLst/>
@@ -25651,7 +25451,7 @@
         <p:txBody>
           <a:bodyPr lIns="0" rIns="0" tIns="0" bIns="0"/>
           <a:p>
-            <a:pPr marL="343080" indent="-341280">
+            <a:pPr marL="343080" indent="-340920">
               <a:lnSpc>
                 <a:spcPct val="100000"/>
               </a:lnSpc>
@@ -25676,7 +25476,7 @@
             </a:endParaRPr>
           </a:p>
           <a:p>
-            <a:pPr lvl="1" marL="800280" indent="-341280">
+            <a:pPr lvl="1" marL="800280" indent="-340920">
               <a:lnSpc>
                 <a:spcPct val="100000"/>
               </a:lnSpc>
@@ -25701,7 +25501,7 @@
             </a:endParaRPr>
           </a:p>
           <a:p>
-            <a:pPr lvl="1" marL="800280" indent="-341280">
+            <a:pPr lvl="1" marL="800280" indent="-340920">
               <a:lnSpc>
                 <a:spcPct val="100000"/>
               </a:lnSpc>
@@ -25726,7 +25526,7 @@
             </a:endParaRPr>
           </a:p>
           <a:p>
-            <a:pPr lvl="1" marL="800280" indent="-341280">
+            <a:pPr lvl="1" marL="800280" indent="-340920">
               <a:lnSpc>
                 <a:spcPct val="100000"/>
               </a:lnSpc>
@@ -25751,7 +25551,7 @@
             </a:endParaRPr>
           </a:p>
           <a:p>
-            <a:pPr lvl="1" marL="800280" indent="-341280">
+            <a:pPr lvl="1" marL="800280" indent="-340920">
               <a:lnSpc>
                 <a:spcPct val="100000"/>
               </a:lnSpc>
@@ -25776,7 +25576,7 @@
             </a:endParaRPr>
           </a:p>
           <a:p>
-            <a:pPr lvl="1" marL="800280" indent="-341280">
+            <a:pPr lvl="1" marL="800280" indent="-340920">
               <a:lnSpc>
                 <a:spcPct val="100000"/>
               </a:lnSpc>
@@ -25811,7 +25611,7 @@
             </a:endParaRPr>
           </a:p>
           <a:p>
-            <a:pPr marL="343080" indent="-341280">
+            <a:pPr marL="343080" indent="-340920">
               <a:lnSpc>
                 <a:spcPct val="100000"/>
               </a:lnSpc>
@@ -25856,7 +25656,7 @@
             </a:endParaRPr>
           </a:p>
           <a:p>
-            <a:pPr lvl="1" marL="800280" indent="-341280">
+            <a:pPr lvl="1" marL="800280" indent="-340920">
               <a:lnSpc>
                 <a:spcPct val="100000"/>
               </a:lnSpc>
@@ -25897,7 +25697,7 @@
               </a:lnSpc>
             </a:pPr>
             <a:r>
-              <a:rPr b="0" i="1" lang="en-US" sz="3200" spc="412" strike="noStrike">
+              <a:rPr b="0" i="1" lang="en-US" sz="3200" spc="409" strike="noStrike">
                 <a:solidFill>
                   <a:srgbClr val="000000"/>
                 </a:solidFill>
@@ -25907,7 +25707,7 @@
               <a:t>f </a:t>
             </a:r>
             <a:r>
-              <a:rPr b="0" lang="en-US" sz="3200" spc="-123" strike="noStrike">
+              <a:rPr b="0" lang="en-US" sz="3200" spc="-120" strike="noStrike">
                 <a:solidFill>
                   <a:srgbClr val="000000"/>
                 </a:solidFill>
@@ -25917,7 +25717,7 @@
               <a:t>: </a:t>
             </a:r>
             <a:r>
-              <a:rPr b="0" lang="en-US" sz="3200" spc="21" strike="noStrike">
+              <a:rPr b="0" lang="en-US" sz="3200" spc="18" strike="noStrike">
                 <a:solidFill>
                   <a:srgbClr val="000000"/>
                 </a:solidFill>
@@ -25927,7 +25727,7 @@
               <a:t>P</a:t>
             </a:r>
             <a:r>
-              <a:rPr b="0" lang="en-US" sz="3200" spc="38" strike="noStrike" baseline="33000">
+              <a:rPr b="0" lang="en-US" sz="3200" spc="35" strike="noStrike" baseline="33000">
                 <a:solidFill>
                   <a:srgbClr val="000000"/>
                 </a:solidFill>
@@ -25937,7 +25737,7 @@
               <a:t>∗ </a:t>
             </a:r>
             <a:r>
-              <a:rPr b="0" lang="en-US" sz="3200" spc="126" strike="noStrike">
+              <a:rPr b="0" lang="en-US" sz="3200" spc="123" strike="noStrike">
                 <a:solidFill>
                   <a:srgbClr val="000000"/>
                 </a:solidFill>
@@ -25947,7 +25747,7 @@
               <a:t>→</a:t>
             </a:r>
             <a:r>
-              <a:rPr b="0" lang="en-US" sz="3200" spc="-100" strike="noStrike">
+              <a:rPr b="0" lang="en-US" sz="3200" spc="-97" strike="noStrike">
                 <a:solidFill>
                   <a:srgbClr val="000000"/>
                 </a:solidFill>
@@ -25957,7 +25757,7 @@
               <a:t> </a:t>
             </a:r>
             <a:r>
-              <a:rPr b="0" lang="en-US" sz="3200" spc="216" strike="noStrike">
+              <a:rPr b="0" lang="en-US" sz="3200" spc="214" strike="noStrike">
                 <a:solidFill>
                   <a:srgbClr val="000000"/>
                 </a:solidFill>
@@ -25981,7 +25781,7 @@
             </a:endParaRPr>
           </a:p>
           <a:p>
-            <a:pPr marL="343080" indent="-341280">
+            <a:pPr marL="343080" indent="-340920">
               <a:lnSpc>
                 <a:spcPct val="100000"/>
               </a:lnSpc>
@@ -26046,7 +25846,7 @@
         <p:spPr>
           <a:xfrm>
             <a:off x="5257800" y="1752480"/>
-            <a:ext cx="4113000" cy="637560"/>
+            <a:ext cx="4112640" cy="637200"/>
           </a:xfrm>
           <a:prstGeom prst="rect">
             <a:avLst/>
@@ -26095,7 +25895,7 @@
         <p:spPr>
           <a:xfrm>
             <a:off x="5400360" y="5471280"/>
-            <a:ext cx="4036680" cy="1460520"/>
+            <a:ext cx="4036320" cy="1460160"/>
           </a:xfrm>
           <a:prstGeom prst="rect">
             <a:avLst/>
@@ -26134,7 +25934,7 @@
             </a:endParaRPr>
           </a:p>
           <a:p>
-            <a:pPr marL="285840" indent="-284040">
+            <a:pPr marL="285840" indent="-283680">
               <a:lnSpc>
                 <a:spcPct val="100000"/>
               </a:lnSpc>
@@ -26159,7 +25959,7 @@
             </a:endParaRPr>
           </a:p>
           <a:p>
-            <a:pPr marL="285840" indent="-284040">
+            <a:pPr marL="285840" indent="-283680">
               <a:lnSpc>
                 <a:spcPct val="100000"/>
               </a:lnSpc>
@@ -26177,7 +25977,7 @@
                 <a:latin typeface="Calibri"/>
                 <a:ea typeface="DejaVu Sans"/>
               </a:rPr>
-              <a:t>Agent has accept to world </a:t>
+              <a:t>Agent has access to world </a:t>
             </a:r>
             <a:r>
               <a:rPr b="1" i="1" lang="en-US" sz="1800" spc="-1" strike="noStrike">
@@ -26214,7 +26014,7 @@
         <p:spPr>
           <a:xfrm>
             <a:off x="5334120" y="2819520"/>
-            <a:ext cx="2360520" cy="2207880"/>
+            <a:ext cx="2360160" cy="2207520"/>
           </a:xfrm>
           <a:prstGeom prst="roundRect">
             <a:avLst>
@@ -26222,27 +26022,19 @@
             </a:avLst>
           </a:prstGeom>
           <a:solidFill>
-            <a:schemeClr val="accent1">
-              <a:lumMod val="20000"/>
-              <a:lumOff val="80000"/>
-            </a:schemeClr>
+            <a:srgbClr val="dce6f2"/>
           </a:solidFill>
-          <a:ln>
+          <a:ln w="25560">
+            <a:solidFill>
+              <a:srgbClr val="3a5f8b"/>
+            </a:solidFill>
             <a:round/>
           </a:ln>
         </p:spPr>
         <p:style>
-          <a:lnRef idx="2">
-            <a:schemeClr val="accent1">
-              <a:shade val="50000"/>
-            </a:schemeClr>
-          </a:lnRef>
-          <a:fillRef idx="1">
-            <a:schemeClr val="accent1"/>
-          </a:fillRef>
-          <a:effectRef idx="0">
-            <a:schemeClr val="accent1"/>
-          </a:effectRef>
+          <a:lnRef idx="0"/>
+          <a:fillRef idx="0"/>
+          <a:effectRef idx="0"/>
           <a:fontRef idx="minor"/>
         </p:style>
       </p:sp>
@@ -26255,7 +26047,7 @@
         <p:spPr>
           <a:xfrm>
             <a:off x="8381880" y="2819520"/>
-            <a:ext cx="912600" cy="2207880"/>
+            <a:ext cx="912240" cy="2207520"/>
           </a:xfrm>
           <a:prstGeom prst="roundRect">
             <a:avLst>
@@ -26263,31 +26055,23 @@
             </a:avLst>
           </a:prstGeom>
           <a:solidFill>
-            <a:schemeClr val="accent1">
-              <a:lumMod val="20000"/>
-              <a:lumOff val="80000"/>
-            </a:schemeClr>
+            <a:srgbClr val="dce6f2"/>
           </a:solidFill>
-          <a:ln>
+          <a:ln w="25560">
+            <a:solidFill>
+              <a:srgbClr val="3a5f8b"/>
+            </a:solidFill>
             <a:round/>
           </a:ln>
         </p:spPr>
         <p:style>
-          <a:lnRef idx="2">
-            <a:schemeClr val="accent1">
-              <a:shade val="50000"/>
-            </a:schemeClr>
-          </a:lnRef>
-          <a:fillRef idx="1">
-            <a:schemeClr val="accent1"/>
-          </a:fillRef>
-          <a:effectRef idx="0">
-            <a:schemeClr val="accent1"/>
-          </a:effectRef>
+          <a:lnRef idx="0"/>
+          <a:fillRef idx="0"/>
+          <a:effectRef idx="0"/>
           <a:fontRef idx="minor"/>
         </p:style>
         <p:txBody>
-          <a:bodyPr lIns="90000" rIns="90000" tIns="45000" bIns="45000" anchor="ctr" vert="vert" rot="5400000"/>
+          <a:bodyPr lIns="45000" rIns="45000" tIns="90000" bIns="90000" anchor="ctr"/>
           <a:p>
             <a:pPr algn="ctr">
               <a:lnSpc>
@@ -26319,7 +26103,7 @@
         <p:spPr>
           <a:xfrm>
             <a:off x="5380200" y="2836800"/>
-            <a:ext cx="912600" cy="363240"/>
+            <a:ext cx="912240" cy="362880"/>
           </a:xfrm>
           <a:prstGeom prst="rect">
             <a:avLst/>
@@ -26368,7 +26152,7 @@
         <p:spPr>
           <a:xfrm>
             <a:off x="6286320" y="2942280"/>
-            <a:ext cx="737280" cy="302040"/>
+            <a:ext cx="736920" cy="301680"/>
           </a:xfrm>
           <a:prstGeom prst="rect">
             <a:avLst/>
@@ -26417,7 +26201,7 @@
         <p:spPr>
           <a:xfrm>
             <a:off x="6261480" y="4555080"/>
-            <a:ext cx="876240" cy="302040"/>
+            <a:ext cx="875880" cy="301680"/>
           </a:xfrm>
           <a:prstGeom prst="rect">
             <a:avLst/>
@@ -26466,7 +26250,7 @@
         <p:spPr>
           <a:xfrm>
             <a:off x="7637760" y="2837160"/>
-            <a:ext cx="671760" cy="256320"/>
+            <a:ext cx="671400" cy="255960"/>
           </a:xfrm>
           <a:prstGeom prst="rect">
             <a:avLst/>
@@ -26515,7 +26299,7 @@
         <p:spPr>
           <a:xfrm>
             <a:off x="7738200" y="4447440"/>
-            <a:ext cx="600120" cy="256320"/>
+            <a:ext cx="599760" cy="255960"/>
           </a:xfrm>
           <a:prstGeom prst="rect">
             <a:avLst/>
@@ -26564,30 +26348,25 @@
         <p:spPr>
           <a:xfrm>
             <a:off x="6256440" y="3531960"/>
-            <a:ext cx="836280" cy="760320"/>
+            <a:ext cx="835920" cy="759960"/>
           </a:xfrm>
           <a:prstGeom prst="rect">
             <a:avLst/>
           </a:prstGeom>
           <a:solidFill>
-            <a:schemeClr val="bg1"/>
+            <a:srgbClr val="ffffff"/>
           </a:solidFill>
-          <a:ln>
+          <a:ln w="25560">
+            <a:solidFill>
+              <a:srgbClr val="3a5f8b"/>
+            </a:solidFill>
             <a:round/>
           </a:ln>
         </p:spPr>
         <p:style>
-          <a:lnRef idx="2">
-            <a:schemeClr val="accent1">
-              <a:shade val="50000"/>
-            </a:schemeClr>
-          </a:lnRef>
-          <a:fillRef idx="1">
-            <a:schemeClr val="accent1"/>
-          </a:fillRef>
-          <a:effectRef idx="0">
-            <a:schemeClr val="accent1"/>
-          </a:effectRef>
+          <a:lnRef idx="0"/>
+          <a:fillRef idx="0"/>
+          <a:effectRef idx="0"/>
           <a:fontRef idx="minor"/>
         </p:style>
         <p:txBody>
@@ -26622,8 +26401,8 @@
         </p:nvSpPr>
         <p:spPr>
           <a:xfrm flipH="1">
-            <a:off x="7237440" y="3084840"/>
-            <a:ext cx="1598400" cy="360"/>
+            <a:off x="7236000" y="3084840"/>
+            <a:ext cx="1598040" cy="360"/>
           </a:xfrm>
           <a:custGeom>
             <a:avLst/>
@@ -26644,22 +26423,16 @@
           <a:noFill/>
           <a:ln w="28440">
             <a:solidFill>
-              <a:schemeClr val="tx1"/>
+              <a:srgbClr val="000000"/>
             </a:solidFill>
             <a:round/>
             <a:tailEnd len="med" type="triangle" w="med"/>
           </a:ln>
         </p:spPr>
         <p:style>
-          <a:lnRef idx="1">
-            <a:schemeClr val="accent1"/>
-          </a:lnRef>
-          <a:fillRef idx="0">
-            <a:schemeClr val="accent1"/>
-          </a:fillRef>
-          <a:effectRef idx="0">
-            <a:schemeClr val="accent1"/>
-          </a:effectRef>
+          <a:lnRef idx="0"/>
+          <a:fillRef idx="0"/>
+          <a:effectRef idx="0"/>
           <a:fontRef idx="minor"/>
         </p:style>
       </p:sp>
@@ -26672,7 +26445,7 @@
         <p:spPr>
           <a:xfrm>
             <a:off x="7144920" y="4708800"/>
-            <a:ext cx="1598400" cy="360"/>
+            <a:ext cx="1598040" cy="360"/>
           </a:xfrm>
           <a:custGeom>
             <a:avLst/>
@@ -26693,22 +26466,16 @@
           <a:noFill/>
           <a:ln w="28440">
             <a:solidFill>
-              <a:schemeClr val="tx1"/>
+              <a:srgbClr val="000000"/>
             </a:solidFill>
             <a:round/>
             <a:tailEnd len="med" type="triangle" w="med"/>
           </a:ln>
         </p:spPr>
         <p:style>
-          <a:lnRef idx="1">
-            <a:schemeClr val="accent1"/>
-          </a:lnRef>
-          <a:fillRef idx="0">
-            <a:schemeClr val="accent1"/>
-          </a:fillRef>
-          <a:effectRef idx="0">
-            <a:schemeClr val="accent1"/>
-          </a:effectRef>
+          <a:lnRef idx="0"/>
+          <a:fillRef idx="0"/>
+          <a:effectRef idx="0"/>
           <a:fontRef idx="minor"/>
         </p:style>
       </p:sp>
@@ -26720,8 +26487,8 @@
         </p:nvSpPr>
         <p:spPr>
           <a:xfrm flipH="1">
-            <a:off x="6652080" y="3173760"/>
-            <a:ext cx="360" cy="356400"/>
+            <a:off x="6650640" y="3173760"/>
+            <a:ext cx="360" cy="356040"/>
           </a:xfrm>
           <a:custGeom>
             <a:avLst/>
@@ -26742,22 +26509,16 @@
           <a:noFill/>
           <a:ln w="38160">
             <a:solidFill>
-              <a:schemeClr val="tx1"/>
+              <a:srgbClr val="000000"/>
             </a:solidFill>
             <a:round/>
             <a:tailEnd len="med" type="triangle" w="med"/>
           </a:ln>
         </p:spPr>
         <p:style>
-          <a:lnRef idx="1">
-            <a:schemeClr val="accent1"/>
-          </a:lnRef>
-          <a:fillRef idx="0">
-            <a:schemeClr val="accent1"/>
-          </a:fillRef>
-          <a:effectRef idx="0">
-            <a:schemeClr val="accent1"/>
-          </a:effectRef>
+          <a:lnRef idx="0"/>
+          <a:fillRef idx="0"/>
+          <a:effectRef idx="0"/>
           <a:fontRef idx="minor"/>
         </p:style>
       </p:sp>
@@ -26769,8 +26530,8 @@
         </p:nvSpPr>
         <p:spPr>
           <a:xfrm flipH="1">
-            <a:off x="6677280" y="4294080"/>
-            <a:ext cx="360" cy="356400"/>
+            <a:off x="6675840" y="4294080"/>
+            <a:ext cx="360" cy="356040"/>
           </a:xfrm>
           <a:custGeom>
             <a:avLst/>
@@ -26791,22 +26552,16 @@
           <a:noFill/>
           <a:ln w="38160">
             <a:solidFill>
-              <a:schemeClr val="tx1"/>
+              <a:srgbClr val="000000"/>
             </a:solidFill>
             <a:round/>
             <a:tailEnd len="med" type="triangle" w="med"/>
           </a:ln>
         </p:spPr>
         <p:style>
-          <a:lnRef idx="1">
-            <a:schemeClr val="accent1"/>
-          </a:lnRef>
-          <a:fillRef idx="0">
-            <a:schemeClr val="accent1"/>
-          </a:fillRef>
-          <a:effectRef idx="0">
-            <a:schemeClr val="accent1"/>
-          </a:effectRef>
+          <a:lnRef idx="0"/>
+          <a:fillRef idx="0"/>
+          <a:effectRef idx="0"/>
           <a:fontRef idx="minor"/>
         </p:style>
       </p:sp>
@@ -26823,7 +26578,7 @@
         <p:spPr>
           <a:xfrm>
             <a:off x="0" y="0"/>
-            <a:ext cx="379080" cy="83880"/>
+            <a:ext cx="378720" cy="83520"/>
           </a:xfrm>
           <a:prstGeom prst="rect">
             <a:avLst/>
@@ -26846,7 +26601,7 @@
         <p:spPr>
           <a:xfrm>
             <a:off x="0" y="0"/>
-            <a:ext cx="379080" cy="83880"/>
+            <a:ext cx="378720" cy="83520"/>
           </a:xfrm>
           <a:prstGeom prst="rect">
             <a:avLst/>
@@ -26858,33 +26613,6 @@
       </p:pic>
     </p:spTree>
   </p:cSld>
-  <p:timing>
-    <p:tnLst>
-      <p:par>
-        <p:cTn id="5" dur="indefinite" restart="never" nodeType="tmRoot">
-          <p:childTnLst>
-            <p:seq>
-              <p:cTn id="6" dur="indefinite" nodeType="mainSeq"/>
-              <p:prevCondLst>
-                <p:cond delay="0" evt="onPrev">
-                  <p:tgtEl>
-                    <p:sldTgt/>
-                  </p:tgtEl>
-                </p:cond>
-              </p:prevCondLst>
-              <p:nextCondLst>
-                <p:cond delay="0" evt="onNext">
-                  <p:tgtEl>
-                    <p:sldTgt/>
-                  </p:tgtEl>
-                </p:cond>
-              </p:nextCondLst>
-            </p:seq>
-          </p:childTnLst>
-        </p:cTn>
-      </p:par>
-    </p:tnLst>
-  </p:timing>
 </p:sld>
 </file>
 
@@ -26914,7 +26642,7 @@
         <p:spPr>
           <a:xfrm>
             <a:off x="1168920" y="798840"/>
-            <a:ext cx="7720560" cy="1296360"/>
+            <a:ext cx="7720200" cy="1296000"/>
           </a:xfrm>
           <a:prstGeom prst="rect">
             <a:avLst/>
@@ -26963,7 +26691,7 @@
         <p:spPr>
           <a:xfrm>
             <a:off x="2557800" y="1587240"/>
-            <a:ext cx="4963320" cy="2481120"/>
+            <a:ext cx="4962960" cy="2480760"/>
           </a:xfrm>
           <a:custGeom>
             <a:avLst/>
@@ -27015,7 +26743,7 @@
         <p:spPr>
           <a:xfrm>
             <a:off x="5040000" y="1587240"/>
-            <a:ext cx="360" cy="2481120"/>
+            <a:ext cx="360" cy="2480760"/>
           </a:xfrm>
           <a:custGeom>
             <a:avLst/>
@@ -27057,7 +26785,7 @@
         <p:spPr>
           <a:xfrm>
             <a:off x="2928240" y="3005280"/>
-            <a:ext cx="1069200" cy="662760"/>
+            <a:ext cx="1068840" cy="662400"/>
           </a:xfrm>
           <a:prstGeom prst="rect">
             <a:avLst/>
@@ -27088,7 +26816,7 @@
         <p:spPr>
           <a:xfrm>
             <a:off x="2883600" y="1832760"/>
-            <a:ext cx="1756800" cy="972720"/>
+            <a:ext cx="1756440" cy="972360"/>
           </a:xfrm>
           <a:prstGeom prst="rect">
             <a:avLst/>
@@ -27119,7 +26847,7 @@
         <p:spPr>
           <a:xfrm>
             <a:off x="5716440" y="3005280"/>
-            <a:ext cx="1069200" cy="662760"/>
+            <a:ext cx="1068840" cy="662400"/>
           </a:xfrm>
           <a:prstGeom prst="rect">
             <a:avLst/>
@@ -27150,7 +26878,7 @@
         <p:spPr>
           <a:xfrm>
             <a:off x="2635200" y="1577520"/>
-            <a:ext cx="2766240" cy="494280"/>
+            <a:ext cx="2765880" cy="493920"/>
           </a:xfrm>
           <a:prstGeom prst="rect">
             <a:avLst/>
@@ -27219,7 +26947,7 @@
         <p:spPr>
           <a:xfrm>
             <a:off x="8781120" y="7008480"/>
-            <a:ext cx="157680" cy="4506480"/>
+            <a:ext cx="157320" cy="4506120"/>
           </a:xfrm>
           <a:prstGeom prst="rect">
             <a:avLst/>
@@ -27243,7 +26971,7 @@
                 <a:spcPts val="859"/>
               </a:lnSpc>
             </a:pPr>
-            <a:fld id="{E6618CCB-F8E0-412C-8753-B29AB344FBEF}" type="slidenum">
+            <a:fld id="{D4623988-D8A3-448E-BDCB-5F611C7CB5DE}" type="slidenum">
               <a:rPr b="0" lang="en-US" sz="800" spc="-1" strike="noStrike">
                 <a:solidFill>
                   <a:srgbClr val="000000"/>
@@ -27268,7 +26996,7 @@
         <p:spPr>
           <a:xfrm>
             <a:off x="1130400" y="4380120"/>
-            <a:ext cx="5064120" cy="821160"/>
+            <a:ext cx="5063760" cy="820800"/>
           </a:xfrm>
           <a:prstGeom prst="rect">
             <a:avLst/>
@@ -27440,7 +27168,7 @@
         <p:spPr>
           <a:xfrm>
             <a:off x="1033200" y="5596560"/>
-            <a:ext cx="6487920" cy="942480"/>
+            <a:ext cx="6487560" cy="942120"/>
           </a:xfrm>
           <a:prstGeom prst="rect">
             <a:avLst/>
@@ -27479,7 +27207,7 @@
             </a:endParaRPr>
           </a:p>
           <a:p>
-            <a:pPr marL="635040" indent="-349200">
+            <a:pPr marL="635040" indent="-348840">
               <a:lnSpc>
                 <a:spcPct val="100000"/>
               </a:lnSpc>
@@ -27504,7 +27232,7 @@
             </a:endParaRPr>
           </a:p>
           <a:p>
-            <a:pPr marL="635040" indent="-349200">
+            <a:pPr marL="635040" indent="-348840">
               <a:lnSpc>
                 <a:spcPct val="100000"/>
               </a:lnSpc>
@@ -27532,33 +27260,6 @@
       </p:sp>
     </p:spTree>
   </p:cSld>
-  <p:timing>
-    <p:tnLst>
-      <p:par>
-        <p:cTn id="7" dur="indefinite" restart="never" nodeType="tmRoot">
-          <p:childTnLst>
-            <p:seq>
-              <p:cTn id="8" dur="indefinite" nodeType="mainSeq"/>
-              <p:prevCondLst>
-                <p:cond delay="0" evt="onPrev">
-                  <p:tgtEl>
-                    <p:sldTgt/>
-                  </p:tgtEl>
-                </p:cond>
-              </p:prevCondLst>
-              <p:nextCondLst>
-                <p:cond delay="0" evt="onNext">
-                  <p:tgtEl>
-                    <p:sldTgt/>
-                  </p:tgtEl>
-                </p:cond>
-              </p:nextCondLst>
-            </p:seq>
-          </p:childTnLst>
-        </p:cTn>
-      </p:par>
-    </p:tnLst>
-  </p:timing>
 </p:sld>
 </file>
 
@@ -27588,7 +27289,7 @@
         <p:spPr>
           <a:xfrm>
             <a:off x="1168920" y="798840"/>
-            <a:ext cx="7720560" cy="1296360"/>
+            <a:ext cx="7720200" cy="1296000"/>
           </a:xfrm>
           <a:prstGeom prst="rect">
             <a:avLst/>
@@ -27637,7 +27338,7 @@
         <p:spPr>
           <a:xfrm>
             <a:off x="1631880" y="3317040"/>
-            <a:ext cx="2434680" cy="2957040"/>
+            <a:ext cx="2434320" cy="2956680"/>
           </a:xfrm>
           <a:prstGeom prst="rect">
             <a:avLst/>
@@ -28044,7 +27745,7 @@
         <p:spPr>
           <a:xfrm>
             <a:off x="7247160" y="3311640"/>
-            <a:ext cx="701640" cy="2859840"/>
+            <a:ext cx="701280" cy="2859480"/>
           </a:xfrm>
           <a:prstGeom prst="rect">
             <a:avLst/>
@@ -28161,7 +27862,7 @@
         <p:spPr>
           <a:xfrm>
             <a:off x="1112760" y="3276720"/>
-            <a:ext cx="7776720" cy="3021480"/>
+            <a:ext cx="7776360" cy="3021120"/>
           </a:xfrm>
           <a:prstGeom prst="rect">
             <a:avLst/>
@@ -28192,7 +27893,7 @@
         <p:spPr>
           <a:xfrm>
             <a:off x="914400" y="1555920"/>
-            <a:ext cx="7771680" cy="1643760"/>
+            <a:ext cx="7771320" cy="1643400"/>
           </a:xfrm>
           <a:prstGeom prst="rect">
             <a:avLst/>
@@ -28506,7 +28207,7 @@
         <p:spPr>
           <a:xfrm>
             <a:off x="8781120" y="7008480"/>
-            <a:ext cx="157680" cy="4506480"/>
+            <a:ext cx="157320" cy="4506120"/>
           </a:xfrm>
           <a:prstGeom prst="rect">
             <a:avLst/>
@@ -28530,7 +28231,7 @@
                 <a:spcPts val="859"/>
               </a:lnSpc>
             </a:pPr>
-            <a:fld id="{34DA8409-DAAE-4EA9-A107-DCF79CB8F20E}" type="slidenum">
+            <a:fld id="{1FF90B84-4297-4094-868B-2449F0EA4F1A}" type="slidenum">
               <a:rPr b="0" lang="en-US" sz="800" spc="-1" strike="noStrike">
                 <a:solidFill>
                   <a:srgbClr val="000000"/>
@@ -28555,7 +28256,7 @@
         <p:spPr>
           <a:xfrm>
             <a:off x="1130400" y="6553080"/>
-            <a:ext cx="5139720" cy="311040"/>
+            <a:ext cx="5139360" cy="310680"/>
           </a:xfrm>
           <a:prstGeom prst="rect">
             <a:avLst/>
@@ -28574,7 +28275,7 @@
         <p:txBody>
           <a:bodyPr lIns="0" rIns="0" tIns="0" bIns="0"/>
           <a:p>
-            <a:pPr marL="355680" indent="-341280">
+            <a:pPr marL="355680" indent="-340920">
               <a:lnSpc>
                 <a:spcPct val="100000"/>
               </a:lnSpc>
@@ -28622,33 +28323,6 @@
       </p:sp>
     </p:spTree>
   </p:cSld>
-  <p:timing>
-    <p:tnLst>
-      <p:par>
-        <p:cTn id="9" dur="indefinite" restart="never" nodeType="tmRoot">
-          <p:childTnLst>
-            <p:seq>
-              <p:cTn id="10" dur="indefinite" nodeType="mainSeq"/>
-              <p:prevCondLst>
-                <p:cond delay="0" evt="onPrev">
-                  <p:tgtEl>
-                    <p:sldTgt/>
-                  </p:tgtEl>
-                </p:cond>
-              </p:prevCondLst>
-              <p:nextCondLst>
-                <p:cond delay="0" evt="onNext">
-                  <p:tgtEl>
-                    <p:sldTgt/>
-                  </p:tgtEl>
-                </p:cond>
-              </p:nextCondLst>
-            </p:seq>
-          </p:childTnLst>
-        </p:cTn>
-      </p:par>
-    </p:tnLst>
-  </p:timing>
 </p:sld>
 </file>
 
@@ -28678,7 +28352,7 @@
         <p:spPr>
           <a:xfrm>
             <a:off x="1138680" y="659520"/>
-            <a:ext cx="7720560" cy="1296360"/>
+            <a:ext cx="7720200" cy="1296000"/>
           </a:xfrm>
           <a:prstGeom prst="rect">
             <a:avLst/>
@@ -28737,7 +28411,7 @@
         <p:spPr>
           <a:xfrm>
             <a:off x="1371600" y="1314000"/>
-            <a:ext cx="7318440" cy="4640040"/>
+            <a:ext cx="7318080" cy="4639680"/>
           </a:xfrm>
           <a:prstGeom prst="rect">
             <a:avLst/>
@@ -28768,7 +28442,7 @@
         <p:spPr>
           <a:xfrm>
             <a:off x="1722960" y="1474200"/>
-            <a:ext cx="892800" cy="364680"/>
+            <a:ext cx="892440" cy="364320"/>
           </a:xfrm>
           <a:prstGeom prst="rect">
             <a:avLst/>
@@ -28817,56 +28491,7 @@
         <p:spPr>
           <a:xfrm>
             <a:off x="7954200" y="2679840"/>
-            <a:ext cx="320040" cy="1899360"/>
-          </a:xfrm>
-          <a:prstGeom prst="rect">
-            <a:avLst/>
-          </a:prstGeom>
-          <a:noFill/>
-          <a:ln>
-            <a:noFill/>
-          </a:ln>
-        </p:spPr>
-        <p:style>
-          <a:lnRef idx="0"/>
-          <a:fillRef idx="0"/>
-          <a:effectRef idx="0"/>
-          <a:fontRef idx="minor"/>
-        </p:style>
-        <p:txBody>
-          <a:bodyPr lIns="0" rIns="0" tIns="0" bIns="0" vert="vert" rot="5400000"/>
-          <a:p>
-            <a:pPr marL="12600">
-              <a:lnSpc>
-                <a:spcPts val="2540"/>
-              </a:lnSpc>
-            </a:pPr>
-            <a:r>
-              <a:rPr b="1" lang="en-US" sz="2400" spc="-1" strike="noStrike">
-                <a:solidFill>
-                  <a:srgbClr val="000000"/>
-                </a:solidFill>
-                <a:latin typeface="Calibri"/>
-                <a:ea typeface="DejaVu Sans"/>
-              </a:rPr>
-              <a:t>Environment</a:t>
-            </a:r>
-            <a:endParaRPr b="0" lang="en-US" sz="2400" spc="-1" strike="noStrike">
-              <a:latin typeface="Arial"/>
-            </a:endParaRPr>
-          </a:p>
-        </p:txBody>
-      </p:sp>
-      <p:sp>
-        <p:nvSpPr>
-          <p:cNvPr id="166" name="CustomShape 5"/>
-          <p:cNvSpPr/>
-          <p:nvPr/>
-        </p:nvSpPr>
-        <p:spPr>
-          <a:xfrm>
-            <a:off x="5384520" y="1672200"/>
-            <a:ext cx="864360" cy="250200"/>
+            <a:ext cx="319680" cy="1899000"/>
           </a:xfrm>
           <a:prstGeom prst="rect">
             <a:avLst/>
@@ -28887,20 +28512,20 @@
           <a:p>
             <a:pPr marL="12600">
               <a:lnSpc>
-                <a:spcPct val="100000"/>
-              </a:lnSpc>
-            </a:pPr>
-            <a:r>
-              <a:rPr b="1" lang="en-US" sz="1650" spc="-1" strike="noStrike">
-                <a:solidFill>
-                  <a:srgbClr val="000000"/>
-                </a:solidFill>
-                <a:latin typeface="Calibri"/>
-                <a:ea typeface="DejaVu Sans"/>
-              </a:rPr>
-              <a:t>Sensors</a:t>
-            </a:r>
-            <a:endParaRPr b="0" lang="en-US" sz="1650" spc="-1" strike="noStrike">
+                <a:spcPts val="2540"/>
+              </a:lnSpc>
+            </a:pPr>
+            <a:r>
+              <a:rPr b="1" lang="en-US" sz="2400" spc="-1" strike="noStrike">
+                <a:solidFill>
+                  <a:srgbClr val="000000"/>
+                </a:solidFill>
+                <a:latin typeface="Calibri"/>
+                <a:ea typeface="DejaVu Sans"/>
+              </a:rPr>
+              <a:t>Environment</a:t>
+            </a:r>
+            <a:endParaRPr b="0" lang="en-US" sz="2400" spc="-1" strike="noStrike">
               <a:latin typeface="Arial"/>
             </a:endParaRPr>
           </a:p>
@@ -28908,14 +28533,14 @@
       </p:sp>
       <p:sp>
         <p:nvSpPr>
-          <p:cNvPr id="167" name="CustomShape 6"/>
+          <p:cNvPr id="166" name="CustomShape 5"/>
           <p:cNvSpPr/>
           <p:nvPr/>
         </p:nvSpPr>
         <p:spPr>
           <a:xfrm>
-            <a:off x="5148360" y="2320560"/>
-            <a:ext cx="1444680" cy="425880"/>
+            <a:off x="5384520" y="1672200"/>
+            <a:ext cx="864000" cy="249840"/>
           </a:xfrm>
           <a:prstGeom prst="rect">
             <a:avLst/>
@@ -28936,18 +28561,18 @@
           <a:p>
             <a:pPr marL="12600">
               <a:lnSpc>
-                <a:spcPts val="1681"/>
-              </a:lnSpc>
-            </a:pPr>
-            <a:r>
-              <a:rPr b="0" lang="en-US" sz="1650" spc="-1" strike="noStrike">
-                <a:solidFill>
-                  <a:srgbClr val="000000"/>
-                </a:solidFill>
-                <a:latin typeface="Calibri"/>
-                <a:ea typeface="DejaVu Sans"/>
-              </a:rPr>
-              <a:t>What the world  is like now</a:t>
+                <a:spcPct val="100000"/>
+              </a:lnSpc>
+            </a:pPr>
+            <a:r>
+              <a:rPr b="1" lang="en-US" sz="1650" spc="-1" strike="noStrike">
+                <a:solidFill>
+                  <a:srgbClr val="000000"/>
+                </a:solidFill>
+                <a:latin typeface="Calibri"/>
+                <a:ea typeface="DejaVu Sans"/>
+              </a:rPr>
+              <a:t>Sensors</a:t>
             </a:r>
             <a:endParaRPr b="0" lang="en-US" sz="1650" spc="-1" strike="noStrike">
               <a:latin typeface="Arial"/>
@@ -28957,14 +28582,14 @@
       </p:sp>
       <p:sp>
         <p:nvSpPr>
-          <p:cNvPr id="168" name="CustomShape 7"/>
+          <p:cNvPr id="167" name="CustomShape 6"/>
           <p:cNvSpPr/>
           <p:nvPr/>
         </p:nvSpPr>
         <p:spPr>
           <a:xfrm>
-            <a:off x="5178960" y="4481640"/>
-            <a:ext cx="1397880" cy="425880"/>
+            <a:off x="5148360" y="2320560"/>
+            <a:ext cx="1444320" cy="425520"/>
           </a:xfrm>
           <a:prstGeom prst="rect">
             <a:avLst/>
@@ -28996,6 +28621,55 @@
                 <a:latin typeface="Calibri"/>
                 <a:ea typeface="DejaVu Sans"/>
               </a:rPr>
+              <a:t>What the world  is like now</a:t>
+            </a:r>
+            <a:endParaRPr b="0" lang="en-US" sz="1650" spc="-1" strike="noStrike">
+              <a:latin typeface="Arial"/>
+            </a:endParaRPr>
+          </a:p>
+        </p:txBody>
+      </p:sp>
+      <p:sp>
+        <p:nvSpPr>
+          <p:cNvPr id="168" name="CustomShape 7"/>
+          <p:cNvSpPr/>
+          <p:nvPr/>
+        </p:nvSpPr>
+        <p:spPr>
+          <a:xfrm>
+            <a:off x="5178960" y="4481640"/>
+            <a:ext cx="1397520" cy="425520"/>
+          </a:xfrm>
+          <a:prstGeom prst="rect">
+            <a:avLst/>
+          </a:prstGeom>
+          <a:noFill/>
+          <a:ln>
+            <a:noFill/>
+          </a:ln>
+        </p:spPr>
+        <p:style>
+          <a:lnRef idx="0"/>
+          <a:fillRef idx="0"/>
+          <a:effectRef idx="0"/>
+          <a:fontRef idx="minor"/>
+        </p:style>
+        <p:txBody>
+          <a:bodyPr lIns="0" rIns="0" tIns="0" bIns="0"/>
+          <a:p>
+            <a:pPr marL="12600">
+              <a:lnSpc>
+                <a:spcPts val="1681"/>
+              </a:lnSpc>
+            </a:pPr>
+            <a:r>
+              <a:rPr b="0" lang="en-US" sz="1650" spc="-1" strike="noStrike">
+                <a:solidFill>
+                  <a:srgbClr val="000000"/>
+                </a:solidFill>
+                <a:latin typeface="Calibri"/>
+                <a:ea typeface="DejaVu Sans"/>
+              </a:rPr>
               <a:t>What action I  should do now</a:t>
             </a:r>
             <a:endParaRPr b="0" lang="en-US" sz="1650" spc="-1" strike="noStrike">
@@ -29013,7 +28687,7 @@
         <p:spPr>
           <a:xfrm>
             <a:off x="1940040" y="4494600"/>
-            <a:ext cx="2438280" cy="378720"/>
+            <a:ext cx="2437920" cy="378360"/>
           </a:xfrm>
           <a:prstGeom prst="rect">
             <a:avLst/>
@@ -29044,7 +28718,7 @@
         <p:spPr>
           <a:xfrm>
             <a:off x="2059200" y="4549320"/>
-            <a:ext cx="2137680" cy="250200"/>
+            <a:ext cx="2137320" cy="249840"/>
           </a:xfrm>
           <a:prstGeom prst="rect">
             <a:avLst/>
@@ -29093,7 +28767,7 @@
         <p:spPr>
           <a:xfrm>
             <a:off x="5866920" y="1919520"/>
-            <a:ext cx="360" cy="351360"/>
+            <a:ext cx="360" cy="351000"/>
           </a:xfrm>
           <a:custGeom>
             <a:avLst/>
@@ -29135,7 +28809,7 @@
         <p:spPr>
           <a:xfrm>
             <a:off x="5809680" y="2089440"/>
-            <a:ext cx="112680" cy="249840"/>
+            <a:ext cx="112320" cy="249480"/>
           </a:xfrm>
           <a:custGeom>
             <a:avLst/>
@@ -29183,7 +28857,7 @@
         <p:spPr>
           <a:xfrm>
             <a:off x="5828760" y="2104920"/>
-            <a:ext cx="74520" cy="165960"/>
+            <a:ext cx="74160" cy="165600"/>
           </a:xfrm>
           <a:custGeom>
             <a:avLst/>
@@ -29228,7 +28902,7 @@
         <p:spPr>
           <a:xfrm>
             <a:off x="5866920" y="4939920"/>
-            <a:ext cx="360" cy="394920"/>
+            <a:ext cx="360" cy="394560"/>
           </a:xfrm>
           <a:custGeom>
             <a:avLst/>
@@ -29270,7 +28944,7 @@
         <p:spPr>
           <a:xfrm>
             <a:off x="5809680" y="5154120"/>
-            <a:ext cx="112680" cy="249840"/>
+            <a:ext cx="112320" cy="249480"/>
           </a:xfrm>
           <a:custGeom>
             <a:avLst/>
@@ -29318,7 +28992,7 @@
         <p:spPr>
           <a:xfrm>
             <a:off x="5828760" y="5169240"/>
-            <a:ext cx="74520" cy="165960"/>
+            <a:ext cx="74160" cy="165600"/>
           </a:xfrm>
           <a:custGeom>
             <a:avLst/>
@@ -29363,7 +29037,7 @@
         <p:spPr>
           <a:xfrm>
             <a:off x="5866920" y="2793960"/>
-            <a:ext cx="360" cy="1644840"/>
+            <a:ext cx="360" cy="1644480"/>
           </a:xfrm>
           <a:custGeom>
             <a:avLst/>
@@ -29405,7 +29079,7 @@
         <p:spPr>
           <a:xfrm>
             <a:off x="5809680" y="4257360"/>
-            <a:ext cx="112680" cy="249840"/>
+            <a:ext cx="112320" cy="249480"/>
           </a:xfrm>
           <a:custGeom>
             <a:avLst/>
@@ -29453,7 +29127,7 @@
         <p:spPr>
           <a:xfrm>
             <a:off x="5828760" y="4272840"/>
-            <a:ext cx="74520" cy="165960"/>
+            <a:ext cx="74160" cy="165600"/>
           </a:xfrm>
           <a:custGeom>
             <a:avLst/>
@@ -29498,7 +29172,7 @@
         <p:spPr>
           <a:xfrm>
             <a:off x="5361480" y="5432040"/>
-            <a:ext cx="1018080" cy="250200"/>
+            <a:ext cx="1017720" cy="249840"/>
           </a:xfrm>
           <a:prstGeom prst="rect">
             <a:avLst/>
@@ -29547,7 +29221,7 @@
         <p:spPr>
           <a:xfrm>
             <a:off x="8781120" y="7008480"/>
-            <a:ext cx="157680" cy="4506480"/>
+            <a:ext cx="157320" cy="4506120"/>
           </a:xfrm>
           <a:prstGeom prst="rect">
             <a:avLst/>
@@ -29571,7 +29245,7 @@
                 <a:spcPts val="859"/>
               </a:lnSpc>
             </a:pPr>
-            <a:fld id="{9531DA3A-46AD-4C2E-B806-93EBDCFDE695}" type="slidenum">
+            <a:fld id="{74305747-2C6E-47E3-ADEF-7596C1715BC7}" type="slidenum">
               <a:rPr b="0" lang="en-US" sz="800" spc="-1" strike="noStrike">
                 <a:solidFill>
                   <a:srgbClr val="000000"/>
@@ -29596,7 +29270,7 @@
         <p:spPr>
           <a:xfrm>
             <a:off x="990720" y="6248520"/>
-            <a:ext cx="7389720" cy="713880"/>
+            <a:ext cx="7389360" cy="713520"/>
           </a:xfrm>
           <a:prstGeom prst="rect">
             <a:avLst/>
@@ -29615,7 +29289,7 @@
         <p:txBody>
           <a:bodyPr lIns="90000" rIns="90000" tIns="45000" bIns="45000"/>
           <a:p>
-            <a:pPr marL="285840" indent="-284040">
+            <a:pPr marL="285840" indent="-283680">
               <a:lnSpc>
                 <a:spcPct val="100000"/>
               </a:lnSpc>
@@ -29663,7 +29337,7 @@
             </a:endParaRPr>
           </a:p>
           <a:p>
-            <a:pPr marL="285840" indent="-284040">
+            <a:pPr marL="285840" indent="-283680">
               <a:lnSpc>
                 <a:spcPct val="100000"/>
               </a:lnSpc>
@@ -29714,33 +29388,6 @@
       </p:sp>
     </p:spTree>
   </p:cSld>
-  <p:timing>
-    <p:tnLst>
-      <p:par>
-        <p:cTn id="11" dur="indefinite" restart="never" nodeType="tmRoot">
-          <p:childTnLst>
-            <p:seq>
-              <p:cTn id="12" dur="indefinite" nodeType="mainSeq"/>
-              <p:prevCondLst>
-                <p:cond delay="0" evt="onPrev">
-                  <p:tgtEl>
-                    <p:sldTgt/>
-                  </p:tgtEl>
-                </p:cond>
-              </p:prevCondLst>
-              <p:nextCondLst>
-                <p:cond delay="0" evt="onNext">
-                  <p:tgtEl>
-                    <p:sldTgt/>
-                  </p:tgtEl>
-                </p:cond>
-              </p:nextCondLst>
-            </p:seq>
-          </p:childTnLst>
-        </p:cTn>
-      </p:par>
-    </p:tnLst>
-  </p:timing>
 </p:sld>
 </file>
 
@@ -29770,7 +29417,7 @@
         <p:spPr>
           <a:xfrm>
             <a:off x="1167480" y="798840"/>
-            <a:ext cx="7721640" cy="383040"/>
+            <a:ext cx="7721280" cy="382680"/>
           </a:xfrm>
           <a:prstGeom prst="rect">
             <a:avLst/>
@@ -29819,7 +29466,7 @@
         <p:spPr>
           <a:xfrm>
             <a:off x="502920" y="1447920"/>
-            <a:ext cx="8562960" cy="6084360"/>
+            <a:ext cx="8562600" cy="6084000"/>
           </a:xfrm>
           <a:prstGeom prst="rect">
             <a:avLst/>
@@ -29838,7 +29485,7 @@
         <p:txBody>
           <a:bodyPr lIns="0" rIns="0" tIns="0" bIns="0"/>
           <a:p>
-            <a:pPr marL="343080" indent="-341280">
+            <a:pPr marL="343080" indent="-340920">
               <a:lnSpc>
                 <a:spcPct val="100000"/>
               </a:lnSpc>
@@ -29863,7 +29510,7 @@
             </a:endParaRPr>
           </a:p>
           <a:p>
-            <a:pPr lvl="1" marL="800280" indent="-341280">
+            <a:pPr lvl="1" marL="800280" indent="-340920">
               <a:lnSpc>
                 <a:spcPct val="100000"/>
               </a:lnSpc>
@@ -29888,7 +29535,7 @@
             </a:endParaRPr>
           </a:p>
           <a:p>
-            <a:pPr lvl="1" marL="800280" indent="-341280">
+            <a:pPr lvl="1" marL="800280" indent="-340920">
               <a:lnSpc>
                 <a:spcPct val="100000"/>
               </a:lnSpc>
@@ -30003,7 +29650,7 @@
             </a:endParaRPr>
           </a:p>
           <a:p>
-            <a:pPr marL="343080" indent="-341280">
+            <a:pPr marL="343080" indent="-340920">
               <a:lnSpc>
                 <a:spcPct val="100000"/>
               </a:lnSpc>
@@ -30028,7 +29675,7 @@
             </a:endParaRPr>
           </a:p>
           <a:p>
-            <a:pPr lvl="1" marL="800280" indent="-341280">
+            <a:pPr lvl="1" marL="800280" indent="-340920">
               <a:lnSpc>
                 <a:spcPct val="100000"/>
               </a:lnSpc>
@@ -30053,7 +29700,7 @@
             </a:endParaRPr>
           </a:p>
           <a:p>
-            <a:pPr lvl="1" marL="800280" indent="-341280">
+            <a:pPr lvl="1" marL="800280" indent="-340920">
               <a:lnSpc>
                 <a:spcPct val="100000"/>
               </a:lnSpc>
@@ -30078,7 +29725,7 @@
             </a:endParaRPr>
           </a:p>
           <a:p>
-            <a:pPr lvl="1" marL="800280" indent="-341280">
+            <a:pPr lvl="1" marL="800280" indent="-340920">
               <a:lnSpc>
                 <a:spcPct val="100000"/>
               </a:lnSpc>
@@ -30113,7 +29760,7 @@
             </a:endParaRPr>
           </a:p>
           <a:p>
-            <a:pPr marL="343080" indent="-341280">
+            <a:pPr marL="343080" indent="-340920">
               <a:lnSpc>
                 <a:spcPct val="100000"/>
               </a:lnSpc>
@@ -30168,7 +29815,7 @@
         <p:spPr>
           <a:xfrm>
             <a:off x="896040" y="2666880"/>
-            <a:ext cx="5274360" cy="1972800"/>
+            <a:ext cx="5274000" cy="1972440"/>
           </a:xfrm>
           <a:prstGeom prst="rect">
             <a:avLst/>
@@ -30181,7 +29828,7 @@
           </a:blipFill>
           <a:ln>
             <a:solidFill>
-              <a:schemeClr val="tx1"/>
+              <a:srgbClr val="000000"/>
             </a:solidFill>
           </a:ln>
         </p:spPr>
@@ -30201,7 +29848,7 @@
         <p:spPr>
           <a:xfrm>
             <a:off x="1842120" y="2672640"/>
-            <a:ext cx="2434680" cy="2017440"/>
+            <a:ext cx="2434320" cy="2017080"/>
           </a:xfrm>
           <a:prstGeom prst="rect">
             <a:avLst/>
@@ -30568,7 +30215,7 @@
         <p:spPr>
           <a:xfrm>
             <a:off x="5032080" y="2696760"/>
-            <a:ext cx="701640" cy="1945080"/>
+            <a:ext cx="701280" cy="1944720"/>
           </a:xfrm>
           <a:prstGeom prst="rect">
             <a:avLst/>
@@ -30656,33 +30303,6 @@
       </p:sp>
     </p:spTree>
   </p:cSld>
-  <p:timing>
-    <p:tnLst>
-      <p:par>
-        <p:cTn id="13" dur="indefinite" restart="never" nodeType="tmRoot">
-          <p:childTnLst>
-            <p:seq>
-              <p:cTn id="14" dur="indefinite" nodeType="mainSeq"/>
-              <p:prevCondLst>
-                <p:cond delay="0" evt="onPrev">
-                  <p:tgtEl>
-                    <p:sldTgt/>
-                  </p:tgtEl>
-                </p:cond>
-              </p:prevCondLst>
-              <p:nextCondLst>
-                <p:cond delay="0" evt="onNext">
-                  <p:tgtEl>
-                    <p:sldTgt/>
-                  </p:tgtEl>
-                </p:cond>
-              </p:nextCondLst>
-            </p:seq>
-          </p:childTnLst>
-        </p:cTn>
-      </p:par>
-    </p:tnLst>
-  </p:timing>
 </p:sld>
 </file>
 
@@ -30712,7 +30332,7 @@
         <p:spPr>
           <a:xfrm>
             <a:off x="8781120" y="7008480"/>
-            <a:ext cx="157680" cy="4506480"/>
+            <a:ext cx="157320" cy="4506120"/>
           </a:xfrm>
           <a:prstGeom prst="rect">
             <a:avLst/>
@@ -30736,7 +30356,7 @@
                 <a:spcPts val="859"/>
               </a:lnSpc>
             </a:pPr>
-            <a:fld id="{35F1AD93-8052-4101-8122-68F3C484493D}" type="slidenum">
+            <a:fld id="{59252FC6-DC04-4710-97B5-874496A0011D}" type="slidenum">
               <a:rPr b="0" lang="en-US" sz="800" spc="-1" strike="noStrike">
                 <a:solidFill>
                   <a:srgbClr val="000000"/>
@@ -30761,7 +30381,7 @@
         <p:spPr>
           <a:xfrm>
             <a:off x="1168920" y="798840"/>
-            <a:ext cx="7720560" cy="1296360"/>
+            <a:ext cx="7720200" cy="1296000"/>
           </a:xfrm>
           <a:prstGeom prst="rect">
             <a:avLst/>
@@ -30810,7 +30430,7 @@
         <p:spPr>
           <a:xfrm>
             <a:off x="1130400" y="1411560"/>
-            <a:ext cx="7790400" cy="5133960"/>
+            <a:ext cx="7790040" cy="5133600"/>
           </a:xfrm>
           <a:prstGeom prst="rect">
             <a:avLst/>
@@ -30862,7 +30482,7 @@
                 <a:latin typeface="Calibri"/>
                 <a:ea typeface="DejaVu Sans"/>
               </a:rPr>
-              <a:t>evaluates the </a:t>
+              <a:t>evaluates the action</a:t>
             </a:r>
             <a:r>
               <a:rPr b="0" lang="en-US" sz="2050" spc="-1" strike="noStrike">
@@ -30872,14 +30492,14 @@
                 <a:latin typeface="Calibri"/>
                 <a:ea typeface="DejaVu Sans"/>
               </a:rPr>
-              <a:t>environment  sequence</a:t>
+              <a:t>  sequence</a:t>
             </a:r>
             <a:endParaRPr b="0" lang="en-US" sz="2050" spc="-1" strike="noStrike">
               <a:latin typeface="Arial"/>
             </a:endParaRPr>
           </a:p>
           <a:p>
-            <a:pPr marL="583560" indent="-203400">
+            <a:pPr marL="583560" indent="-203040">
               <a:lnSpc>
                 <a:spcPct val="100000"/>
               </a:lnSpc>
@@ -30927,7 +30547,7 @@
             </a:endParaRPr>
           </a:p>
           <a:p>
-            <a:pPr marL="583560" indent="-203400">
+            <a:pPr marL="583560" indent="-203040">
               <a:lnSpc>
                 <a:spcPct val="100000"/>
               </a:lnSpc>
@@ -30955,7 +30575,7 @@
             </a:endParaRPr>
           </a:p>
           <a:p>
-            <a:pPr marL="583560" indent="-203400">
+            <a:pPr marL="583560" indent="-203040">
               <a:lnSpc>
                 <a:spcPct val="100000"/>
               </a:lnSpc>
@@ -31013,7 +30633,7 @@
             </a:endParaRPr>
           </a:p>
           <a:p>
-            <a:pPr marL="583560" indent="-203400">
+            <a:pPr marL="583560" indent="-203040">
               <a:lnSpc>
                 <a:spcPct val="100000"/>
               </a:lnSpc>
@@ -31114,7 +30734,7 @@
             </a:endParaRPr>
           </a:p>
           <a:p>
-            <a:pPr marL="577800" indent="-341280">
+            <a:pPr marL="577800" indent="-340920">
               <a:lnSpc>
                 <a:spcPct val="101000"/>
               </a:lnSpc>
@@ -31172,7 +30792,7 @@
             </a:endParaRPr>
           </a:p>
           <a:p>
-            <a:pPr marL="577800" indent="-341280">
+            <a:pPr marL="577800" indent="-340920">
               <a:lnSpc>
                 <a:spcPct val="100000"/>
               </a:lnSpc>
@@ -31227,7 +30847,7 @@
             </a:endParaRPr>
           </a:p>
           <a:p>
-            <a:pPr marL="577800" indent="-341280">
+            <a:pPr marL="577800" indent="-340920">
               <a:lnSpc>
                 <a:spcPct val="100000"/>
               </a:lnSpc>
@@ -31312,7 +30932,7 @@
         <p:spPr>
           <a:xfrm>
             <a:off x="1115640" y="6784560"/>
-            <a:ext cx="2399040" cy="311040"/>
+            <a:ext cx="2398680" cy="310680"/>
           </a:xfrm>
           <a:prstGeom prst="rect">
             <a:avLst/>
@@ -31361,7 +30981,7 @@
         <p:spPr>
           <a:xfrm>
             <a:off x="3516480" y="6757920"/>
-            <a:ext cx="5103720" cy="311040"/>
+            <a:ext cx="5103360" cy="310680"/>
           </a:xfrm>
           <a:prstGeom prst="rect">
             <a:avLst/>
@@ -31423,33 +31043,6 @@
       </p:sp>
     </p:spTree>
   </p:cSld>
-  <p:timing>
-    <p:tnLst>
-      <p:par>
-        <p:cTn id="15" dur="indefinite" restart="never" nodeType="tmRoot">
-          <p:childTnLst>
-            <p:seq>
-              <p:cTn id="16" dur="indefinite" nodeType="mainSeq"/>
-              <p:prevCondLst>
-                <p:cond delay="0" evt="onPrev">
-                  <p:tgtEl>
-                    <p:sldTgt/>
-                  </p:tgtEl>
-                </p:cond>
-              </p:prevCondLst>
-              <p:nextCondLst>
-                <p:cond delay="0" evt="onNext">
-                  <p:tgtEl>
-                    <p:sldTgt/>
-                  </p:tgtEl>
-                </p:cond>
-              </p:nextCondLst>
-            </p:seq>
-          </p:childTnLst>
-        </p:cTn>
-      </p:par>
-    </p:tnLst>
-  </p:timing>
 </p:sld>
 </file>
 
@@ -31479,7 +31072,7 @@
         <p:spPr>
           <a:xfrm>
             <a:off x="1167480" y="798840"/>
-            <a:ext cx="7721640" cy="383040"/>
+            <a:ext cx="7721280" cy="382680"/>
           </a:xfrm>
           <a:prstGeom prst="rect">
             <a:avLst/>
@@ -31528,7 +31121,7 @@
         <p:spPr>
           <a:xfrm>
             <a:off x="502920" y="1447920"/>
-            <a:ext cx="8562960" cy="5823000"/>
+            <a:ext cx="8562600" cy="5822640"/>
           </a:xfrm>
           <a:prstGeom prst="rect">
             <a:avLst/>
@@ -31547,7 +31140,7 @@
         <p:txBody>
           <a:bodyPr lIns="0" rIns="0" tIns="0" bIns="0"/>
           <a:p>
-            <a:pPr marL="343080" indent="-341280">
+            <a:pPr marL="343080" indent="-340920">
               <a:lnSpc>
                 <a:spcPct val="100000"/>
               </a:lnSpc>
@@ -31585,7 +31178,7 @@
             </a:endParaRPr>
           </a:p>
           <a:p>
-            <a:pPr lvl="1" marL="800280" indent="-341280">
+            <a:pPr lvl="1" marL="800280" indent="-340920">
               <a:lnSpc>
                 <a:spcPct val="100000"/>
               </a:lnSpc>
@@ -31633,7 +31226,7 @@
             </a:endParaRPr>
           </a:p>
           <a:p>
-            <a:pPr lvl="1" marL="800280" indent="-341280">
+            <a:pPr lvl="1" marL="800280" indent="-340920">
               <a:lnSpc>
                 <a:spcPct val="100000"/>
               </a:lnSpc>
@@ -31671,7 +31264,7 @@
             </a:endParaRPr>
           </a:p>
           <a:p>
-            <a:pPr marL="343080" indent="-341280">
+            <a:pPr marL="343080" indent="-340920">
               <a:lnSpc>
                 <a:spcPct val="100000"/>
               </a:lnSpc>
@@ -31699,7 +31292,7 @@
             </a:endParaRPr>
           </a:p>
           <a:p>
-            <a:pPr lvl="1" marL="800280" indent="-341280">
+            <a:pPr lvl="1" marL="800280" indent="-340920">
               <a:lnSpc>
                 <a:spcPct val="100000"/>
               </a:lnSpc>
@@ -31727,7 +31320,7 @@
             </a:endParaRPr>
           </a:p>
           <a:p>
-            <a:pPr lvl="1" marL="800280" indent="-341280">
+            <a:pPr lvl="1" marL="800280" indent="-340920">
               <a:lnSpc>
                 <a:spcPct val="100000"/>
               </a:lnSpc>
@@ -31765,7 +31358,7 @@
             </a:endParaRPr>
           </a:p>
           <a:p>
-            <a:pPr marL="343080" indent="-341280">
+            <a:pPr marL="343080" indent="-340920">
               <a:lnSpc>
                 <a:spcPct val="100000"/>
               </a:lnSpc>
@@ -31793,7 +31386,7 @@
             </a:endParaRPr>
           </a:p>
           <a:p>
-            <a:pPr lvl="1" marL="800280" indent="-341280">
+            <a:pPr lvl="1" marL="800280" indent="-340920">
               <a:lnSpc>
                 <a:spcPct val="100000"/>
               </a:lnSpc>
@@ -31831,7 +31424,7 @@
             </a:endParaRPr>
           </a:p>
           <a:p>
-            <a:pPr marL="343080" indent="-341280">
+            <a:pPr marL="343080" indent="-340920">
               <a:lnSpc>
                 <a:spcPct val="100000"/>
               </a:lnSpc>
@@ -31859,7 +31452,7 @@
             </a:endParaRPr>
           </a:p>
           <a:p>
-            <a:pPr lvl="1" marL="800280" indent="-341280">
+            <a:pPr lvl="1" marL="800280" indent="-340920">
               <a:lnSpc>
                 <a:spcPct val="100000"/>
               </a:lnSpc>
@@ -31887,7 +31480,7 @@
             </a:endParaRPr>
           </a:p>
           <a:p>
-            <a:pPr lvl="1" marL="800280" indent="-341280">
+            <a:pPr lvl="1" marL="800280" indent="-340920">
               <a:lnSpc>
                 <a:spcPct val="100000"/>
               </a:lnSpc>
@@ -31915,7 +31508,7 @@
             </a:endParaRPr>
           </a:p>
           <a:p>
-            <a:pPr lvl="1" marL="800280" indent="-341280">
+            <a:pPr lvl="1" marL="800280" indent="-340920">
               <a:lnSpc>
                 <a:spcPct val="100000"/>
               </a:lnSpc>
@@ -31943,7 +31536,7 @@
             </a:endParaRPr>
           </a:p>
           <a:p>
-            <a:pPr lvl="2" marL="1257480" indent="-341280">
+            <a:pPr lvl="2" marL="1257480" indent="-340920">
               <a:lnSpc>
                 <a:spcPct val="100000"/>
               </a:lnSpc>
@@ -31995,7 +31588,7 @@
         <p:spPr>
           <a:xfrm>
             <a:off x="6508440" y="3657600"/>
-            <a:ext cx="3092040" cy="2055600"/>
+            <a:ext cx="3091680" cy="2055240"/>
           </a:xfrm>
           <a:prstGeom prst="rect">
             <a:avLst/>
@@ -32007,33 +31600,6 @@
       </p:pic>
     </p:spTree>
   </p:cSld>
-  <p:timing>
-    <p:tnLst>
-      <p:par>
-        <p:cTn id="17" dur="indefinite" restart="never" nodeType="tmRoot">
-          <p:childTnLst>
-            <p:seq>
-              <p:cTn id="18" dur="indefinite" nodeType="mainSeq"/>
-              <p:prevCondLst>
-                <p:cond delay="0" evt="onPrev">
-                  <p:tgtEl>
-                    <p:sldTgt/>
-                  </p:tgtEl>
-                </p:cond>
-              </p:prevCondLst>
-              <p:nextCondLst>
-                <p:cond delay="0" evt="onNext">
-                  <p:tgtEl>
-                    <p:sldTgt/>
-                  </p:tgtEl>
-                </p:cond>
-              </p:nextCondLst>
-            </p:seq>
-          </p:childTnLst>
-        </p:cTn>
-      </p:par>
-    </p:tnLst>
-  </p:timing>
 </p:sld>
 </file>
 
